--- a/Documents/Team 7 - Sprint 3 Presentation.pptx
+++ b/Documents/Team 7 - Sprint 3 Presentation.pptx
@@ -4,12 +4,19 @@
   <p:sldMasterIdLst>
     <p:sldMasterId id="2147483648" r:id="rId1"/>
   </p:sldMasterIdLst>
+  <p:notesMasterIdLst>
+    <p:notesMasterId r:id="rId11"/>
+  </p:notesMasterIdLst>
   <p:sldIdLst>
     <p:sldId id="256" r:id="rId2"/>
     <p:sldId id="257" r:id="rId3"/>
     <p:sldId id="258" r:id="rId4"/>
     <p:sldId id="259" r:id="rId5"/>
     <p:sldId id="260" r:id="rId6"/>
+    <p:sldId id="262" r:id="rId7"/>
+    <p:sldId id="263" r:id="rId8"/>
+    <p:sldId id="264" r:id="rId9"/>
+    <p:sldId id="266" r:id="rId10"/>
   </p:sldIdLst>
   <p:sldSz cx="12192000" cy="6858000"/>
   <p:notesSz cx="6858000" cy="9144000"/>
@@ -108,7 +115,831 @@
       </a:defRPr>
     </a:lvl9pPr>
   </p:defaultTextStyle>
+  <p:extLst>
+    <p:ext uri="{EFAFB233-063F-42B5-8137-9DF3F51BA10A}">
+      <p15:sldGuideLst xmlns:p15="http://schemas.microsoft.com/office/powerpoint/2012/main"/>
+    </p:ext>
+  </p:extLst>
 </p:presentation>
+</file>
+
+<file path=ppt/notesMasters/notesMaster1.xml><?xml version="1.0" encoding="utf-8"?>
+<p:notesMaster xmlns:a="http://schemas.openxmlformats.org/drawingml/2006/main" xmlns:r="http://schemas.openxmlformats.org/officeDocument/2006/relationships" xmlns:p="http://schemas.openxmlformats.org/presentationml/2006/main">
+  <p:cSld>
+    <p:bg>
+      <p:bgRef idx="1001">
+        <a:schemeClr val="bg1"/>
+      </p:bgRef>
+    </p:bg>
+    <p:spTree>
+      <p:nvGrpSpPr>
+        <p:cNvPr id="1" name=""/>
+        <p:cNvGrpSpPr/>
+        <p:nvPr/>
+      </p:nvGrpSpPr>
+      <p:grpSpPr>
+        <a:xfrm>
+          <a:off x="0" y="0"/>
+          <a:ext cx="0" cy="0"/>
+          <a:chOff x="0" y="0"/>
+          <a:chExt cx="0" cy="0"/>
+        </a:xfrm>
+      </p:grpSpPr>
+      <p:sp>
+        <p:nvSpPr>
+          <p:cNvPr id="2" name="Header Placeholder 1"/>
+          <p:cNvSpPr>
+            <a:spLocks noGrp="1"/>
+          </p:cNvSpPr>
+          <p:nvPr>
+            <p:ph type="hdr" sz="quarter"/>
+          </p:nvPr>
+        </p:nvSpPr>
+        <p:spPr>
+          <a:xfrm>
+            <a:off x="0" y="0"/>
+            <a:ext cx="2971800" cy="458788"/>
+          </a:xfrm>
+          <a:prstGeom prst="rect">
+            <a:avLst/>
+          </a:prstGeom>
+        </p:spPr>
+        <p:txBody>
+          <a:bodyPr vert="horz" lIns="91440" tIns="45720" rIns="91440" bIns="45720" rtlCol="0"/>
+          <a:lstStyle>
+            <a:lvl1pPr algn="l">
+              <a:defRPr sz="1200"/>
+            </a:lvl1pPr>
+          </a:lstStyle>
+          <a:p>
+            <a:endParaRPr lang="en-IN"/>
+          </a:p>
+        </p:txBody>
+      </p:sp>
+      <p:sp>
+        <p:nvSpPr>
+          <p:cNvPr id="3" name="Date Placeholder 2"/>
+          <p:cNvSpPr>
+            <a:spLocks noGrp="1"/>
+          </p:cNvSpPr>
+          <p:nvPr>
+            <p:ph type="dt" idx="1"/>
+          </p:nvPr>
+        </p:nvSpPr>
+        <p:spPr>
+          <a:xfrm>
+            <a:off x="3884613" y="0"/>
+            <a:ext cx="2971800" cy="458788"/>
+          </a:xfrm>
+          <a:prstGeom prst="rect">
+            <a:avLst/>
+          </a:prstGeom>
+        </p:spPr>
+        <p:txBody>
+          <a:bodyPr vert="horz" lIns="91440" tIns="45720" rIns="91440" bIns="45720" rtlCol="0"/>
+          <a:lstStyle>
+            <a:lvl1pPr algn="r">
+              <a:defRPr sz="1200"/>
+            </a:lvl1pPr>
+          </a:lstStyle>
+          <a:p>
+            <a:fld id="{BD04E779-ECDE-47B0-81E5-71C053E43B1E}" type="datetimeFigureOut">
+              <a:rPr lang="en-IN" smtClean="0"/>
+              <a:t>23-04-2017</a:t>
+            </a:fld>
+            <a:endParaRPr lang="en-IN"/>
+          </a:p>
+        </p:txBody>
+      </p:sp>
+      <p:sp>
+        <p:nvSpPr>
+          <p:cNvPr id="4" name="Slide Image Placeholder 3"/>
+          <p:cNvSpPr>
+            <a:spLocks noGrp="1" noRot="1" noChangeAspect="1"/>
+          </p:cNvSpPr>
+          <p:nvPr>
+            <p:ph type="sldImg" idx="2"/>
+          </p:nvPr>
+        </p:nvSpPr>
+        <p:spPr>
+          <a:xfrm>
+            <a:off x="685800" y="1143000"/>
+            <a:ext cx="5486400" cy="3086100"/>
+          </a:xfrm>
+          <a:prstGeom prst="rect">
+            <a:avLst/>
+          </a:prstGeom>
+          <a:noFill/>
+          <a:ln w="12700">
+            <a:solidFill>
+              <a:prstClr val="black"/>
+            </a:solidFill>
+          </a:ln>
+        </p:spPr>
+        <p:txBody>
+          <a:bodyPr vert="horz" lIns="91440" tIns="45720" rIns="91440" bIns="45720" rtlCol="0" anchor="ctr"/>
+          <a:lstStyle/>
+          <a:p>
+            <a:endParaRPr lang="en-IN"/>
+          </a:p>
+        </p:txBody>
+      </p:sp>
+      <p:sp>
+        <p:nvSpPr>
+          <p:cNvPr id="5" name="Notes Placeholder 4"/>
+          <p:cNvSpPr>
+            <a:spLocks noGrp="1"/>
+          </p:cNvSpPr>
+          <p:nvPr>
+            <p:ph type="body" sz="quarter" idx="3"/>
+          </p:nvPr>
+        </p:nvSpPr>
+        <p:spPr>
+          <a:xfrm>
+            <a:off x="685800" y="4400550"/>
+            <a:ext cx="5486400" cy="3600450"/>
+          </a:xfrm>
+          <a:prstGeom prst="rect">
+            <a:avLst/>
+          </a:prstGeom>
+        </p:spPr>
+        <p:txBody>
+          <a:bodyPr vert="horz" lIns="91440" tIns="45720" rIns="91440" bIns="45720" rtlCol="0"/>
+          <a:lstStyle/>
+          <a:p>
+            <a:pPr lvl="0"/>
+            <a:r>
+              <a:rPr lang="en-US" smtClean="0"/>
+              <a:t>Click to edit Master text styles</a:t>
+            </a:r>
+          </a:p>
+          <a:p>
+            <a:pPr lvl="1"/>
+            <a:r>
+              <a:rPr lang="en-US" smtClean="0"/>
+              <a:t>Second level</a:t>
+            </a:r>
+          </a:p>
+          <a:p>
+            <a:pPr lvl="2"/>
+            <a:r>
+              <a:rPr lang="en-US" smtClean="0"/>
+              <a:t>Third level</a:t>
+            </a:r>
+          </a:p>
+          <a:p>
+            <a:pPr lvl="3"/>
+            <a:r>
+              <a:rPr lang="en-US" smtClean="0"/>
+              <a:t>Fourth level</a:t>
+            </a:r>
+          </a:p>
+          <a:p>
+            <a:pPr lvl="4"/>
+            <a:r>
+              <a:rPr lang="en-US" smtClean="0"/>
+              <a:t>Fifth level</a:t>
+            </a:r>
+            <a:endParaRPr lang="en-IN"/>
+          </a:p>
+        </p:txBody>
+      </p:sp>
+      <p:sp>
+        <p:nvSpPr>
+          <p:cNvPr id="6" name="Footer Placeholder 5"/>
+          <p:cNvSpPr>
+            <a:spLocks noGrp="1"/>
+          </p:cNvSpPr>
+          <p:nvPr>
+            <p:ph type="ftr" sz="quarter" idx="4"/>
+          </p:nvPr>
+        </p:nvSpPr>
+        <p:spPr>
+          <a:xfrm>
+            <a:off x="0" y="8685213"/>
+            <a:ext cx="2971800" cy="458787"/>
+          </a:xfrm>
+          <a:prstGeom prst="rect">
+            <a:avLst/>
+          </a:prstGeom>
+        </p:spPr>
+        <p:txBody>
+          <a:bodyPr vert="horz" lIns="91440" tIns="45720" rIns="91440" bIns="45720" rtlCol="0" anchor="b"/>
+          <a:lstStyle>
+            <a:lvl1pPr algn="l">
+              <a:defRPr sz="1200"/>
+            </a:lvl1pPr>
+          </a:lstStyle>
+          <a:p>
+            <a:endParaRPr lang="en-IN"/>
+          </a:p>
+        </p:txBody>
+      </p:sp>
+      <p:sp>
+        <p:nvSpPr>
+          <p:cNvPr id="7" name="Slide Number Placeholder 6"/>
+          <p:cNvSpPr>
+            <a:spLocks noGrp="1"/>
+          </p:cNvSpPr>
+          <p:nvPr>
+            <p:ph type="sldNum" sz="quarter" idx="5"/>
+          </p:nvPr>
+        </p:nvSpPr>
+        <p:spPr>
+          <a:xfrm>
+            <a:off x="3884613" y="8685213"/>
+            <a:ext cx="2971800" cy="458787"/>
+          </a:xfrm>
+          <a:prstGeom prst="rect">
+            <a:avLst/>
+          </a:prstGeom>
+        </p:spPr>
+        <p:txBody>
+          <a:bodyPr vert="horz" lIns="91440" tIns="45720" rIns="91440" bIns="45720" rtlCol="0" anchor="b"/>
+          <a:lstStyle>
+            <a:lvl1pPr algn="r">
+              <a:defRPr sz="1200"/>
+            </a:lvl1pPr>
+          </a:lstStyle>
+          <a:p>
+            <a:fld id="{4D5A2021-7108-4755-B01E-0C62B02DAB26}" type="slidenum">
+              <a:rPr lang="en-IN" smtClean="0"/>
+              <a:t>‹#›</a:t>
+            </a:fld>
+            <a:endParaRPr lang="en-IN"/>
+          </a:p>
+        </p:txBody>
+      </p:sp>
+    </p:spTree>
+    <p:extLst>
+      <p:ext uri="{BB962C8B-B14F-4D97-AF65-F5344CB8AC3E}">
+        <p14:creationId xmlns:p14="http://schemas.microsoft.com/office/powerpoint/2010/main" val="824768913"/>
+      </p:ext>
+    </p:extLst>
+  </p:cSld>
+  <p:clrMap bg1="lt1" tx1="dk1" bg2="lt2" tx2="dk2" accent1="accent1" accent2="accent2" accent3="accent3" accent4="accent4" accent5="accent5" accent6="accent6" hlink="hlink" folHlink="folHlink"/>
+  <p:notesStyle>
+    <a:lvl1pPr marL="0" algn="l" defTabSz="914400" rtl="0" eaLnBrk="1" latinLnBrk="0" hangingPunct="1">
+      <a:defRPr sz="1200" kern="1200">
+        <a:solidFill>
+          <a:schemeClr val="tx1"/>
+        </a:solidFill>
+        <a:latin typeface="+mn-lt"/>
+        <a:ea typeface="+mn-ea"/>
+        <a:cs typeface="+mn-cs"/>
+      </a:defRPr>
+    </a:lvl1pPr>
+    <a:lvl2pPr marL="457200" algn="l" defTabSz="914400" rtl="0" eaLnBrk="1" latinLnBrk="0" hangingPunct="1">
+      <a:defRPr sz="1200" kern="1200">
+        <a:solidFill>
+          <a:schemeClr val="tx1"/>
+        </a:solidFill>
+        <a:latin typeface="+mn-lt"/>
+        <a:ea typeface="+mn-ea"/>
+        <a:cs typeface="+mn-cs"/>
+      </a:defRPr>
+    </a:lvl2pPr>
+    <a:lvl3pPr marL="914400" algn="l" defTabSz="914400" rtl="0" eaLnBrk="1" latinLnBrk="0" hangingPunct="1">
+      <a:defRPr sz="1200" kern="1200">
+        <a:solidFill>
+          <a:schemeClr val="tx1"/>
+        </a:solidFill>
+        <a:latin typeface="+mn-lt"/>
+        <a:ea typeface="+mn-ea"/>
+        <a:cs typeface="+mn-cs"/>
+      </a:defRPr>
+    </a:lvl3pPr>
+    <a:lvl4pPr marL="1371600" algn="l" defTabSz="914400" rtl="0" eaLnBrk="1" latinLnBrk="0" hangingPunct="1">
+      <a:defRPr sz="1200" kern="1200">
+        <a:solidFill>
+          <a:schemeClr val="tx1"/>
+        </a:solidFill>
+        <a:latin typeface="+mn-lt"/>
+        <a:ea typeface="+mn-ea"/>
+        <a:cs typeface="+mn-cs"/>
+      </a:defRPr>
+    </a:lvl4pPr>
+    <a:lvl5pPr marL="1828800" algn="l" defTabSz="914400" rtl="0" eaLnBrk="1" latinLnBrk="0" hangingPunct="1">
+      <a:defRPr sz="1200" kern="1200">
+        <a:solidFill>
+          <a:schemeClr val="tx1"/>
+        </a:solidFill>
+        <a:latin typeface="+mn-lt"/>
+        <a:ea typeface="+mn-ea"/>
+        <a:cs typeface="+mn-cs"/>
+      </a:defRPr>
+    </a:lvl5pPr>
+    <a:lvl6pPr marL="2286000" algn="l" defTabSz="914400" rtl="0" eaLnBrk="1" latinLnBrk="0" hangingPunct="1">
+      <a:defRPr sz="1200" kern="1200">
+        <a:solidFill>
+          <a:schemeClr val="tx1"/>
+        </a:solidFill>
+        <a:latin typeface="+mn-lt"/>
+        <a:ea typeface="+mn-ea"/>
+        <a:cs typeface="+mn-cs"/>
+      </a:defRPr>
+    </a:lvl6pPr>
+    <a:lvl7pPr marL="2743200" algn="l" defTabSz="914400" rtl="0" eaLnBrk="1" latinLnBrk="0" hangingPunct="1">
+      <a:defRPr sz="1200" kern="1200">
+        <a:solidFill>
+          <a:schemeClr val="tx1"/>
+        </a:solidFill>
+        <a:latin typeface="+mn-lt"/>
+        <a:ea typeface="+mn-ea"/>
+        <a:cs typeface="+mn-cs"/>
+      </a:defRPr>
+    </a:lvl7pPr>
+    <a:lvl8pPr marL="3200400" algn="l" defTabSz="914400" rtl="0" eaLnBrk="1" latinLnBrk="0" hangingPunct="1">
+      <a:defRPr sz="1200" kern="1200">
+        <a:solidFill>
+          <a:schemeClr val="tx1"/>
+        </a:solidFill>
+        <a:latin typeface="+mn-lt"/>
+        <a:ea typeface="+mn-ea"/>
+        <a:cs typeface="+mn-cs"/>
+      </a:defRPr>
+    </a:lvl8pPr>
+    <a:lvl9pPr marL="3657600" algn="l" defTabSz="914400" rtl="0" eaLnBrk="1" latinLnBrk="0" hangingPunct="1">
+      <a:defRPr sz="1200" kern="1200">
+        <a:solidFill>
+          <a:schemeClr val="tx1"/>
+        </a:solidFill>
+        <a:latin typeface="+mn-lt"/>
+        <a:ea typeface="+mn-ea"/>
+        <a:cs typeface="+mn-cs"/>
+      </a:defRPr>
+    </a:lvl9pPr>
+  </p:notesStyle>
+</p:notesMaster>
+</file>
+
+<file path=ppt/notesSlides/notesSlide1.xml><?xml version="1.0" encoding="utf-8"?>
+<p:notes xmlns:a="http://schemas.openxmlformats.org/drawingml/2006/main" xmlns:r="http://schemas.openxmlformats.org/officeDocument/2006/relationships" xmlns:p="http://schemas.openxmlformats.org/presentationml/2006/main">
+  <p:cSld>
+    <p:spTree>
+      <p:nvGrpSpPr>
+        <p:cNvPr id="1" name=""/>
+        <p:cNvGrpSpPr/>
+        <p:nvPr/>
+      </p:nvGrpSpPr>
+      <p:grpSpPr>
+        <a:xfrm>
+          <a:off x="0" y="0"/>
+          <a:ext cx="0" cy="0"/>
+          <a:chOff x="0" y="0"/>
+          <a:chExt cx="0" cy="0"/>
+        </a:xfrm>
+      </p:grpSpPr>
+      <p:sp>
+        <p:nvSpPr>
+          <p:cNvPr id="2" name="Slide Image Placeholder 1"/>
+          <p:cNvSpPr>
+            <a:spLocks noGrp="1" noRot="1" noChangeAspect="1"/>
+          </p:cNvSpPr>
+          <p:nvPr>
+            <p:ph type="sldImg"/>
+          </p:nvPr>
+        </p:nvSpPr>
+        <p:spPr/>
+      </p:sp>
+      <p:sp>
+        <p:nvSpPr>
+          <p:cNvPr id="3" name="Notes Placeholder 2"/>
+          <p:cNvSpPr>
+            <a:spLocks noGrp="1"/>
+          </p:cNvSpPr>
+          <p:nvPr>
+            <p:ph type="body" idx="1"/>
+          </p:nvPr>
+        </p:nvSpPr>
+        <p:spPr/>
+        <p:txBody>
+          <a:bodyPr/>
+          <a:lstStyle/>
+          <a:p>
+            <a:pPr marL="0" marR="0" lvl="0" indent="0" algn="l" defTabSz="914400" rtl="0" eaLnBrk="1" fontAlgn="auto" latinLnBrk="0" hangingPunct="1">
+              <a:lnSpc>
+                <a:spcPct val="100000"/>
+              </a:lnSpc>
+              <a:spcBef>
+                <a:spcPts val="0"/>
+              </a:spcBef>
+              <a:spcAft>
+                <a:spcPts val="0"/>
+              </a:spcAft>
+              <a:buClrTx/>
+              <a:buSzTx/>
+              <a:buFontTx/>
+              <a:buNone/>
+              <a:tabLst/>
+              <a:defRPr/>
+            </a:pPr>
+            <a:r>
+              <a:rPr lang="en-IN" dirty="0" smtClean="0"/>
+              <a:t>Currently in career fairs, companies have long lines of students wanting to talk to them. Students attending career fairs spend most of their time standing in these lines rather than networking and talking to potential employers. Also this does not ensure that you’re able to talk to your companies in order of your preference. While scheduling systems exist, none have been used to solve this problem. Our product tackles this issue by creating virtual queues, which will reduce the time students spend standing in line through various optimization techniques.</a:t>
+            </a:r>
+          </a:p>
+          <a:p>
+            <a:endParaRPr lang="en-IN" dirty="0" smtClean="0"/>
+          </a:p>
+          <a:p>
+            <a:endParaRPr lang="en-IN" dirty="0"/>
+          </a:p>
+        </p:txBody>
+      </p:sp>
+      <p:sp>
+        <p:nvSpPr>
+          <p:cNvPr id="4" name="Slide Number Placeholder 3"/>
+          <p:cNvSpPr>
+            <a:spLocks noGrp="1"/>
+          </p:cNvSpPr>
+          <p:nvPr>
+            <p:ph type="sldNum" sz="quarter" idx="10"/>
+          </p:nvPr>
+        </p:nvSpPr>
+        <p:spPr/>
+        <p:txBody>
+          <a:bodyPr/>
+          <a:lstStyle/>
+          <a:p>
+            <a:fld id="{4D5A2021-7108-4755-B01E-0C62B02DAB26}" type="slidenum">
+              <a:rPr lang="en-IN" smtClean="0"/>
+              <a:t>3</a:t>
+            </a:fld>
+            <a:endParaRPr lang="en-IN"/>
+          </a:p>
+        </p:txBody>
+      </p:sp>
+    </p:spTree>
+    <p:extLst>
+      <p:ext uri="{BB962C8B-B14F-4D97-AF65-F5344CB8AC3E}">
+        <p14:creationId xmlns:p14="http://schemas.microsoft.com/office/powerpoint/2010/main" val="3911798558"/>
+      </p:ext>
+    </p:extLst>
+  </p:cSld>
+  <p:clrMapOvr>
+    <a:masterClrMapping/>
+  </p:clrMapOvr>
+</p:notes>
+</file>
+
+<file path=ppt/notesSlides/notesSlide2.xml><?xml version="1.0" encoding="utf-8"?>
+<p:notes xmlns:a="http://schemas.openxmlformats.org/drawingml/2006/main" xmlns:r="http://schemas.openxmlformats.org/officeDocument/2006/relationships" xmlns:p="http://schemas.openxmlformats.org/presentationml/2006/main">
+  <p:cSld>
+    <p:spTree>
+      <p:nvGrpSpPr>
+        <p:cNvPr id="1" name=""/>
+        <p:cNvGrpSpPr/>
+        <p:nvPr/>
+      </p:nvGrpSpPr>
+      <p:grpSpPr>
+        <a:xfrm>
+          <a:off x="0" y="0"/>
+          <a:ext cx="0" cy="0"/>
+          <a:chOff x="0" y="0"/>
+          <a:chExt cx="0" cy="0"/>
+        </a:xfrm>
+      </p:grpSpPr>
+      <p:sp>
+        <p:nvSpPr>
+          <p:cNvPr id="2" name="Slide Image Placeholder 1"/>
+          <p:cNvSpPr>
+            <a:spLocks noGrp="1" noRot="1" noChangeAspect="1"/>
+          </p:cNvSpPr>
+          <p:nvPr>
+            <p:ph type="sldImg"/>
+          </p:nvPr>
+        </p:nvSpPr>
+        <p:spPr/>
+      </p:sp>
+      <p:sp>
+        <p:nvSpPr>
+          <p:cNvPr id="3" name="Notes Placeholder 2"/>
+          <p:cNvSpPr>
+            <a:spLocks noGrp="1"/>
+          </p:cNvSpPr>
+          <p:nvPr>
+            <p:ph type="body" idx="1"/>
+          </p:nvPr>
+        </p:nvSpPr>
+        <p:spPr/>
+        <p:txBody>
+          <a:bodyPr/>
+          <a:lstStyle/>
+          <a:p>
+            <a:pPr marL="0" marR="0" lvl="0" indent="0" algn="l" defTabSz="914400" rtl="0" eaLnBrk="1" fontAlgn="auto" latinLnBrk="0" hangingPunct="1">
+              <a:lnSpc>
+                <a:spcPct val="100000"/>
+              </a:lnSpc>
+              <a:spcBef>
+                <a:spcPts val="0"/>
+              </a:spcBef>
+              <a:spcAft>
+                <a:spcPts val="0"/>
+              </a:spcAft>
+              <a:buClrTx/>
+              <a:buSzTx/>
+              <a:buFontTx/>
+              <a:buNone/>
+              <a:tabLst/>
+              <a:defRPr/>
+            </a:pPr>
+            <a:r>
+              <a:rPr lang="en-IN" dirty="0" smtClean="0"/>
+              <a:t>Currently in career fairs, companies have long lines of students wanting to talk to them. Students attending career fairs spend most of their time standing in these lines rather than networking and talking to potential employers. Also this does not ensure that you’re able to talk to your companies in order of your preference. While scheduling systems exist, none have been used to solve this problem. Our product tackles this issue by creating virtual queues, which will reduce the time students spend standing in line through various optimization techniques.</a:t>
+            </a:r>
+          </a:p>
+          <a:p>
+            <a:endParaRPr lang="en-IN" dirty="0"/>
+          </a:p>
+        </p:txBody>
+      </p:sp>
+      <p:sp>
+        <p:nvSpPr>
+          <p:cNvPr id="4" name="Slide Number Placeholder 3"/>
+          <p:cNvSpPr>
+            <a:spLocks noGrp="1"/>
+          </p:cNvSpPr>
+          <p:nvPr>
+            <p:ph type="sldNum" sz="quarter" idx="10"/>
+          </p:nvPr>
+        </p:nvSpPr>
+        <p:spPr/>
+        <p:txBody>
+          <a:bodyPr/>
+          <a:lstStyle/>
+          <a:p>
+            <a:fld id="{4D5A2021-7108-4755-B01E-0C62B02DAB26}" type="slidenum">
+              <a:rPr lang="en-IN" smtClean="0"/>
+              <a:t>4</a:t>
+            </a:fld>
+            <a:endParaRPr lang="en-IN"/>
+          </a:p>
+        </p:txBody>
+      </p:sp>
+    </p:spTree>
+    <p:extLst>
+      <p:ext uri="{BB962C8B-B14F-4D97-AF65-F5344CB8AC3E}">
+        <p14:creationId xmlns:p14="http://schemas.microsoft.com/office/powerpoint/2010/main" val="3192087644"/>
+      </p:ext>
+    </p:extLst>
+  </p:cSld>
+  <p:clrMapOvr>
+    <a:masterClrMapping/>
+  </p:clrMapOvr>
+</p:notes>
+</file>
+
+<file path=ppt/notesSlides/notesSlide3.xml><?xml version="1.0" encoding="utf-8"?>
+<p:notes xmlns:a="http://schemas.openxmlformats.org/drawingml/2006/main" xmlns:r="http://schemas.openxmlformats.org/officeDocument/2006/relationships" xmlns:p="http://schemas.openxmlformats.org/presentationml/2006/main">
+  <p:cSld>
+    <p:spTree>
+      <p:nvGrpSpPr>
+        <p:cNvPr id="1" name=""/>
+        <p:cNvGrpSpPr/>
+        <p:nvPr/>
+      </p:nvGrpSpPr>
+      <p:grpSpPr>
+        <a:xfrm>
+          <a:off x="0" y="0"/>
+          <a:ext cx="0" cy="0"/>
+          <a:chOff x="0" y="0"/>
+          <a:chExt cx="0" cy="0"/>
+        </a:xfrm>
+      </p:grpSpPr>
+      <p:sp>
+        <p:nvSpPr>
+          <p:cNvPr id="2" name="Slide Image Placeholder 1"/>
+          <p:cNvSpPr>
+            <a:spLocks noGrp="1" noRot="1" noChangeAspect="1"/>
+          </p:cNvSpPr>
+          <p:nvPr>
+            <p:ph type="sldImg"/>
+          </p:nvPr>
+        </p:nvSpPr>
+        <p:spPr/>
+      </p:sp>
+      <p:sp>
+        <p:nvSpPr>
+          <p:cNvPr id="3" name="Notes Placeholder 2"/>
+          <p:cNvSpPr>
+            <a:spLocks noGrp="1"/>
+          </p:cNvSpPr>
+          <p:nvPr>
+            <p:ph type="body" idx="1"/>
+          </p:nvPr>
+        </p:nvSpPr>
+        <p:spPr/>
+        <p:txBody>
+          <a:bodyPr/>
+          <a:lstStyle/>
+          <a:p>
+            <a:endParaRPr lang="en-IN" dirty="0"/>
+          </a:p>
+        </p:txBody>
+      </p:sp>
+      <p:sp>
+        <p:nvSpPr>
+          <p:cNvPr id="4" name="Slide Number Placeholder 3"/>
+          <p:cNvSpPr>
+            <a:spLocks noGrp="1"/>
+          </p:cNvSpPr>
+          <p:nvPr>
+            <p:ph type="sldNum" sz="quarter" idx="10"/>
+          </p:nvPr>
+        </p:nvSpPr>
+        <p:spPr/>
+        <p:txBody>
+          <a:bodyPr/>
+          <a:lstStyle/>
+          <a:p>
+            <a:fld id="{4D5A2021-7108-4755-B01E-0C62B02DAB26}" type="slidenum">
+              <a:rPr lang="en-IN" smtClean="0"/>
+              <a:t>5</a:t>
+            </a:fld>
+            <a:endParaRPr lang="en-IN"/>
+          </a:p>
+        </p:txBody>
+      </p:sp>
+    </p:spTree>
+    <p:extLst>
+      <p:ext uri="{BB962C8B-B14F-4D97-AF65-F5344CB8AC3E}">
+        <p14:creationId xmlns:p14="http://schemas.microsoft.com/office/powerpoint/2010/main" val="702475070"/>
+      </p:ext>
+    </p:extLst>
+  </p:cSld>
+  <p:clrMapOvr>
+    <a:masterClrMapping/>
+  </p:clrMapOvr>
+</p:notes>
+</file>
+
+<file path=ppt/notesSlides/notesSlide4.xml><?xml version="1.0" encoding="utf-8"?>
+<p:notes xmlns:a="http://schemas.openxmlformats.org/drawingml/2006/main" xmlns:r="http://schemas.openxmlformats.org/officeDocument/2006/relationships" xmlns:p="http://schemas.openxmlformats.org/presentationml/2006/main">
+  <p:cSld>
+    <p:spTree>
+      <p:nvGrpSpPr>
+        <p:cNvPr id="1" name=""/>
+        <p:cNvGrpSpPr/>
+        <p:nvPr/>
+      </p:nvGrpSpPr>
+      <p:grpSpPr>
+        <a:xfrm>
+          <a:off x="0" y="0"/>
+          <a:ext cx="0" cy="0"/>
+          <a:chOff x="0" y="0"/>
+          <a:chExt cx="0" cy="0"/>
+        </a:xfrm>
+      </p:grpSpPr>
+      <p:sp>
+        <p:nvSpPr>
+          <p:cNvPr id="2" name="Slide Image Placeholder 1"/>
+          <p:cNvSpPr>
+            <a:spLocks noGrp="1" noRot="1" noChangeAspect="1"/>
+          </p:cNvSpPr>
+          <p:nvPr>
+            <p:ph type="sldImg"/>
+          </p:nvPr>
+        </p:nvSpPr>
+        <p:spPr/>
+      </p:sp>
+      <p:sp>
+        <p:nvSpPr>
+          <p:cNvPr id="3" name="Notes Placeholder 2"/>
+          <p:cNvSpPr>
+            <a:spLocks noGrp="1"/>
+          </p:cNvSpPr>
+          <p:nvPr>
+            <p:ph type="body" idx="1"/>
+          </p:nvPr>
+        </p:nvSpPr>
+        <p:spPr/>
+        <p:txBody>
+          <a:bodyPr/>
+          <a:lstStyle/>
+          <a:p>
+            <a:endParaRPr lang="en-IN" dirty="0"/>
+          </a:p>
+        </p:txBody>
+      </p:sp>
+      <p:sp>
+        <p:nvSpPr>
+          <p:cNvPr id="4" name="Slide Number Placeholder 3"/>
+          <p:cNvSpPr>
+            <a:spLocks noGrp="1"/>
+          </p:cNvSpPr>
+          <p:nvPr>
+            <p:ph type="sldNum" sz="quarter" idx="10"/>
+          </p:nvPr>
+        </p:nvSpPr>
+        <p:spPr/>
+        <p:txBody>
+          <a:bodyPr/>
+          <a:lstStyle/>
+          <a:p>
+            <a:fld id="{4D5A2021-7108-4755-B01E-0C62B02DAB26}" type="slidenum">
+              <a:rPr lang="en-IN" smtClean="0"/>
+              <a:t>6</a:t>
+            </a:fld>
+            <a:endParaRPr lang="en-IN"/>
+          </a:p>
+        </p:txBody>
+      </p:sp>
+    </p:spTree>
+    <p:extLst>
+      <p:ext uri="{BB962C8B-B14F-4D97-AF65-F5344CB8AC3E}">
+        <p14:creationId xmlns:p14="http://schemas.microsoft.com/office/powerpoint/2010/main" val="2982878112"/>
+      </p:ext>
+    </p:extLst>
+  </p:cSld>
+  <p:clrMapOvr>
+    <a:masterClrMapping/>
+  </p:clrMapOvr>
+</p:notes>
+</file>
+
+<file path=ppt/notesSlides/notesSlide5.xml><?xml version="1.0" encoding="utf-8"?>
+<p:notes xmlns:a="http://schemas.openxmlformats.org/drawingml/2006/main" xmlns:r="http://schemas.openxmlformats.org/officeDocument/2006/relationships" xmlns:p="http://schemas.openxmlformats.org/presentationml/2006/main">
+  <p:cSld>
+    <p:spTree>
+      <p:nvGrpSpPr>
+        <p:cNvPr id="1" name=""/>
+        <p:cNvGrpSpPr/>
+        <p:nvPr/>
+      </p:nvGrpSpPr>
+      <p:grpSpPr>
+        <a:xfrm>
+          <a:off x="0" y="0"/>
+          <a:ext cx="0" cy="0"/>
+          <a:chOff x="0" y="0"/>
+          <a:chExt cx="0" cy="0"/>
+        </a:xfrm>
+      </p:grpSpPr>
+      <p:sp>
+        <p:nvSpPr>
+          <p:cNvPr id="2" name="Slide Image Placeholder 1"/>
+          <p:cNvSpPr>
+            <a:spLocks noGrp="1" noRot="1" noChangeAspect="1"/>
+          </p:cNvSpPr>
+          <p:nvPr>
+            <p:ph type="sldImg"/>
+          </p:nvPr>
+        </p:nvSpPr>
+        <p:spPr/>
+      </p:sp>
+      <p:sp>
+        <p:nvSpPr>
+          <p:cNvPr id="3" name="Notes Placeholder 2"/>
+          <p:cNvSpPr>
+            <a:spLocks noGrp="1"/>
+          </p:cNvSpPr>
+          <p:nvPr>
+            <p:ph type="body" idx="1"/>
+          </p:nvPr>
+        </p:nvSpPr>
+        <p:spPr/>
+        <p:txBody>
+          <a:bodyPr/>
+          <a:lstStyle/>
+          <a:p>
+            <a:endParaRPr lang="en-IN" dirty="0"/>
+          </a:p>
+        </p:txBody>
+      </p:sp>
+      <p:sp>
+        <p:nvSpPr>
+          <p:cNvPr id="4" name="Slide Number Placeholder 3"/>
+          <p:cNvSpPr>
+            <a:spLocks noGrp="1"/>
+          </p:cNvSpPr>
+          <p:nvPr>
+            <p:ph type="sldNum" sz="quarter" idx="10"/>
+          </p:nvPr>
+        </p:nvSpPr>
+        <p:spPr/>
+        <p:txBody>
+          <a:bodyPr/>
+          <a:lstStyle/>
+          <a:p>
+            <a:fld id="{4D5A2021-7108-4755-B01E-0C62B02DAB26}" type="slidenum">
+              <a:rPr lang="en-IN" smtClean="0"/>
+              <a:t>7</a:t>
+            </a:fld>
+            <a:endParaRPr lang="en-IN"/>
+          </a:p>
+        </p:txBody>
+      </p:sp>
+    </p:spTree>
+    <p:extLst>
+      <p:ext uri="{BB962C8B-B14F-4D97-AF65-F5344CB8AC3E}">
+        <p14:creationId xmlns:p14="http://schemas.microsoft.com/office/powerpoint/2010/main" val="2892879334"/>
+      </p:ext>
+    </p:extLst>
+  </p:cSld>
+  <p:clrMapOvr>
+    <a:masterClrMapping/>
+  </p:clrMapOvr>
+</p:notes>
 </file>
 
 <file path=ppt/slideLayouts/slideLayout1.xml><?xml version="1.0" encoding="utf-8"?>
@@ -242,7 +1073,7 @@
           <a:p>
             <a:fld id="{591911C0-A6BB-6442-9218-1A38E098B5A8}" type="datetimeFigureOut">
               <a:rPr lang="en-US" smtClean="0"/>
-              <a:t>4/22/17</a:t>
+              <a:t>4/23/2017</a:t>
             </a:fld>
             <a:endParaRPr lang="en-US"/>
           </a:p>
@@ -412,7 +1243,7 @@
           <a:p>
             <a:fld id="{591911C0-A6BB-6442-9218-1A38E098B5A8}" type="datetimeFigureOut">
               <a:rPr lang="en-US" smtClean="0"/>
-              <a:t>4/22/17</a:t>
+              <a:t>4/23/2017</a:t>
             </a:fld>
             <a:endParaRPr lang="en-US"/>
           </a:p>
@@ -592,7 +1423,7 @@
           <a:p>
             <a:fld id="{591911C0-A6BB-6442-9218-1A38E098B5A8}" type="datetimeFigureOut">
               <a:rPr lang="en-US" smtClean="0"/>
-              <a:t>4/22/17</a:t>
+              <a:t>4/23/2017</a:t>
             </a:fld>
             <a:endParaRPr lang="en-US"/>
           </a:p>
@@ -762,7 +1593,7 @@
           <a:p>
             <a:fld id="{591911C0-A6BB-6442-9218-1A38E098B5A8}" type="datetimeFigureOut">
               <a:rPr lang="en-US" smtClean="0"/>
-              <a:t>4/22/17</a:t>
+              <a:t>4/23/2017</a:t>
             </a:fld>
             <a:endParaRPr lang="en-US"/>
           </a:p>
@@ -1008,7 +1839,7 @@
           <a:p>
             <a:fld id="{591911C0-A6BB-6442-9218-1A38E098B5A8}" type="datetimeFigureOut">
               <a:rPr lang="en-US" smtClean="0"/>
-              <a:t>4/22/17</a:t>
+              <a:t>4/23/2017</a:t>
             </a:fld>
             <a:endParaRPr lang="en-US"/>
           </a:p>
@@ -1240,7 +2071,7 @@
           <a:p>
             <a:fld id="{591911C0-A6BB-6442-9218-1A38E098B5A8}" type="datetimeFigureOut">
               <a:rPr lang="en-US" smtClean="0"/>
-              <a:t>4/22/17</a:t>
+              <a:t>4/23/2017</a:t>
             </a:fld>
             <a:endParaRPr lang="en-US"/>
           </a:p>
@@ -1607,7 +2438,7 @@
           <a:p>
             <a:fld id="{591911C0-A6BB-6442-9218-1A38E098B5A8}" type="datetimeFigureOut">
               <a:rPr lang="en-US" smtClean="0"/>
-              <a:t>4/22/17</a:t>
+              <a:t>4/23/2017</a:t>
             </a:fld>
             <a:endParaRPr lang="en-US"/>
           </a:p>
@@ -1725,7 +2556,7 @@
           <a:p>
             <a:fld id="{591911C0-A6BB-6442-9218-1A38E098B5A8}" type="datetimeFigureOut">
               <a:rPr lang="en-US" smtClean="0"/>
-              <a:t>4/22/17</a:t>
+              <a:t>4/23/2017</a:t>
             </a:fld>
             <a:endParaRPr lang="en-US"/>
           </a:p>
@@ -1820,7 +2651,7 @@
           <a:p>
             <a:fld id="{591911C0-A6BB-6442-9218-1A38E098B5A8}" type="datetimeFigureOut">
               <a:rPr lang="en-US" smtClean="0"/>
-              <a:t>4/22/17</a:t>
+              <a:t>4/23/2017</a:t>
             </a:fld>
             <a:endParaRPr lang="en-US"/>
           </a:p>
@@ -2097,7 +2928,7 @@
           <a:p>
             <a:fld id="{591911C0-A6BB-6442-9218-1A38E098B5A8}" type="datetimeFigureOut">
               <a:rPr lang="en-US" smtClean="0"/>
-              <a:t>4/22/17</a:t>
+              <a:t>4/23/2017</a:t>
             </a:fld>
             <a:endParaRPr lang="en-US"/>
           </a:p>
@@ -2350,7 +3181,7 @@
           <a:p>
             <a:fld id="{591911C0-A6BB-6442-9218-1A38E098B5A8}" type="datetimeFigureOut">
               <a:rPr lang="en-US" smtClean="0"/>
-              <a:t>4/22/17</a:t>
+              <a:t>4/23/2017</a:t>
             </a:fld>
             <a:endParaRPr lang="en-US"/>
           </a:p>
@@ -2563,7 +3394,7 @@
           <a:p>
             <a:fld id="{591911C0-A6BB-6442-9218-1A38E098B5A8}" type="datetimeFigureOut">
               <a:rPr lang="en-US" smtClean="0"/>
-              <a:t>4/22/17</a:t>
+              <a:t>4/23/2017</a:t>
             </a:fld>
             <a:endParaRPr lang="en-US"/>
           </a:p>
@@ -3720,7 +4551,7 @@
           </p:nvPr>
         </p:nvPicPr>
         <p:blipFill>
-          <a:blip r:embed="rId2">
+          <a:blip r:embed="rId3">
             <a:extLst>
               <a:ext uri="{28A0092B-C50C-407E-A947-70E740481C1C}">
                 <a14:useLocalDpi xmlns:a14="http://schemas.microsoft.com/office/drawing/2010/main" val="0"/>
@@ -3923,6 +4754,40 @@
               <a:t>Sprint 3</a:t>
             </a:r>
             <a:endParaRPr lang="en-US" dirty="0"/>
+          </a:p>
+        </p:txBody>
+      </p:sp>
+      <p:sp>
+        <p:nvSpPr>
+          <p:cNvPr id="3" name="TextBox 2"/>
+          <p:cNvSpPr txBox="1"/>
+          <p:nvPr/>
+        </p:nvSpPr>
+        <p:spPr>
+          <a:xfrm>
+            <a:off x="3492356" y="1981935"/>
+            <a:ext cx="7718234" cy="3785652"/>
+          </a:xfrm>
+          <a:prstGeom prst="rect">
+            <a:avLst/>
+          </a:prstGeom>
+          <a:noFill/>
+        </p:spPr>
+        <p:txBody>
+          <a:bodyPr wrap="square" rtlCol="0">
+            <a:spAutoFit/>
+          </a:bodyPr>
+          <a:lstStyle/>
+          <a:p>
+            <a:r>
+              <a:rPr lang="en-IN" sz="4000" dirty="0" err="1" smtClean="0"/>
+              <a:t>myPQue</a:t>
+            </a:r>
+            <a:r>
+              <a:rPr lang="en-IN" sz="4000" dirty="0" smtClean="0"/>
+              <a:t> is a virtual scheduling system, which not only simulates the career fairs, but also  optimizes the schedule of each student so that the student can network with more companies in less time.</a:t>
+            </a:r>
+            <a:endParaRPr lang="en-IN" sz="4000" dirty="0"/>
           </a:p>
         </p:txBody>
       </p:sp>
@@ -4096,7 +4961,7 @@
           </p:nvPr>
         </p:nvPicPr>
         <p:blipFill>
-          <a:blip r:embed="rId2">
+          <a:blip r:embed="rId3">
             <a:extLst>
               <a:ext uri="{28A0092B-C50C-407E-A947-70E740481C1C}">
                 <a14:useLocalDpi xmlns:a14="http://schemas.microsoft.com/office/drawing/2010/main" val="0"/>
@@ -4128,9 +4993,7 @@
           <a:prstGeom prst="rect">
             <a:avLst/>
           </a:prstGeom>
-          <a:solidFill>
-            <a:srgbClr val="F1FFFF"/>
-          </a:solidFill>
+          <a:noFill/>
         </p:spPr>
         <p:txBody>
           <a:bodyPr wrap="square" rtlCol="0">
@@ -4305,6 +5168,188 @@
               <a:t>Sprint 3</a:t>
             </a:r>
             <a:endParaRPr lang="en-US" dirty="0"/>
+          </a:p>
+        </p:txBody>
+      </p:sp>
+      <p:sp>
+        <p:nvSpPr>
+          <p:cNvPr id="3" name="TextBox 2"/>
+          <p:cNvSpPr txBox="1"/>
+          <p:nvPr/>
+        </p:nvSpPr>
+        <p:spPr>
+          <a:xfrm>
+            <a:off x="2824564" y="1899822"/>
+            <a:ext cx="8423657" cy="4431983"/>
+          </a:xfrm>
+          <a:prstGeom prst="rect">
+            <a:avLst/>
+          </a:prstGeom>
+          <a:noFill/>
+        </p:spPr>
+        <p:txBody>
+          <a:bodyPr wrap="square" rtlCol="0">
+            <a:spAutoFit/>
+          </a:bodyPr>
+          <a:lstStyle/>
+          <a:p>
+            <a:pPr algn="ctr"/>
+            <a:r>
+              <a:rPr lang="en-IN" sz="3200" u="sng" dirty="0" smtClean="0">
+                <a:latin typeface="+mj-lt"/>
+              </a:rPr>
+              <a:t>Current Problems in the system</a:t>
+            </a:r>
+          </a:p>
+          <a:p>
+            <a:pPr algn="ctr"/>
+            <a:endParaRPr lang="en-IN" sz="2000" u="sng" dirty="0" smtClean="0"/>
+          </a:p>
+          <a:p>
+            <a:endParaRPr lang="en-IN" sz="2000" dirty="0" smtClean="0"/>
+          </a:p>
+          <a:p>
+            <a:pPr marL="285750" indent="-285750">
+              <a:buFont typeface="Arial" panose="020B0604020202020204" pitchFamily="34" charset="0"/>
+              <a:buChar char="•"/>
+            </a:pPr>
+            <a:r>
+              <a:rPr lang="en-IN" sz="2400" dirty="0" smtClean="0">
+                <a:latin typeface="Bookman Old Style" panose="02050604050505020204" pitchFamily="18" charset="0"/>
+              </a:rPr>
+              <a:t>Companies </a:t>
+            </a:r>
+            <a:r>
+              <a:rPr lang="en-IN" sz="2400" dirty="0">
+                <a:latin typeface="Bookman Old Style" panose="02050604050505020204" pitchFamily="18" charset="0"/>
+              </a:rPr>
+              <a:t>have long lines of students </a:t>
+            </a:r>
+            <a:r>
+              <a:rPr lang="en-IN" sz="2400" dirty="0" smtClean="0">
+                <a:latin typeface="Bookman Old Style" panose="02050604050505020204" pitchFamily="18" charset="0"/>
+              </a:rPr>
+              <a:t>wanting to </a:t>
+            </a:r>
+            <a:r>
+              <a:rPr lang="en-IN" sz="2400" dirty="0">
+                <a:latin typeface="Bookman Old Style" panose="02050604050505020204" pitchFamily="18" charset="0"/>
+              </a:rPr>
+              <a:t>talk to them</a:t>
+            </a:r>
+            <a:r>
+              <a:rPr lang="en-IN" sz="2400" dirty="0" smtClean="0">
+                <a:latin typeface="Bookman Old Style" panose="02050604050505020204" pitchFamily="18" charset="0"/>
+              </a:rPr>
+              <a:t>. </a:t>
+            </a:r>
+            <a:endParaRPr lang="en-IN" sz="2400" dirty="0" smtClean="0">
+              <a:latin typeface="Bookman Old Style" panose="02050604050505020204" pitchFamily="18" charset="0"/>
+            </a:endParaRPr>
+          </a:p>
+          <a:p>
+            <a:endParaRPr lang="en-IN" sz="2400" dirty="0" smtClean="0">
+              <a:latin typeface="Bookman Old Style" panose="02050604050505020204" pitchFamily="18" charset="0"/>
+            </a:endParaRPr>
+          </a:p>
+          <a:p>
+            <a:pPr marL="285750" indent="-285750">
+              <a:buFont typeface="Arial" panose="020B0604020202020204" pitchFamily="34" charset="0"/>
+              <a:buChar char="•"/>
+            </a:pPr>
+            <a:r>
+              <a:rPr lang="en-IN" sz="2400" dirty="0" smtClean="0">
+                <a:latin typeface="Bookman Old Style" panose="02050604050505020204" pitchFamily="18" charset="0"/>
+              </a:rPr>
+              <a:t>Students spend </a:t>
+            </a:r>
+            <a:r>
+              <a:rPr lang="en-IN" sz="2400" dirty="0">
+                <a:latin typeface="Bookman Old Style" panose="02050604050505020204" pitchFamily="18" charset="0"/>
+              </a:rPr>
+              <a:t>most of their </a:t>
+            </a:r>
+            <a:r>
+              <a:rPr lang="en-IN" sz="2400" dirty="0" smtClean="0">
+                <a:latin typeface="Bookman Old Style" panose="02050604050505020204" pitchFamily="18" charset="0"/>
+              </a:rPr>
+              <a:t>time standing </a:t>
+            </a:r>
+            <a:r>
+              <a:rPr lang="en-IN" sz="2400" dirty="0">
+                <a:latin typeface="Bookman Old Style" panose="02050604050505020204" pitchFamily="18" charset="0"/>
+              </a:rPr>
+              <a:t>in these lines rather than </a:t>
+            </a:r>
+            <a:r>
+              <a:rPr lang="en-IN" sz="2400" dirty="0" smtClean="0">
+                <a:latin typeface="Bookman Old Style" panose="02050604050505020204" pitchFamily="18" charset="0"/>
+              </a:rPr>
+              <a:t>networking.</a:t>
+            </a:r>
+          </a:p>
+          <a:p>
+            <a:endParaRPr lang="en-IN" sz="2400" dirty="0" smtClean="0">
+              <a:latin typeface="Bookman Old Style" panose="02050604050505020204" pitchFamily="18" charset="0"/>
+            </a:endParaRPr>
+          </a:p>
+          <a:p>
+            <a:pPr marL="285750" indent="-285750">
+              <a:buFont typeface="Arial" panose="020B0604020202020204" pitchFamily="34" charset="0"/>
+              <a:buChar char="•"/>
+            </a:pPr>
+            <a:r>
+              <a:rPr lang="en-IN" sz="2400" dirty="0" smtClean="0">
+                <a:latin typeface="Bookman Old Style" panose="02050604050505020204" pitchFamily="18" charset="0"/>
+              </a:rPr>
+              <a:t>Many times the student is not </a:t>
+            </a:r>
+            <a:r>
+              <a:rPr lang="en-IN" sz="2400" dirty="0" smtClean="0">
+                <a:latin typeface="Bookman Old Style" panose="02050604050505020204" pitchFamily="18" charset="0"/>
+              </a:rPr>
+              <a:t>able to talk to </a:t>
+            </a:r>
+            <a:r>
+              <a:rPr lang="en-IN" sz="2400" dirty="0" smtClean="0">
+                <a:latin typeface="Bookman Old Style" panose="02050604050505020204" pitchFamily="18" charset="0"/>
+              </a:rPr>
+              <a:t>companies </a:t>
+            </a:r>
+            <a:r>
+              <a:rPr lang="en-IN" sz="2400" dirty="0" smtClean="0">
+                <a:latin typeface="Bookman Old Style" panose="02050604050505020204" pitchFamily="18" charset="0"/>
+              </a:rPr>
+              <a:t>in order of </a:t>
+            </a:r>
+            <a:r>
+              <a:rPr lang="en-IN" sz="2400" dirty="0" smtClean="0">
+                <a:latin typeface="Bookman Old Style" panose="02050604050505020204" pitchFamily="18" charset="0"/>
+              </a:rPr>
+              <a:t>their</a:t>
+            </a:r>
+            <a:r>
+              <a:rPr lang="en-IN" sz="2400" dirty="0" smtClean="0">
+                <a:latin typeface="Bookman Old Style" panose="02050604050505020204" pitchFamily="18" charset="0"/>
+              </a:rPr>
+              <a:t> </a:t>
+            </a:r>
+            <a:r>
+              <a:rPr lang="en-IN" sz="2400" dirty="0" smtClean="0">
+                <a:latin typeface="Bookman Old Style" panose="02050604050505020204" pitchFamily="18" charset="0"/>
+              </a:rPr>
+              <a:t>preference. </a:t>
+            </a:r>
+            <a:endParaRPr lang="en-IN" sz="2400" dirty="0" smtClean="0">
+              <a:latin typeface="Bookman Old Style" panose="02050604050505020204" pitchFamily="18" charset="0"/>
+            </a:endParaRPr>
+          </a:p>
+          <a:p>
+            <a:pPr marL="285750" indent="-285750">
+              <a:buFont typeface="Arial" panose="020B0604020202020204" pitchFamily="34" charset="0"/>
+              <a:buChar char="•"/>
+            </a:pPr>
+            <a:endParaRPr lang="en-IN" dirty="0"/>
           </a:p>
         </p:txBody>
       </p:sp>
@@ -4478,6 +5523,1564 @@
           </p:nvPr>
         </p:nvPicPr>
         <p:blipFill>
+          <a:blip r:embed="rId3">
+            <a:extLst>
+              <a:ext uri="{28A0092B-C50C-407E-A947-70E740481C1C}">
+                <a14:useLocalDpi xmlns:a14="http://schemas.microsoft.com/office/drawing/2010/main" val="0"/>
+              </a:ext>
+            </a:extLst>
+          </a:blip>
+          <a:stretch>
+            <a:fillRect/>
+          </a:stretch>
+        </p:blipFill>
+        <p:spPr>
+          <a:xfrm>
+            <a:off x="134394" y="304513"/>
+            <a:ext cx="2242158" cy="948875"/>
+          </a:xfrm>
+        </p:spPr>
+      </p:pic>
+      <p:sp>
+        <p:nvSpPr>
+          <p:cNvPr id="9" name="TextBox 8"/>
+          <p:cNvSpPr txBox="1"/>
+          <p:nvPr/>
+        </p:nvSpPr>
+        <p:spPr>
+          <a:xfrm>
+            <a:off x="0" y="1801789"/>
+            <a:ext cx="2510946" cy="369332"/>
+          </a:xfrm>
+          <a:prstGeom prst="rect">
+            <a:avLst/>
+          </a:prstGeom>
+          <a:noFill/>
+        </p:spPr>
+        <p:txBody>
+          <a:bodyPr wrap="square" rtlCol="0">
+            <a:spAutoFit/>
+          </a:bodyPr>
+          <a:lstStyle/>
+          <a:p>
+            <a:pPr algn="ctr"/>
+            <a:r>
+              <a:rPr lang="en-US" dirty="0" smtClean="0"/>
+              <a:t>Introduction</a:t>
+            </a:r>
+            <a:endParaRPr lang="en-US" dirty="0"/>
+          </a:p>
+        </p:txBody>
+      </p:sp>
+      <p:sp>
+        <p:nvSpPr>
+          <p:cNvPr id="10" name="TextBox 9"/>
+          <p:cNvSpPr txBox="1"/>
+          <p:nvPr/>
+        </p:nvSpPr>
+        <p:spPr>
+          <a:xfrm>
+            <a:off x="0" y="2221301"/>
+            <a:ext cx="2510946" cy="369332"/>
+          </a:xfrm>
+          <a:prstGeom prst="rect">
+            <a:avLst/>
+          </a:prstGeom>
+          <a:solidFill>
+            <a:srgbClr val="AAAAAA"/>
+          </a:solidFill>
+        </p:spPr>
+        <p:txBody>
+          <a:bodyPr wrap="square" rtlCol="0">
+            <a:spAutoFit/>
+          </a:bodyPr>
+          <a:lstStyle/>
+          <a:p>
+            <a:pPr algn="ctr"/>
+            <a:r>
+              <a:rPr lang="en-US" dirty="0" smtClean="0"/>
+              <a:t>Motivation</a:t>
+            </a:r>
+            <a:endParaRPr lang="en-US" dirty="0"/>
+          </a:p>
+        </p:txBody>
+      </p:sp>
+      <p:sp>
+        <p:nvSpPr>
+          <p:cNvPr id="11" name="TextBox 10"/>
+          <p:cNvSpPr txBox="1"/>
+          <p:nvPr/>
+        </p:nvSpPr>
+        <p:spPr>
+          <a:xfrm>
+            <a:off x="0" y="2640813"/>
+            <a:ext cx="2510946" cy="369332"/>
+          </a:xfrm>
+          <a:prstGeom prst="rect">
+            <a:avLst/>
+          </a:prstGeom>
+          <a:noFill/>
+        </p:spPr>
+        <p:txBody>
+          <a:bodyPr wrap="square" rtlCol="0">
+            <a:spAutoFit/>
+          </a:bodyPr>
+          <a:lstStyle/>
+          <a:p>
+            <a:pPr algn="ctr"/>
+            <a:r>
+              <a:rPr lang="en-US" dirty="0" smtClean="0"/>
+              <a:t>Design Overview</a:t>
+            </a:r>
+            <a:endParaRPr lang="en-US" dirty="0"/>
+          </a:p>
+        </p:txBody>
+      </p:sp>
+      <p:sp>
+        <p:nvSpPr>
+          <p:cNvPr id="12" name="TextBox 11"/>
+          <p:cNvSpPr txBox="1"/>
+          <p:nvPr/>
+        </p:nvSpPr>
+        <p:spPr>
+          <a:xfrm>
+            <a:off x="0" y="3055148"/>
+            <a:ext cx="2510946" cy="369332"/>
+          </a:xfrm>
+          <a:prstGeom prst="rect">
+            <a:avLst/>
+          </a:prstGeom>
+          <a:noFill/>
+        </p:spPr>
+        <p:txBody>
+          <a:bodyPr wrap="square" rtlCol="0">
+            <a:spAutoFit/>
+          </a:bodyPr>
+          <a:lstStyle/>
+          <a:p>
+            <a:pPr algn="ctr"/>
+            <a:r>
+              <a:rPr lang="en-US" dirty="0" smtClean="0"/>
+              <a:t>Sprint 1</a:t>
+            </a:r>
+            <a:endParaRPr lang="en-US" dirty="0"/>
+          </a:p>
+        </p:txBody>
+      </p:sp>
+      <p:sp>
+        <p:nvSpPr>
+          <p:cNvPr id="13" name="TextBox 12"/>
+          <p:cNvSpPr txBox="1"/>
+          <p:nvPr/>
+        </p:nvSpPr>
+        <p:spPr>
+          <a:xfrm>
+            <a:off x="0" y="3469483"/>
+            <a:ext cx="2510946" cy="369332"/>
+          </a:xfrm>
+          <a:prstGeom prst="rect">
+            <a:avLst/>
+          </a:prstGeom>
+          <a:noFill/>
+        </p:spPr>
+        <p:txBody>
+          <a:bodyPr wrap="square" rtlCol="0">
+            <a:spAutoFit/>
+          </a:bodyPr>
+          <a:lstStyle/>
+          <a:p>
+            <a:pPr algn="ctr"/>
+            <a:r>
+              <a:rPr lang="en-US" dirty="0" smtClean="0"/>
+              <a:t>Sprint 2</a:t>
+            </a:r>
+            <a:endParaRPr lang="en-US" dirty="0"/>
+          </a:p>
+        </p:txBody>
+      </p:sp>
+      <p:sp>
+        <p:nvSpPr>
+          <p:cNvPr id="14" name="TextBox 13"/>
+          <p:cNvSpPr txBox="1"/>
+          <p:nvPr/>
+        </p:nvSpPr>
+        <p:spPr>
+          <a:xfrm>
+            <a:off x="0" y="3906858"/>
+            <a:ext cx="2510946" cy="369332"/>
+          </a:xfrm>
+          <a:prstGeom prst="rect">
+            <a:avLst/>
+          </a:prstGeom>
+          <a:noFill/>
+        </p:spPr>
+        <p:txBody>
+          <a:bodyPr wrap="square" rtlCol="0">
+            <a:spAutoFit/>
+          </a:bodyPr>
+          <a:lstStyle/>
+          <a:p>
+            <a:pPr algn="ctr"/>
+            <a:r>
+              <a:rPr lang="en-US" dirty="0" smtClean="0"/>
+              <a:t>Sprint 3</a:t>
+            </a:r>
+            <a:endParaRPr lang="en-US" dirty="0"/>
+          </a:p>
+        </p:txBody>
+      </p:sp>
+      <p:sp>
+        <p:nvSpPr>
+          <p:cNvPr id="15" name="TextBox 14"/>
+          <p:cNvSpPr txBox="1"/>
+          <p:nvPr/>
+        </p:nvSpPr>
+        <p:spPr>
+          <a:xfrm>
+            <a:off x="3055918" y="1986455"/>
+            <a:ext cx="8297882" cy="4647426"/>
+          </a:xfrm>
+          <a:prstGeom prst="rect">
+            <a:avLst/>
+          </a:prstGeom>
+          <a:noFill/>
+        </p:spPr>
+        <p:txBody>
+          <a:bodyPr wrap="square" rtlCol="0">
+            <a:spAutoFit/>
+          </a:bodyPr>
+          <a:lstStyle/>
+          <a:p>
+            <a:pPr algn="ctr"/>
+            <a:r>
+              <a:rPr lang="en-IN" sz="3200" u="sng" dirty="0">
+                <a:latin typeface="+mj-lt"/>
+              </a:rPr>
+              <a:t>Our </a:t>
+            </a:r>
+            <a:r>
+              <a:rPr lang="en-IN" sz="3200" u="sng" dirty="0">
+                <a:latin typeface="+mj-lt"/>
+              </a:rPr>
+              <a:t>product tackles </a:t>
+            </a:r>
+            <a:r>
+              <a:rPr lang="en-IN" sz="3200" u="sng" dirty="0">
+                <a:latin typeface="+mj-lt"/>
+              </a:rPr>
+              <a:t>these issues </a:t>
+            </a:r>
+            <a:r>
+              <a:rPr lang="en-IN" sz="3200" u="sng" dirty="0">
+                <a:latin typeface="+mj-lt"/>
+              </a:rPr>
+              <a:t>by </a:t>
+            </a:r>
+            <a:r>
+              <a:rPr lang="en-IN" sz="3200" u="sng" dirty="0">
+                <a:latin typeface="+mj-lt"/>
+              </a:rPr>
+              <a:t>creating</a:t>
+            </a:r>
+          </a:p>
+          <a:p>
+            <a:endParaRPr lang="en-IN" sz="2400" dirty="0"/>
+          </a:p>
+          <a:p>
+            <a:pPr marL="342900" indent="-342900">
+              <a:buFont typeface="Arial" panose="020B0604020202020204" pitchFamily="34" charset="0"/>
+              <a:buChar char="•"/>
+            </a:pPr>
+            <a:r>
+              <a:rPr lang="en-IN" sz="2400" dirty="0">
+                <a:latin typeface="Bookman Old Style" panose="02050604050505020204" pitchFamily="18" charset="0"/>
+              </a:rPr>
+              <a:t>A </a:t>
+            </a:r>
+            <a:r>
+              <a:rPr lang="en-IN" sz="2400" dirty="0">
+                <a:latin typeface="Bookman Old Style" panose="02050604050505020204" pitchFamily="18" charset="0"/>
+              </a:rPr>
+              <a:t>web application which implements the scheduling system. </a:t>
+            </a:r>
+            <a:endParaRPr lang="en-IN" sz="2400" dirty="0" smtClean="0">
+              <a:latin typeface="Bookman Old Style" panose="02050604050505020204" pitchFamily="18" charset="0"/>
+            </a:endParaRPr>
+          </a:p>
+          <a:p>
+            <a:pPr marL="342900" indent="-342900">
+              <a:buFont typeface="Arial" panose="020B0604020202020204" pitchFamily="34" charset="0"/>
+              <a:buChar char="•"/>
+            </a:pPr>
+            <a:endParaRPr lang="en-IN" sz="2400" dirty="0">
+              <a:latin typeface="Bookman Old Style" panose="02050604050505020204" pitchFamily="18" charset="0"/>
+            </a:endParaRPr>
+          </a:p>
+          <a:p>
+            <a:pPr marL="342900" indent="-342900">
+              <a:buFont typeface="Arial" panose="020B0604020202020204" pitchFamily="34" charset="0"/>
+              <a:buChar char="•"/>
+            </a:pPr>
+            <a:r>
+              <a:rPr lang="en-IN" sz="2400" dirty="0" smtClean="0">
+                <a:latin typeface="Bookman Old Style" panose="02050604050505020204" pitchFamily="18" charset="0"/>
+              </a:rPr>
+              <a:t>A natively </a:t>
+            </a:r>
+            <a:r>
+              <a:rPr lang="en-IN" sz="2400" dirty="0">
+                <a:latin typeface="Bookman Old Style" panose="02050604050505020204" pitchFamily="18" charset="0"/>
+              </a:rPr>
+              <a:t>developed </a:t>
+            </a:r>
+            <a:r>
+              <a:rPr lang="en-IN" sz="2400" dirty="0">
+                <a:latin typeface="Bookman Old Style" panose="02050604050505020204" pitchFamily="18" charset="0"/>
+              </a:rPr>
+              <a:t>algorithm which handles </a:t>
+            </a:r>
+            <a:r>
+              <a:rPr lang="en-IN" sz="2400" dirty="0">
+                <a:latin typeface="Bookman Old Style" panose="02050604050505020204" pitchFamily="18" charset="0"/>
+              </a:rPr>
+              <a:t>all the scheduling requests efficiently. </a:t>
+            </a:r>
+            <a:endParaRPr lang="en-IN" sz="2400" dirty="0" smtClean="0">
+              <a:latin typeface="Bookman Old Style" panose="02050604050505020204" pitchFamily="18" charset="0"/>
+            </a:endParaRPr>
+          </a:p>
+          <a:p>
+            <a:pPr marL="342900" indent="-342900">
+              <a:buFont typeface="Arial" panose="020B0604020202020204" pitchFamily="34" charset="0"/>
+              <a:buChar char="•"/>
+            </a:pPr>
+            <a:endParaRPr lang="en-IN" sz="2400" dirty="0">
+              <a:latin typeface="Bookman Old Style" panose="02050604050505020204" pitchFamily="18" charset="0"/>
+            </a:endParaRPr>
+          </a:p>
+          <a:p>
+            <a:pPr marL="342900" indent="-342900">
+              <a:buFont typeface="Arial" panose="020B0604020202020204" pitchFamily="34" charset="0"/>
+              <a:buChar char="•"/>
+            </a:pPr>
+            <a:r>
+              <a:rPr lang="en-IN" sz="2400" dirty="0" smtClean="0">
+                <a:latin typeface="Bookman Old Style" panose="02050604050505020204" pitchFamily="18" charset="0"/>
+              </a:rPr>
+              <a:t>Two different apps, one for students and the other for recruiters to efficiently handle all aspects of the career fair.</a:t>
+            </a:r>
+          </a:p>
+          <a:p>
+            <a:endParaRPr lang="en-IN" sz="2400" dirty="0" smtClean="0">
+              <a:latin typeface="Bookman Old Style" panose="02050604050505020204" pitchFamily="18" charset="0"/>
+            </a:endParaRPr>
+          </a:p>
+        </p:txBody>
+      </p:sp>
+    </p:spTree>
+    <p:extLst>
+      <p:ext uri="{BB962C8B-B14F-4D97-AF65-F5344CB8AC3E}">
+        <p14:creationId xmlns:p14="http://schemas.microsoft.com/office/powerpoint/2010/main" val="209927795"/>
+      </p:ext>
+    </p:extLst>
+  </p:cSld>
+  <p:clrMapOvr>
+    <a:masterClrMapping/>
+  </p:clrMapOvr>
+  <p:timing>
+    <p:tnLst>
+      <p:par>
+        <p:cTn id="1" dur="indefinite" restart="never" nodeType="tmRoot"/>
+      </p:par>
+    </p:tnLst>
+  </p:timing>
+</p:sld>
+</file>
+
+<file path=ppt/slides/slide6.xml><?xml version="1.0" encoding="utf-8"?>
+<p:sld xmlns:a="http://schemas.openxmlformats.org/drawingml/2006/main" xmlns:r="http://schemas.openxmlformats.org/officeDocument/2006/relationships" xmlns:p="http://schemas.openxmlformats.org/presentationml/2006/main">
+  <p:cSld>
+    <p:spTree>
+      <p:nvGrpSpPr>
+        <p:cNvPr id="1" name=""/>
+        <p:cNvGrpSpPr/>
+        <p:nvPr/>
+      </p:nvGrpSpPr>
+      <p:grpSpPr>
+        <a:xfrm>
+          <a:off x="0" y="0"/>
+          <a:ext cx="0" cy="0"/>
+          <a:chOff x="0" y="0"/>
+          <a:chExt cx="0" cy="0"/>
+        </a:xfrm>
+      </p:grpSpPr>
+      <p:sp>
+        <p:nvSpPr>
+          <p:cNvPr id="2" name="Title 1"/>
+          <p:cNvSpPr>
+            <a:spLocks noGrp="1"/>
+          </p:cNvSpPr>
+          <p:nvPr>
+            <p:ph type="title"/>
+          </p:nvPr>
+        </p:nvSpPr>
+        <p:spPr>
+          <a:xfrm>
+            <a:off x="838200" y="232340"/>
+            <a:ext cx="10515600" cy="1325563"/>
+          </a:xfrm>
+        </p:spPr>
+        <p:txBody>
+          <a:bodyPr/>
+          <a:lstStyle/>
+          <a:p>
+            <a:endParaRPr lang="en-US" dirty="0"/>
+          </a:p>
+        </p:txBody>
+      </p:sp>
+      <p:sp>
+        <p:nvSpPr>
+          <p:cNvPr id="5" name="Rectangle 4"/>
+          <p:cNvSpPr/>
+          <p:nvPr/>
+        </p:nvSpPr>
+        <p:spPr>
+          <a:xfrm>
+            <a:off x="0" y="0"/>
+            <a:ext cx="2510947" cy="6858000"/>
+          </a:xfrm>
+          <a:prstGeom prst="rect">
+            <a:avLst/>
+          </a:prstGeom>
+          <a:solidFill>
+            <a:srgbClr val="F1FFFF"/>
+          </a:solidFill>
+          <a:effectLst>
+            <a:outerShdw blurRad="495300" dist="50800" dir="5400000" sx="95000" sy="95000" algn="ctr" rotWithShape="0">
+              <a:srgbClr val="000000">
+                <a:alpha val="43137"/>
+              </a:srgbClr>
+            </a:outerShdw>
+          </a:effectLst>
+        </p:spPr>
+        <p:style>
+          <a:lnRef idx="2">
+            <a:schemeClr val="accent3"/>
+          </a:lnRef>
+          <a:fillRef idx="1">
+            <a:schemeClr val="lt1"/>
+          </a:fillRef>
+          <a:effectRef idx="0">
+            <a:schemeClr val="accent3"/>
+          </a:effectRef>
+          <a:fontRef idx="minor">
+            <a:schemeClr val="dk1"/>
+          </a:fontRef>
+        </p:style>
+        <p:txBody>
+          <a:bodyPr rtlCol="0" anchor="ctr"/>
+          <a:lstStyle/>
+          <a:p>
+            <a:pPr algn="ctr"/>
+            <a:endParaRPr lang="en-US"/>
+          </a:p>
+        </p:txBody>
+      </p:sp>
+      <p:sp>
+        <p:nvSpPr>
+          <p:cNvPr id="6" name="Rectangle 5"/>
+          <p:cNvSpPr/>
+          <p:nvPr/>
+        </p:nvSpPr>
+        <p:spPr>
+          <a:xfrm>
+            <a:off x="0" y="0"/>
+            <a:ext cx="12192000" cy="1557903"/>
+          </a:xfrm>
+          <a:prstGeom prst="rect">
+            <a:avLst/>
+          </a:prstGeom>
+          <a:solidFill>
+            <a:srgbClr val="2197A9"/>
+          </a:solidFill>
+          <a:effectLst>
+            <a:outerShdw blurRad="254000" dist="50800" dir="5400000" algn="ctr" rotWithShape="0">
+              <a:srgbClr val="000000">
+                <a:alpha val="43137"/>
+              </a:srgbClr>
+            </a:outerShdw>
+          </a:effectLst>
+        </p:spPr>
+        <p:style>
+          <a:lnRef idx="2">
+            <a:schemeClr val="accent1">
+              <a:shade val="50000"/>
+            </a:schemeClr>
+          </a:lnRef>
+          <a:fillRef idx="1">
+            <a:schemeClr val="accent1"/>
+          </a:fillRef>
+          <a:effectRef idx="0">
+            <a:schemeClr val="accent1"/>
+          </a:effectRef>
+          <a:fontRef idx="minor">
+            <a:schemeClr val="lt1"/>
+          </a:fontRef>
+        </p:style>
+        <p:txBody>
+          <a:bodyPr rtlCol="0" anchor="ctr"/>
+          <a:lstStyle/>
+          <a:p>
+            <a:pPr algn="ctr"/>
+            <a:endParaRPr lang="en-US"/>
+          </a:p>
+        </p:txBody>
+      </p:sp>
+      <p:pic>
+        <p:nvPicPr>
+          <p:cNvPr id="7" name="Content Placeholder 6"/>
+          <p:cNvPicPr>
+            <a:picLocks noGrp="1" noChangeAspect="1"/>
+          </p:cNvPicPr>
+          <p:nvPr>
+            <p:ph idx="1"/>
+          </p:nvPr>
+        </p:nvPicPr>
+        <p:blipFill>
+          <a:blip r:embed="rId3">
+            <a:extLst>
+              <a:ext uri="{28A0092B-C50C-407E-A947-70E740481C1C}">
+                <a14:useLocalDpi xmlns:a14="http://schemas.microsoft.com/office/drawing/2010/main" val="0"/>
+              </a:ext>
+            </a:extLst>
+          </a:blip>
+          <a:stretch>
+            <a:fillRect/>
+          </a:stretch>
+        </p:blipFill>
+        <p:spPr>
+          <a:xfrm>
+            <a:off x="134394" y="304513"/>
+            <a:ext cx="2242158" cy="948875"/>
+          </a:xfrm>
+        </p:spPr>
+      </p:pic>
+      <p:sp>
+        <p:nvSpPr>
+          <p:cNvPr id="9" name="TextBox 8"/>
+          <p:cNvSpPr txBox="1"/>
+          <p:nvPr/>
+        </p:nvSpPr>
+        <p:spPr>
+          <a:xfrm>
+            <a:off x="0" y="1797269"/>
+            <a:ext cx="2510946" cy="369332"/>
+          </a:xfrm>
+          <a:prstGeom prst="rect">
+            <a:avLst/>
+          </a:prstGeom>
+          <a:noFill/>
+        </p:spPr>
+        <p:txBody>
+          <a:bodyPr wrap="square" rtlCol="0">
+            <a:spAutoFit/>
+          </a:bodyPr>
+          <a:lstStyle/>
+          <a:p>
+            <a:pPr algn="ctr"/>
+            <a:r>
+              <a:rPr lang="en-US" dirty="0" smtClean="0"/>
+              <a:t>Introduction</a:t>
+            </a:r>
+            <a:endParaRPr lang="en-US" dirty="0"/>
+          </a:p>
+        </p:txBody>
+      </p:sp>
+      <p:sp>
+        <p:nvSpPr>
+          <p:cNvPr id="10" name="TextBox 9"/>
+          <p:cNvSpPr txBox="1"/>
+          <p:nvPr/>
+        </p:nvSpPr>
+        <p:spPr>
+          <a:xfrm>
+            <a:off x="134394" y="2221301"/>
+            <a:ext cx="2242158" cy="369332"/>
+          </a:xfrm>
+          <a:prstGeom prst="rect">
+            <a:avLst/>
+          </a:prstGeom>
+          <a:noFill/>
+        </p:spPr>
+        <p:txBody>
+          <a:bodyPr wrap="square" rtlCol="0">
+            <a:spAutoFit/>
+          </a:bodyPr>
+          <a:lstStyle/>
+          <a:p>
+            <a:pPr algn="ctr"/>
+            <a:r>
+              <a:rPr lang="en-US" dirty="0" smtClean="0"/>
+              <a:t>Motivation</a:t>
+            </a:r>
+            <a:endParaRPr lang="en-US" dirty="0"/>
+          </a:p>
+        </p:txBody>
+      </p:sp>
+      <p:sp>
+        <p:nvSpPr>
+          <p:cNvPr id="11" name="TextBox 10"/>
+          <p:cNvSpPr txBox="1"/>
+          <p:nvPr/>
+        </p:nvSpPr>
+        <p:spPr>
+          <a:xfrm>
+            <a:off x="1" y="2631116"/>
+            <a:ext cx="2510946" cy="369332"/>
+          </a:xfrm>
+          <a:prstGeom prst="rect">
+            <a:avLst/>
+          </a:prstGeom>
+          <a:solidFill>
+            <a:srgbClr val="AAAAAA"/>
+          </a:solidFill>
+        </p:spPr>
+        <p:txBody>
+          <a:bodyPr wrap="square" rtlCol="0">
+            <a:spAutoFit/>
+          </a:bodyPr>
+          <a:lstStyle/>
+          <a:p>
+            <a:pPr algn="ctr"/>
+            <a:r>
+              <a:rPr lang="en-US" dirty="0" smtClean="0"/>
+              <a:t>Design Overview</a:t>
+            </a:r>
+            <a:endParaRPr lang="en-US" dirty="0"/>
+          </a:p>
+        </p:txBody>
+      </p:sp>
+      <p:sp>
+        <p:nvSpPr>
+          <p:cNvPr id="12" name="TextBox 11"/>
+          <p:cNvSpPr txBox="1"/>
+          <p:nvPr/>
+        </p:nvSpPr>
+        <p:spPr>
+          <a:xfrm>
+            <a:off x="134394" y="3055148"/>
+            <a:ext cx="2242158" cy="369332"/>
+          </a:xfrm>
+          <a:prstGeom prst="rect">
+            <a:avLst/>
+          </a:prstGeom>
+          <a:noFill/>
+        </p:spPr>
+        <p:txBody>
+          <a:bodyPr wrap="square" rtlCol="0">
+            <a:spAutoFit/>
+          </a:bodyPr>
+          <a:lstStyle/>
+          <a:p>
+            <a:pPr algn="ctr"/>
+            <a:r>
+              <a:rPr lang="en-US" dirty="0" smtClean="0"/>
+              <a:t>Sprint 1</a:t>
+            </a:r>
+            <a:endParaRPr lang="en-US" dirty="0"/>
+          </a:p>
+        </p:txBody>
+      </p:sp>
+      <p:sp>
+        <p:nvSpPr>
+          <p:cNvPr id="13" name="TextBox 12"/>
+          <p:cNvSpPr txBox="1"/>
+          <p:nvPr/>
+        </p:nvSpPr>
+        <p:spPr>
+          <a:xfrm>
+            <a:off x="134394" y="3469483"/>
+            <a:ext cx="2242158" cy="369332"/>
+          </a:xfrm>
+          <a:prstGeom prst="rect">
+            <a:avLst/>
+          </a:prstGeom>
+          <a:noFill/>
+        </p:spPr>
+        <p:txBody>
+          <a:bodyPr wrap="square" rtlCol="0">
+            <a:spAutoFit/>
+          </a:bodyPr>
+          <a:lstStyle/>
+          <a:p>
+            <a:pPr algn="ctr"/>
+            <a:r>
+              <a:rPr lang="en-US" dirty="0" smtClean="0"/>
+              <a:t>Sprint 2</a:t>
+            </a:r>
+            <a:endParaRPr lang="en-US" dirty="0"/>
+          </a:p>
+        </p:txBody>
+      </p:sp>
+      <p:sp>
+        <p:nvSpPr>
+          <p:cNvPr id="14" name="TextBox 13"/>
+          <p:cNvSpPr txBox="1"/>
+          <p:nvPr/>
+        </p:nvSpPr>
+        <p:spPr>
+          <a:xfrm>
+            <a:off x="134394" y="3906858"/>
+            <a:ext cx="2242158" cy="369332"/>
+          </a:xfrm>
+          <a:prstGeom prst="rect">
+            <a:avLst/>
+          </a:prstGeom>
+          <a:noFill/>
+        </p:spPr>
+        <p:txBody>
+          <a:bodyPr wrap="square" rtlCol="0">
+            <a:spAutoFit/>
+          </a:bodyPr>
+          <a:lstStyle/>
+          <a:p>
+            <a:pPr algn="ctr"/>
+            <a:r>
+              <a:rPr lang="en-US" dirty="0" smtClean="0"/>
+              <a:t>Sprint 3</a:t>
+            </a:r>
+            <a:endParaRPr lang="en-US" dirty="0"/>
+          </a:p>
+        </p:txBody>
+      </p:sp>
+      <p:sp>
+        <p:nvSpPr>
+          <p:cNvPr id="3" name="TextBox 2"/>
+          <p:cNvSpPr txBox="1"/>
+          <p:nvPr/>
+        </p:nvSpPr>
+        <p:spPr>
+          <a:xfrm>
+            <a:off x="2812774" y="2146726"/>
+            <a:ext cx="9233415" cy="4278094"/>
+          </a:xfrm>
+          <a:prstGeom prst="rect">
+            <a:avLst/>
+          </a:prstGeom>
+          <a:noFill/>
+        </p:spPr>
+        <p:txBody>
+          <a:bodyPr wrap="square" rtlCol="0">
+            <a:spAutoFit/>
+          </a:bodyPr>
+          <a:lstStyle/>
+          <a:p>
+            <a:r>
+              <a:rPr lang="en-IN" sz="2800" u="sng" dirty="0">
+                <a:latin typeface="+mj-lt"/>
+              </a:rPr>
+              <a:t>M</a:t>
+            </a:r>
+            <a:r>
+              <a:rPr lang="en-IN" sz="2800" u="sng" dirty="0">
+                <a:latin typeface="+mj-lt"/>
+              </a:rPr>
+              <a:t>icro </a:t>
+            </a:r>
+            <a:r>
+              <a:rPr lang="en-IN" sz="2800" u="sng" dirty="0">
+                <a:latin typeface="+mj-lt"/>
+              </a:rPr>
+              <a:t>S</a:t>
+            </a:r>
+            <a:r>
+              <a:rPr lang="en-IN" sz="2800" u="sng" dirty="0">
+                <a:latin typeface="+mj-lt"/>
+              </a:rPr>
+              <a:t>ervices </a:t>
+            </a:r>
+            <a:r>
+              <a:rPr lang="en-IN" sz="2800" u="sng" dirty="0">
+                <a:latin typeface="+mj-lt"/>
+              </a:rPr>
+              <a:t>A</a:t>
+            </a:r>
+            <a:r>
+              <a:rPr lang="en-IN" sz="2800" u="sng" dirty="0">
+                <a:latin typeface="+mj-lt"/>
+              </a:rPr>
+              <a:t>rchitecture approach to build our </a:t>
+            </a:r>
+            <a:r>
+              <a:rPr lang="en-IN" sz="2800" u="sng" dirty="0" smtClean="0">
+                <a:latin typeface="+mj-lt"/>
+              </a:rPr>
+              <a:t>product </a:t>
+            </a:r>
+          </a:p>
+          <a:p>
+            <a:r>
+              <a:rPr lang="en-IN" sz="2800" u="sng" dirty="0" smtClean="0">
+                <a:latin typeface="+mj-lt"/>
+              </a:rPr>
+              <a:t> </a:t>
+            </a:r>
+            <a:endParaRPr lang="en-IN" sz="2800" u="sng" dirty="0">
+              <a:latin typeface="+mj-lt"/>
+            </a:endParaRPr>
+          </a:p>
+          <a:p>
+            <a:pPr marL="285750" indent="-285750">
+              <a:buFont typeface="Wingdings" panose="05000000000000000000" pitchFamily="2" charset="2"/>
+              <a:buChar char="q"/>
+            </a:pPr>
+            <a:r>
+              <a:rPr lang="en-IN" dirty="0" smtClean="0"/>
+              <a:t>Web Client</a:t>
+            </a:r>
+          </a:p>
+          <a:p>
+            <a:pPr marL="742950" lvl="1" indent="-285750">
+              <a:buFont typeface="Wingdings" panose="05000000000000000000" pitchFamily="2" charset="2"/>
+              <a:buChar char="§"/>
+            </a:pPr>
+            <a:r>
+              <a:rPr lang="en-IN" dirty="0" smtClean="0"/>
+              <a:t>React.JS </a:t>
+            </a:r>
+            <a:r>
+              <a:rPr lang="en-IN" dirty="0"/>
+              <a:t>library allowing component driven development for easier scalability</a:t>
+            </a:r>
+            <a:r>
+              <a:rPr lang="en-IN" dirty="0" smtClean="0"/>
+              <a:t>.</a:t>
+            </a:r>
+          </a:p>
+          <a:p>
+            <a:pPr lvl="1"/>
+            <a:endParaRPr lang="en-IN" dirty="0"/>
+          </a:p>
+          <a:p>
+            <a:pPr marL="285750" indent="-285750">
+              <a:buFont typeface="Wingdings" panose="05000000000000000000" pitchFamily="2" charset="2"/>
+              <a:buChar char="q"/>
+            </a:pPr>
+            <a:r>
+              <a:rPr lang="en-IN" dirty="0"/>
+              <a:t>Back End </a:t>
+            </a:r>
+          </a:p>
+          <a:p>
+            <a:pPr marL="742950" lvl="1" indent="-285750">
+              <a:buFont typeface="Wingdings" panose="05000000000000000000" pitchFamily="2" charset="2"/>
+              <a:buChar char="§"/>
+            </a:pPr>
+            <a:r>
+              <a:rPr lang="en-IN" dirty="0" smtClean="0"/>
+              <a:t>Node Server – Handles all the communication between the algorithm and the web-client.  		      Also handles the interaction with the database.</a:t>
+            </a:r>
+          </a:p>
+          <a:p>
+            <a:pPr lvl="1"/>
+            <a:endParaRPr lang="en-IN" dirty="0" smtClean="0"/>
+          </a:p>
+          <a:p>
+            <a:pPr marL="742950" lvl="1" indent="-285750">
+              <a:buFont typeface="Wingdings" panose="05000000000000000000" pitchFamily="2" charset="2"/>
+              <a:buChar char="§"/>
+            </a:pPr>
+            <a:r>
+              <a:rPr lang="en-IN" dirty="0" smtClean="0"/>
+              <a:t>Java Server – Handles all the API routes for algorithm interaction using </a:t>
+            </a:r>
+            <a:r>
+              <a:rPr lang="en-IN" dirty="0"/>
+              <a:t>J</a:t>
+            </a:r>
+            <a:r>
+              <a:rPr lang="en-IN" dirty="0" smtClean="0"/>
+              <a:t>ersey framework.</a:t>
+            </a:r>
+          </a:p>
+          <a:p>
+            <a:pPr marL="742950" lvl="1" indent="-285750">
+              <a:buFont typeface="Wingdings" panose="05000000000000000000" pitchFamily="2" charset="2"/>
+              <a:buChar char="§"/>
+            </a:pPr>
+            <a:endParaRPr lang="en-IN" dirty="0" smtClean="0"/>
+          </a:p>
+          <a:p>
+            <a:pPr marL="285750" indent="-285750">
+              <a:buFont typeface="Wingdings" panose="05000000000000000000" pitchFamily="2" charset="2"/>
+              <a:buChar char="q"/>
+            </a:pPr>
+            <a:r>
+              <a:rPr lang="en-IN" dirty="0" smtClean="0"/>
+              <a:t>Database</a:t>
+            </a:r>
+          </a:p>
+          <a:p>
+            <a:pPr marL="742950" lvl="1" indent="-285750">
+              <a:buFont typeface="Wingdings" panose="05000000000000000000" pitchFamily="2" charset="2"/>
+              <a:buChar char="§"/>
+            </a:pPr>
+            <a:r>
+              <a:rPr lang="en-IN" dirty="0" smtClean="0"/>
+              <a:t>MongoDB database {insert advantage}</a:t>
+            </a:r>
+          </a:p>
+          <a:p>
+            <a:pPr lvl="1"/>
+            <a:endParaRPr lang="en-IN" dirty="0"/>
+          </a:p>
+        </p:txBody>
+      </p:sp>
+    </p:spTree>
+    <p:extLst>
+      <p:ext uri="{BB962C8B-B14F-4D97-AF65-F5344CB8AC3E}">
+        <p14:creationId xmlns:p14="http://schemas.microsoft.com/office/powerpoint/2010/main" val="1730761258"/>
+      </p:ext>
+    </p:extLst>
+  </p:cSld>
+  <p:clrMapOvr>
+    <a:masterClrMapping/>
+  </p:clrMapOvr>
+  <p:timing>
+    <p:tnLst>
+      <p:par>
+        <p:cTn id="1" dur="indefinite" restart="never" nodeType="tmRoot"/>
+      </p:par>
+    </p:tnLst>
+  </p:timing>
+</p:sld>
+</file>
+
+<file path=ppt/slides/slide7.xml><?xml version="1.0" encoding="utf-8"?>
+<p:sld xmlns:a="http://schemas.openxmlformats.org/drawingml/2006/main" xmlns:r="http://schemas.openxmlformats.org/officeDocument/2006/relationships" xmlns:p="http://schemas.openxmlformats.org/presentationml/2006/main">
+  <p:cSld>
+    <p:spTree>
+      <p:nvGrpSpPr>
+        <p:cNvPr id="1" name=""/>
+        <p:cNvGrpSpPr/>
+        <p:nvPr/>
+      </p:nvGrpSpPr>
+      <p:grpSpPr>
+        <a:xfrm>
+          <a:off x="0" y="0"/>
+          <a:ext cx="0" cy="0"/>
+          <a:chOff x="0" y="0"/>
+          <a:chExt cx="0" cy="0"/>
+        </a:xfrm>
+      </p:grpSpPr>
+      <p:sp>
+        <p:nvSpPr>
+          <p:cNvPr id="2" name="Title 1"/>
+          <p:cNvSpPr>
+            <a:spLocks noGrp="1"/>
+          </p:cNvSpPr>
+          <p:nvPr>
+            <p:ph type="title"/>
+          </p:nvPr>
+        </p:nvSpPr>
+        <p:spPr>
+          <a:xfrm>
+            <a:off x="838200" y="232340"/>
+            <a:ext cx="10515600" cy="1325563"/>
+          </a:xfrm>
+        </p:spPr>
+        <p:txBody>
+          <a:bodyPr/>
+          <a:lstStyle/>
+          <a:p>
+            <a:endParaRPr lang="en-US" dirty="0"/>
+          </a:p>
+        </p:txBody>
+      </p:sp>
+      <p:sp>
+        <p:nvSpPr>
+          <p:cNvPr id="5" name="Rectangle 4"/>
+          <p:cNvSpPr/>
+          <p:nvPr/>
+        </p:nvSpPr>
+        <p:spPr>
+          <a:xfrm>
+            <a:off x="0" y="0"/>
+            <a:ext cx="2510947" cy="6858000"/>
+          </a:xfrm>
+          <a:prstGeom prst="rect">
+            <a:avLst/>
+          </a:prstGeom>
+          <a:solidFill>
+            <a:srgbClr val="F1FFFF"/>
+          </a:solidFill>
+          <a:effectLst>
+            <a:outerShdw blurRad="495300" dist="50800" dir="5400000" sx="95000" sy="95000" algn="ctr" rotWithShape="0">
+              <a:srgbClr val="000000">
+                <a:alpha val="43137"/>
+              </a:srgbClr>
+            </a:outerShdw>
+          </a:effectLst>
+        </p:spPr>
+        <p:style>
+          <a:lnRef idx="2">
+            <a:schemeClr val="accent3"/>
+          </a:lnRef>
+          <a:fillRef idx="1">
+            <a:schemeClr val="lt1"/>
+          </a:fillRef>
+          <a:effectRef idx="0">
+            <a:schemeClr val="accent3"/>
+          </a:effectRef>
+          <a:fontRef idx="minor">
+            <a:schemeClr val="dk1"/>
+          </a:fontRef>
+        </p:style>
+        <p:txBody>
+          <a:bodyPr rtlCol="0" anchor="ctr"/>
+          <a:lstStyle/>
+          <a:p>
+            <a:pPr algn="ctr"/>
+            <a:endParaRPr lang="en-US"/>
+          </a:p>
+        </p:txBody>
+      </p:sp>
+      <p:sp>
+        <p:nvSpPr>
+          <p:cNvPr id="6" name="Rectangle 5"/>
+          <p:cNvSpPr/>
+          <p:nvPr/>
+        </p:nvSpPr>
+        <p:spPr>
+          <a:xfrm>
+            <a:off x="0" y="0"/>
+            <a:ext cx="12192000" cy="1557903"/>
+          </a:xfrm>
+          <a:prstGeom prst="rect">
+            <a:avLst/>
+          </a:prstGeom>
+          <a:solidFill>
+            <a:srgbClr val="2197A9"/>
+          </a:solidFill>
+          <a:effectLst>
+            <a:outerShdw blurRad="254000" dist="50800" dir="5400000" algn="ctr" rotWithShape="0">
+              <a:srgbClr val="000000">
+                <a:alpha val="43137"/>
+              </a:srgbClr>
+            </a:outerShdw>
+          </a:effectLst>
+        </p:spPr>
+        <p:style>
+          <a:lnRef idx="2">
+            <a:schemeClr val="accent1">
+              <a:shade val="50000"/>
+            </a:schemeClr>
+          </a:lnRef>
+          <a:fillRef idx="1">
+            <a:schemeClr val="accent1"/>
+          </a:fillRef>
+          <a:effectRef idx="0">
+            <a:schemeClr val="accent1"/>
+          </a:effectRef>
+          <a:fontRef idx="minor">
+            <a:schemeClr val="lt1"/>
+          </a:fontRef>
+        </p:style>
+        <p:txBody>
+          <a:bodyPr rtlCol="0" anchor="ctr"/>
+          <a:lstStyle/>
+          <a:p>
+            <a:pPr algn="ctr"/>
+            <a:endParaRPr lang="en-US"/>
+          </a:p>
+        </p:txBody>
+      </p:sp>
+      <p:pic>
+        <p:nvPicPr>
+          <p:cNvPr id="7" name="Content Placeholder 6"/>
+          <p:cNvPicPr>
+            <a:picLocks noGrp="1" noChangeAspect="1"/>
+          </p:cNvPicPr>
+          <p:nvPr>
+            <p:ph idx="1"/>
+          </p:nvPr>
+        </p:nvPicPr>
+        <p:blipFill>
+          <a:blip r:embed="rId3">
+            <a:extLst>
+              <a:ext uri="{28A0092B-C50C-407E-A947-70E740481C1C}">
+                <a14:useLocalDpi xmlns:a14="http://schemas.microsoft.com/office/drawing/2010/main" val="0"/>
+              </a:ext>
+            </a:extLst>
+          </a:blip>
+          <a:stretch>
+            <a:fillRect/>
+          </a:stretch>
+        </p:blipFill>
+        <p:spPr>
+          <a:xfrm>
+            <a:off x="134394" y="304513"/>
+            <a:ext cx="2242158" cy="948875"/>
+          </a:xfrm>
+        </p:spPr>
+      </p:pic>
+      <p:sp>
+        <p:nvSpPr>
+          <p:cNvPr id="9" name="TextBox 8"/>
+          <p:cNvSpPr txBox="1"/>
+          <p:nvPr/>
+        </p:nvSpPr>
+        <p:spPr>
+          <a:xfrm>
+            <a:off x="0" y="1797269"/>
+            <a:ext cx="2510946" cy="369332"/>
+          </a:xfrm>
+          <a:prstGeom prst="rect">
+            <a:avLst/>
+          </a:prstGeom>
+          <a:noFill/>
+        </p:spPr>
+        <p:txBody>
+          <a:bodyPr wrap="square" rtlCol="0">
+            <a:spAutoFit/>
+          </a:bodyPr>
+          <a:lstStyle/>
+          <a:p>
+            <a:pPr algn="ctr"/>
+            <a:r>
+              <a:rPr lang="en-US" dirty="0" smtClean="0"/>
+              <a:t>Introduction</a:t>
+            </a:r>
+            <a:endParaRPr lang="en-US" dirty="0"/>
+          </a:p>
+        </p:txBody>
+      </p:sp>
+      <p:sp>
+        <p:nvSpPr>
+          <p:cNvPr id="10" name="TextBox 9"/>
+          <p:cNvSpPr txBox="1"/>
+          <p:nvPr/>
+        </p:nvSpPr>
+        <p:spPr>
+          <a:xfrm>
+            <a:off x="134394" y="2221301"/>
+            <a:ext cx="2242158" cy="369332"/>
+          </a:xfrm>
+          <a:prstGeom prst="rect">
+            <a:avLst/>
+          </a:prstGeom>
+          <a:noFill/>
+        </p:spPr>
+        <p:txBody>
+          <a:bodyPr wrap="square" rtlCol="0">
+            <a:spAutoFit/>
+          </a:bodyPr>
+          <a:lstStyle/>
+          <a:p>
+            <a:pPr algn="ctr"/>
+            <a:r>
+              <a:rPr lang="en-US" dirty="0" smtClean="0"/>
+              <a:t>Motivation</a:t>
+            </a:r>
+            <a:endParaRPr lang="en-US" dirty="0"/>
+          </a:p>
+        </p:txBody>
+      </p:sp>
+      <p:sp>
+        <p:nvSpPr>
+          <p:cNvPr id="11" name="TextBox 10"/>
+          <p:cNvSpPr txBox="1"/>
+          <p:nvPr/>
+        </p:nvSpPr>
+        <p:spPr>
+          <a:xfrm>
+            <a:off x="134394" y="2640813"/>
+            <a:ext cx="2242158" cy="369332"/>
+          </a:xfrm>
+          <a:prstGeom prst="rect">
+            <a:avLst/>
+          </a:prstGeom>
+          <a:noFill/>
+        </p:spPr>
+        <p:txBody>
+          <a:bodyPr wrap="square" rtlCol="0">
+            <a:spAutoFit/>
+          </a:bodyPr>
+          <a:lstStyle/>
+          <a:p>
+            <a:pPr algn="ctr"/>
+            <a:r>
+              <a:rPr lang="en-US" dirty="0" smtClean="0"/>
+              <a:t>Design Overview</a:t>
+            </a:r>
+            <a:endParaRPr lang="en-US" dirty="0"/>
+          </a:p>
+        </p:txBody>
+      </p:sp>
+      <p:sp>
+        <p:nvSpPr>
+          <p:cNvPr id="12" name="TextBox 11"/>
+          <p:cNvSpPr txBox="1"/>
+          <p:nvPr/>
+        </p:nvSpPr>
+        <p:spPr>
+          <a:xfrm>
+            <a:off x="0" y="3055148"/>
+            <a:ext cx="2510946" cy="369332"/>
+          </a:xfrm>
+          <a:prstGeom prst="rect">
+            <a:avLst/>
+          </a:prstGeom>
+          <a:solidFill>
+            <a:srgbClr val="AAAAAA"/>
+          </a:solidFill>
+        </p:spPr>
+        <p:txBody>
+          <a:bodyPr wrap="square" rtlCol="0">
+            <a:spAutoFit/>
+          </a:bodyPr>
+          <a:lstStyle/>
+          <a:p>
+            <a:pPr algn="ctr"/>
+            <a:r>
+              <a:rPr lang="en-US" dirty="0" smtClean="0"/>
+              <a:t>Sprint 1</a:t>
+            </a:r>
+            <a:endParaRPr lang="en-US" dirty="0"/>
+          </a:p>
+        </p:txBody>
+      </p:sp>
+      <p:sp>
+        <p:nvSpPr>
+          <p:cNvPr id="13" name="TextBox 12"/>
+          <p:cNvSpPr txBox="1"/>
+          <p:nvPr/>
+        </p:nvSpPr>
+        <p:spPr>
+          <a:xfrm>
+            <a:off x="134394" y="3469483"/>
+            <a:ext cx="2242158" cy="369332"/>
+          </a:xfrm>
+          <a:prstGeom prst="rect">
+            <a:avLst/>
+          </a:prstGeom>
+          <a:noFill/>
+        </p:spPr>
+        <p:txBody>
+          <a:bodyPr wrap="square" rtlCol="0">
+            <a:spAutoFit/>
+          </a:bodyPr>
+          <a:lstStyle/>
+          <a:p>
+            <a:pPr algn="ctr"/>
+            <a:r>
+              <a:rPr lang="en-US" dirty="0" smtClean="0"/>
+              <a:t>Sprint 2</a:t>
+            </a:r>
+            <a:endParaRPr lang="en-US" dirty="0"/>
+          </a:p>
+        </p:txBody>
+      </p:sp>
+      <p:sp>
+        <p:nvSpPr>
+          <p:cNvPr id="14" name="TextBox 13"/>
+          <p:cNvSpPr txBox="1"/>
+          <p:nvPr/>
+        </p:nvSpPr>
+        <p:spPr>
+          <a:xfrm>
+            <a:off x="134394" y="3906858"/>
+            <a:ext cx="2242158" cy="369332"/>
+          </a:xfrm>
+          <a:prstGeom prst="rect">
+            <a:avLst/>
+          </a:prstGeom>
+          <a:noFill/>
+        </p:spPr>
+        <p:txBody>
+          <a:bodyPr wrap="square" rtlCol="0">
+            <a:spAutoFit/>
+          </a:bodyPr>
+          <a:lstStyle/>
+          <a:p>
+            <a:pPr algn="ctr"/>
+            <a:r>
+              <a:rPr lang="en-US" dirty="0" smtClean="0"/>
+              <a:t>Sprint 3</a:t>
+            </a:r>
+            <a:endParaRPr lang="en-US" dirty="0"/>
+          </a:p>
+        </p:txBody>
+      </p:sp>
+      <p:sp>
+        <p:nvSpPr>
+          <p:cNvPr id="3" name="TextBox 2"/>
+          <p:cNvSpPr txBox="1"/>
+          <p:nvPr/>
+        </p:nvSpPr>
+        <p:spPr>
+          <a:xfrm>
+            <a:off x="3250096" y="2067339"/>
+            <a:ext cx="8179904" cy="4493538"/>
+          </a:xfrm>
+          <a:prstGeom prst="rect">
+            <a:avLst/>
+          </a:prstGeom>
+          <a:noFill/>
+        </p:spPr>
+        <p:txBody>
+          <a:bodyPr wrap="square" rtlCol="0">
+            <a:spAutoFit/>
+          </a:bodyPr>
+          <a:lstStyle/>
+          <a:p>
+            <a:pPr algn="ctr"/>
+            <a:r>
+              <a:rPr lang="en-IN" sz="2800" u="sng" dirty="0">
+                <a:latin typeface="+mj-lt"/>
+              </a:rPr>
+              <a:t>Sprint 1 - Recap</a:t>
+            </a:r>
+          </a:p>
+          <a:p>
+            <a:endParaRPr lang="en-IN" dirty="0"/>
+          </a:p>
+          <a:p>
+            <a:r>
+              <a:rPr lang="en-IN" sz="2000" dirty="0">
+                <a:latin typeface="Bookman Old Style" panose="02050604050505020204" pitchFamily="18" charset="0"/>
+              </a:rPr>
+              <a:t>A lot of time was spent on learning technologies.</a:t>
+            </a:r>
+          </a:p>
+          <a:p>
+            <a:r>
+              <a:rPr lang="en-IN" sz="2000" dirty="0">
+                <a:latin typeface="Bookman Old Style" panose="02050604050505020204" pitchFamily="18" charset="0"/>
+              </a:rPr>
+              <a:t> </a:t>
+            </a:r>
+          </a:p>
+          <a:p>
+            <a:r>
+              <a:rPr lang="en-IN" sz="2000" dirty="0">
+                <a:latin typeface="Bookman Old Style" panose="02050604050505020204" pitchFamily="18" charset="0"/>
+              </a:rPr>
+              <a:t>Front – End </a:t>
+            </a:r>
+            <a:r>
+              <a:rPr lang="en-IN" sz="2000" dirty="0">
+                <a:latin typeface="Bookman Old Style" panose="02050604050505020204" pitchFamily="18" charset="0"/>
+                <a:sym typeface="Wingdings" panose="05000000000000000000" pitchFamily="2" charset="2"/>
+              </a:rPr>
+              <a:t> Created basic responsive web pages which were the foundation of all the work done in Sprint 2 and Sprint 3. </a:t>
+            </a:r>
+          </a:p>
+          <a:p>
+            <a:endParaRPr lang="en-IN" sz="2000" dirty="0">
+              <a:latin typeface="Bookman Old Style" panose="02050604050505020204" pitchFamily="18" charset="0"/>
+              <a:sym typeface="Wingdings" panose="05000000000000000000" pitchFamily="2" charset="2"/>
+            </a:endParaRPr>
+          </a:p>
+          <a:p>
+            <a:r>
+              <a:rPr lang="en-IN" sz="2000" dirty="0">
+                <a:latin typeface="Bookman Old Style" panose="02050604050505020204" pitchFamily="18" charset="0"/>
+                <a:sym typeface="Wingdings" panose="05000000000000000000" pitchFamily="2" charset="2"/>
+              </a:rPr>
+              <a:t>Back – End  Connected the database and the two separate web apps (Student and Recruiter) so that everything could interact with each other.</a:t>
+            </a:r>
+          </a:p>
+          <a:p>
+            <a:endParaRPr lang="en-IN" sz="2000" dirty="0">
+              <a:latin typeface="Bookman Old Style" panose="02050604050505020204" pitchFamily="18" charset="0"/>
+              <a:sym typeface="Wingdings" panose="05000000000000000000" pitchFamily="2" charset="2"/>
+            </a:endParaRPr>
+          </a:p>
+          <a:p>
+            <a:r>
+              <a:rPr lang="en-IN" sz="2000" dirty="0">
+                <a:latin typeface="Bookman Old Style" panose="02050604050505020204" pitchFamily="18" charset="0"/>
+                <a:sym typeface="Wingdings" panose="05000000000000000000" pitchFamily="2" charset="2"/>
+              </a:rPr>
+              <a:t>Database  The database was set up to store the companies and the students and interact with the web client through the back end.</a:t>
+            </a:r>
+            <a:endParaRPr lang="en-IN" sz="2000" dirty="0">
+              <a:latin typeface="Bookman Old Style" panose="02050604050505020204" pitchFamily="18" charset="0"/>
+            </a:endParaRPr>
+          </a:p>
+        </p:txBody>
+      </p:sp>
+    </p:spTree>
+    <p:extLst>
+      <p:ext uri="{BB962C8B-B14F-4D97-AF65-F5344CB8AC3E}">
+        <p14:creationId xmlns:p14="http://schemas.microsoft.com/office/powerpoint/2010/main" val="1756002299"/>
+      </p:ext>
+    </p:extLst>
+  </p:cSld>
+  <p:clrMapOvr>
+    <a:masterClrMapping/>
+  </p:clrMapOvr>
+  <p:timing>
+    <p:tnLst>
+      <p:par>
+        <p:cTn id="1" dur="indefinite" restart="never" nodeType="tmRoot"/>
+      </p:par>
+    </p:tnLst>
+  </p:timing>
+</p:sld>
+</file>
+
+<file path=ppt/slides/slide8.xml><?xml version="1.0" encoding="utf-8"?>
+<p:sld xmlns:a="http://schemas.openxmlformats.org/drawingml/2006/main" xmlns:r="http://schemas.openxmlformats.org/officeDocument/2006/relationships" xmlns:p="http://schemas.openxmlformats.org/presentationml/2006/main">
+  <p:cSld>
+    <p:spTree>
+      <p:nvGrpSpPr>
+        <p:cNvPr id="1" name=""/>
+        <p:cNvGrpSpPr/>
+        <p:nvPr/>
+      </p:nvGrpSpPr>
+      <p:grpSpPr>
+        <a:xfrm>
+          <a:off x="0" y="0"/>
+          <a:ext cx="0" cy="0"/>
+          <a:chOff x="0" y="0"/>
+          <a:chExt cx="0" cy="0"/>
+        </a:xfrm>
+      </p:grpSpPr>
+      <p:sp>
+        <p:nvSpPr>
+          <p:cNvPr id="2" name="Title 1"/>
+          <p:cNvSpPr>
+            <a:spLocks noGrp="1"/>
+          </p:cNvSpPr>
+          <p:nvPr>
+            <p:ph type="title"/>
+          </p:nvPr>
+        </p:nvSpPr>
+        <p:spPr>
+          <a:xfrm>
+            <a:off x="838200" y="232340"/>
+            <a:ext cx="10515600" cy="1325563"/>
+          </a:xfrm>
+        </p:spPr>
+        <p:txBody>
+          <a:bodyPr/>
+          <a:lstStyle/>
+          <a:p>
+            <a:endParaRPr lang="en-US" dirty="0"/>
+          </a:p>
+        </p:txBody>
+      </p:sp>
+      <p:sp>
+        <p:nvSpPr>
+          <p:cNvPr id="5" name="Rectangle 4"/>
+          <p:cNvSpPr/>
+          <p:nvPr/>
+        </p:nvSpPr>
+        <p:spPr>
+          <a:xfrm>
+            <a:off x="0" y="0"/>
+            <a:ext cx="2510947" cy="6858000"/>
+          </a:xfrm>
+          <a:prstGeom prst="rect">
+            <a:avLst/>
+          </a:prstGeom>
+          <a:solidFill>
+            <a:srgbClr val="F1FFFF"/>
+          </a:solidFill>
+          <a:effectLst>
+            <a:outerShdw blurRad="495300" dist="50800" dir="5400000" sx="95000" sy="95000" algn="ctr" rotWithShape="0">
+              <a:srgbClr val="000000">
+                <a:alpha val="43137"/>
+              </a:srgbClr>
+            </a:outerShdw>
+          </a:effectLst>
+        </p:spPr>
+        <p:style>
+          <a:lnRef idx="2">
+            <a:schemeClr val="accent3"/>
+          </a:lnRef>
+          <a:fillRef idx="1">
+            <a:schemeClr val="lt1"/>
+          </a:fillRef>
+          <a:effectRef idx="0">
+            <a:schemeClr val="accent3"/>
+          </a:effectRef>
+          <a:fontRef idx="minor">
+            <a:schemeClr val="dk1"/>
+          </a:fontRef>
+        </p:style>
+        <p:txBody>
+          <a:bodyPr rtlCol="0" anchor="ctr"/>
+          <a:lstStyle/>
+          <a:p>
+            <a:pPr algn="ctr"/>
+            <a:endParaRPr lang="en-US"/>
+          </a:p>
+        </p:txBody>
+      </p:sp>
+      <p:sp>
+        <p:nvSpPr>
+          <p:cNvPr id="6" name="Rectangle 5"/>
+          <p:cNvSpPr/>
+          <p:nvPr/>
+        </p:nvSpPr>
+        <p:spPr>
+          <a:xfrm>
+            <a:off x="0" y="0"/>
+            <a:ext cx="12192000" cy="1557903"/>
+          </a:xfrm>
+          <a:prstGeom prst="rect">
+            <a:avLst/>
+          </a:prstGeom>
+          <a:solidFill>
+            <a:srgbClr val="2197A9"/>
+          </a:solidFill>
+          <a:effectLst>
+            <a:outerShdw blurRad="254000" dist="50800" dir="5400000" algn="ctr" rotWithShape="0">
+              <a:srgbClr val="000000">
+                <a:alpha val="43137"/>
+              </a:srgbClr>
+            </a:outerShdw>
+          </a:effectLst>
+        </p:spPr>
+        <p:style>
+          <a:lnRef idx="2">
+            <a:schemeClr val="accent1">
+              <a:shade val="50000"/>
+            </a:schemeClr>
+          </a:lnRef>
+          <a:fillRef idx="1">
+            <a:schemeClr val="accent1"/>
+          </a:fillRef>
+          <a:effectRef idx="0">
+            <a:schemeClr val="accent1"/>
+          </a:effectRef>
+          <a:fontRef idx="minor">
+            <a:schemeClr val="lt1"/>
+          </a:fontRef>
+        </p:style>
+        <p:txBody>
+          <a:bodyPr rtlCol="0" anchor="ctr"/>
+          <a:lstStyle/>
+          <a:p>
+            <a:pPr algn="ctr"/>
+            <a:endParaRPr lang="en-US"/>
+          </a:p>
+        </p:txBody>
+      </p:sp>
+      <p:pic>
+        <p:nvPicPr>
+          <p:cNvPr id="7" name="Content Placeholder 6"/>
+          <p:cNvPicPr>
+            <a:picLocks noGrp="1" noChangeAspect="1"/>
+          </p:cNvPicPr>
+          <p:nvPr>
+            <p:ph idx="1"/>
+          </p:nvPr>
+        </p:nvPicPr>
+        <p:blipFill>
           <a:blip r:embed="rId2">
             <a:extLst>
               <a:ext uri="{28A0092B-C50C-407E-A947-70E740481C1C}">
@@ -4504,8 +7107,389 @@
         </p:nvSpPr>
         <p:spPr>
           <a:xfrm>
-            <a:off x="0" y="1801789"/>
+            <a:off x="0" y="1797269"/>
             <a:ext cx="2510946" cy="369332"/>
+          </a:xfrm>
+          <a:prstGeom prst="rect">
+            <a:avLst/>
+          </a:prstGeom>
+          <a:noFill/>
+        </p:spPr>
+        <p:txBody>
+          <a:bodyPr wrap="square" rtlCol="0">
+            <a:spAutoFit/>
+          </a:bodyPr>
+          <a:lstStyle/>
+          <a:p>
+            <a:pPr algn="ctr"/>
+            <a:r>
+              <a:rPr lang="en-US" dirty="0" smtClean="0"/>
+              <a:t>Introduction</a:t>
+            </a:r>
+            <a:endParaRPr lang="en-US" dirty="0"/>
+          </a:p>
+        </p:txBody>
+      </p:sp>
+      <p:sp>
+        <p:nvSpPr>
+          <p:cNvPr id="10" name="TextBox 9"/>
+          <p:cNvSpPr txBox="1"/>
+          <p:nvPr/>
+        </p:nvSpPr>
+        <p:spPr>
+          <a:xfrm>
+            <a:off x="134394" y="2221301"/>
+            <a:ext cx="2242158" cy="369332"/>
+          </a:xfrm>
+          <a:prstGeom prst="rect">
+            <a:avLst/>
+          </a:prstGeom>
+          <a:noFill/>
+        </p:spPr>
+        <p:txBody>
+          <a:bodyPr wrap="square" rtlCol="0">
+            <a:spAutoFit/>
+          </a:bodyPr>
+          <a:lstStyle/>
+          <a:p>
+            <a:pPr algn="ctr"/>
+            <a:r>
+              <a:rPr lang="en-US" dirty="0" smtClean="0"/>
+              <a:t>Motivation</a:t>
+            </a:r>
+            <a:endParaRPr lang="en-US" dirty="0"/>
+          </a:p>
+        </p:txBody>
+      </p:sp>
+      <p:sp>
+        <p:nvSpPr>
+          <p:cNvPr id="11" name="TextBox 10"/>
+          <p:cNvSpPr txBox="1"/>
+          <p:nvPr/>
+        </p:nvSpPr>
+        <p:spPr>
+          <a:xfrm>
+            <a:off x="134394" y="2640813"/>
+            <a:ext cx="2242158" cy="369332"/>
+          </a:xfrm>
+          <a:prstGeom prst="rect">
+            <a:avLst/>
+          </a:prstGeom>
+          <a:noFill/>
+        </p:spPr>
+        <p:txBody>
+          <a:bodyPr wrap="square" rtlCol="0">
+            <a:spAutoFit/>
+          </a:bodyPr>
+          <a:lstStyle/>
+          <a:p>
+            <a:pPr algn="ctr"/>
+            <a:r>
+              <a:rPr lang="en-US" dirty="0" smtClean="0"/>
+              <a:t>Design Overview</a:t>
+            </a:r>
+            <a:endParaRPr lang="en-US" dirty="0"/>
+          </a:p>
+        </p:txBody>
+      </p:sp>
+      <p:sp>
+        <p:nvSpPr>
+          <p:cNvPr id="12" name="TextBox 11"/>
+          <p:cNvSpPr txBox="1"/>
+          <p:nvPr/>
+        </p:nvSpPr>
+        <p:spPr>
+          <a:xfrm>
+            <a:off x="134394" y="3055148"/>
+            <a:ext cx="2242158" cy="369332"/>
+          </a:xfrm>
+          <a:prstGeom prst="rect">
+            <a:avLst/>
+          </a:prstGeom>
+          <a:noFill/>
+        </p:spPr>
+        <p:txBody>
+          <a:bodyPr wrap="square" rtlCol="0">
+            <a:spAutoFit/>
+          </a:bodyPr>
+          <a:lstStyle/>
+          <a:p>
+            <a:pPr algn="ctr"/>
+            <a:r>
+              <a:rPr lang="en-US" dirty="0" smtClean="0"/>
+              <a:t>Sprint 1</a:t>
+            </a:r>
+            <a:endParaRPr lang="en-US" dirty="0"/>
+          </a:p>
+        </p:txBody>
+      </p:sp>
+      <p:sp>
+        <p:nvSpPr>
+          <p:cNvPr id="13" name="TextBox 12"/>
+          <p:cNvSpPr txBox="1"/>
+          <p:nvPr/>
+        </p:nvSpPr>
+        <p:spPr>
+          <a:xfrm>
+            <a:off x="1" y="3469483"/>
+            <a:ext cx="2510946" cy="369332"/>
+          </a:xfrm>
+          <a:prstGeom prst="rect">
+            <a:avLst/>
+          </a:prstGeom>
+          <a:solidFill>
+            <a:srgbClr val="AAAAAA"/>
+          </a:solidFill>
+        </p:spPr>
+        <p:txBody>
+          <a:bodyPr wrap="square" rtlCol="0">
+            <a:spAutoFit/>
+          </a:bodyPr>
+          <a:lstStyle/>
+          <a:p>
+            <a:pPr algn="ctr"/>
+            <a:r>
+              <a:rPr lang="en-US" dirty="0" smtClean="0"/>
+              <a:t>Sprint 2</a:t>
+            </a:r>
+            <a:endParaRPr lang="en-US" dirty="0"/>
+          </a:p>
+        </p:txBody>
+      </p:sp>
+      <p:sp>
+        <p:nvSpPr>
+          <p:cNvPr id="14" name="TextBox 13"/>
+          <p:cNvSpPr txBox="1"/>
+          <p:nvPr/>
+        </p:nvSpPr>
+        <p:spPr>
+          <a:xfrm>
+            <a:off x="134394" y="3906858"/>
+            <a:ext cx="2242158" cy="369332"/>
+          </a:xfrm>
+          <a:prstGeom prst="rect">
+            <a:avLst/>
+          </a:prstGeom>
+          <a:noFill/>
+        </p:spPr>
+        <p:txBody>
+          <a:bodyPr wrap="square" rtlCol="0">
+            <a:spAutoFit/>
+          </a:bodyPr>
+          <a:lstStyle/>
+          <a:p>
+            <a:pPr algn="ctr"/>
+            <a:r>
+              <a:rPr lang="en-US" dirty="0" smtClean="0"/>
+              <a:t>Sprint 3</a:t>
+            </a:r>
+            <a:endParaRPr lang="en-US" dirty="0"/>
+          </a:p>
+        </p:txBody>
+      </p:sp>
+      <p:sp>
+        <p:nvSpPr>
+          <p:cNvPr id="15" name="TextBox 14"/>
+          <p:cNvSpPr txBox="1"/>
+          <p:nvPr/>
+        </p:nvSpPr>
+        <p:spPr>
+          <a:xfrm>
+            <a:off x="3261521" y="1958480"/>
+            <a:ext cx="8364422" cy="4185761"/>
+          </a:xfrm>
+          <a:prstGeom prst="rect">
+            <a:avLst/>
+          </a:prstGeom>
+          <a:noFill/>
+        </p:spPr>
+        <p:txBody>
+          <a:bodyPr wrap="square" rtlCol="0">
+            <a:spAutoFit/>
+          </a:bodyPr>
+          <a:lstStyle/>
+          <a:p>
+            <a:pPr algn="ctr"/>
+            <a:r>
+              <a:rPr lang="en-IN" sz="2800" u="sng" dirty="0">
+                <a:latin typeface="+mj-lt"/>
+              </a:rPr>
+              <a:t>Sprint </a:t>
+            </a:r>
+            <a:r>
+              <a:rPr lang="en-IN" sz="2800" u="sng" dirty="0" smtClean="0">
+                <a:latin typeface="+mj-lt"/>
+              </a:rPr>
+              <a:t>2 </a:t>
+            </a:r>
+            <a:r>
+              <a:rPr lang="en-IN" sz="2800" u="sng" dirty="0">
+                <a:latin typeface="+mj-lt"/>
+              </a:rPr>
+              <a:t>- Recap</a:t>
+            </a:r>
+          </a:p>
+          <a:p>
+            <a:endParaRPr lang="en-IN" dirty="0"/>
+          </a:p>
+          <a:p>
+            <a:r>
+              <a:rPr lang="en-IN" sz="2000" dirty="0" smtClean="0">
+                <a:latin typeface="Bookman Old Style" panose="02050604050505020204" pitchFamily="18" charset="0"/>
+              </a:rPr>
+              <a:t>Time was spent on learning technologies as new functionalities had to be implemented.</a:t>
+            </a:r>
+            <a:endParaRPr lang="en-IN" sz="2000" dirty="0">
+              <a:latin typeface="Bookman Old Style" panose="02050604050505020204" pitchFamily="18" charset="0"/>
+            </a:endParaRPr>
+          </a:p>
+          <a:p>
+            <a:r>
+              <a:rPr lang="en-IN" sz="2000" dirty="0">
+                <a:latin typeface="Bookman Old Style" panose="02050604050505020204" pitchFamily="18" charset="0"/>
+              </a:rPr>
+              <a:t> </a:t>
+            </a:r>
+          </a:p>
+          <a:p>
+            <a:r>
+              <a:rPr lang="en-IN" sz="2000" dirty="0" smtClean="0">
+                <a:latin typeface="Bookman Old Style" panose="02050604050505020204" pitchFamily="18" charset="0"/>
+              </a:rPr>
+              <a:t>Front–end </a:t>
+            </a:r>
+            <a:r>
+              <a:rPr lang="en-IN" sz="2000" dirty="0">
+                <a:latin typeface="Bookman Old Style" panose="02050604050505020204" pitchFamily="18" charset="0"/>
+                <a:sym typeface="Wingdings" panose="05000000000000000000" pitchFamily="2" charset="2"/>
+              </a:rPr>
+              <a:t> </a:t>
+            </a:r>
+            <a:r>
+              <a:rPr lang="en-IN" sz="2000" dirty="0" smtClean="0">
+                <a:latin typeface="Bookman Old Style" panose="02050604050505020204" pitchFamily="18" charset="0"/>
+                <a:sym typeface="Wingdings" panose="05000000000000000000" pitchFamily="2" charset="2"/>
+              </a:rPr>
+              <a:t>Creating the filtering functionality with multiple filters.</a:t>
+            </a:r>
+            <a:endParaRPr lang="en-IN" sz="2000" dirty="0">
+              <a:latin typeface="Bookman Old Style" panose="02050604050505020204" pitchFamily="18" charset="0"/>
+              <a:sym typeface="Wingdings" panose="05000000000000000000" pitchFamily="2" charset="2"/>
+            </a:endParaRPr>
+          </a:p>
+          <a:p>
+            <a:endParaRPr lang="en-IN" sz="2000" dirty="0">
+              <a:latin typeface="Bookman Old Style" panose="02050604050505020204" pitchFamily="18" charset="0"/>
+              <a:sym typeface="Wingdings" panose="05000000000000000000" pitchFamily="2" charset="2"/>
+            </a:endParaRPr>
+          </a:p>
+          <a:p>
+            <a:r>
+              <a:rPr lang="en-IN" sz="2000" dirty="0">
+                <a:latin typeface="Bookman Old Style" panose="02050604050505020204" pitchFamily="18" charset="0"/>
+                <a:sym typeface="Wingdings" panose="05000000000000000000" pitchFamily="2" charset="2"/>
+              </a:rPr>
+              <a:t>Back – End </a:t>
+            </a:r>
+            <a:r>
+              <a:rPr lang="en-IN" sz="2000" dirty="0" smtClean="0">
+                <a:latin typeface="Bookman Old Style" panose="02050604050505020204" pitchFamily="18" charset="0"/>
+                <a:sym typeface="Wingdings" panose="05000000000000000000" pitchFamily="2" charset="2"/>
+              </a:rPr>
+              <a:t> The two apps were linked together making sure all the routes work and interaction with database works.</a:t>
+            </a:r>
+          </a:p>
+          <a:p>
+            <a:endParaRPr lang="en-IN" sz="2000" dirty="0">
+              <a:latin typeface="Bookman Old Style" panose="02050604050505020204" pitchFamily="18" charset="0"/>
+              <a:sym typeface="Wingdings" panose="05000000000000000000" pitchFamily="2" charset="2"/>
+            </a:endParaRPr>
+          </a:p>
+          <a:p>
+            <a:r>
+              <a:rPr lang="en-IN" sz="2000" dirty="0" smtClean="0">
+                <a:latin typeface="Bookman Old Style" panose="02050604050505020204" pitchFamily="18" charset="0"/>
+                <a:sym typeface="Wingdings" panose="05000000000000000000" pitchFamily="2" charset="2"/>
+              </a:rPr>
+              <a:t>Algorithm  The algorithm was natively developed, tested and optimized.</a:t>
+            </a:r>
+            <a:endParaRPr lang="en-IN" sz="2000" dirty="0">
+              <a:latin typeface="Bookman Old Style" panose="02050604050505020204" pitchFamily="18" charset="0"/>
+            </a:endParaRPr>
+          </a:p>
+        </p:txBody>
+      </p:sp>
+    </p:spTree>
+    <p:extLst>
+      <p:ext uri="{BB962C8B-B14F-4D97-AF65-F5344CB8AC3E}">
+        <p14:creationId xmlns:p14="http://schemas.microsoft.com/office/powerpoint/2010/main" val="195024663"/>
+      </p:ext>
+    </p:extLst>
+  </p:cSld>
+  <p:clrMapOvr>
+    <a:masterClrMapping/>
+  </p:clrMapOvr>
+  <p:timing>
+    <p:tnLst>
+      <p:par>
+        <p:cTn id="1" dur="indefinite" restart="never" nodeType="tmRoot"/>
+      </p:par>
+    </p:tnLst>
+  </p:timing>
+</p:sld>
+</file>
+
+<file path=ppt/slides/slide9.xml><?xml version="1.0" encoding="utf-8"?>
+<p:sld xmlns:a="http://schemas.openxmlformats.org/drawingml/2006/main" xmlns:r="http://schemas.openxmlformats.org/officeDocument/2006/relationships" xmlns:p="http://schemas.openxmlformats.org/presentationml/2006/main">
+  <p:cSld>
+    <p:spTree>
+      <p:nvGrpSpPr>
+        <p:cNvPr id="1" name=""/>
+        <p:cNvGrpSpPr/>
+        <p:nvPr/>
+      </p:nvGrpSpPr>
+      <p:grpSpPr>
+        <a:xfrm>
+          <a:off x="0" y="0"/>
+          <a:ext cx="0" cy="0"/>
+          <a:chOff x="0" y="0"/>
+          <a:chExt cx="0" cy="0"/>
+        </a:xfrm>
+      </p:grpSpPr>
+      <p:sp>
+        <p:nvSpPr>
+          <p:cNvPr id="2" name="Title 1"/>
+          <p:cNvSpPr>
+            <a:spLocks noGrp="1"/>
+          </p:cNvSpPr>
+          <p:nvPr>
+            <p:ph type="title"/>
+          </p:nvPr>
+        </p:nvSpPr>
+        <p:spPr>
+          <a:xfrm>
+            <a:off x="838200" y="232340"/>
+            <a:ext cx="10515600" cy="1325563"/>
+          </a:xfrm>
+        </p:spPr>
+        <p:txBody>
+          <a:bodyPr/>
+          <a:lstStyle/>
+          <a:p>
+            <a:endParaRPr lang="en-US" dirty="0"/>
+          </a:p>
+        </p:txBody>
+      </p:sp>
+      <p:sp>
+        <p:nvSpPr>
+          <p:cNvPr id="5" name="Rectangle 4"/>
+          <p:cNvSpPr/>
+          <p:nvPr/>
+        </p:nvSpPr>
+        <p:spPr>
+          <a:xfrm>
+            <a:off x="0" y="0"/>
+            <a:ext cx="2510947" cy="6858000"/>
           </a:xfrm>
           <a:prstGeom prst="rect">
             <a:avLst/>
@@ -4513,6 +7497,131 @@
           <a:solidFill>
             <a:srgbClr val="F1FFFF"/>
           </a:solidFill>
+          <a:effectLst>
+            <a:outerShdw blurRad="495300" dist="50800" dir="5400000" sx="95000" sy="95000" algn="ctr" rotWithShape="0">
+              <a:srgbClr val="000000">
+                <a:alpha val="43137"/>
+              </a:srgbClr>
+            </a:outerShdw>
+          </a:effectLst>
+        </p:spPr>
+        <p:style>
+          <a:lnRef idx="2">
+            <a:schemeClr val="accent3"/>
+          </a:lnRef>
+          <a:fillRef idx="1">
+            <a:schemeClr val="lt1"/>
+          </a:fillRef>
+          <a:effectRef idx="0">
+            <a:schemeClr val="accent3"/>
+          </a:effectRef>
+          <a:fontRef idx="minor">
+            <a:schemeClr val="dk1"/>
+          </a:fontRef>
+        </p:style>
+        <p:txBody>
+          <a:bodyPr rtlCol="0" anchor="ctr"/>
+          <a:lstStyle/>
+          <a:p>
+            <a:pPr algn="ctr"/>
+            <a:endParaRPr lang="en-US"/>
+          </a:p>
+        </p:txBody>
+      </p:sp>
+      <p:sp>
+        <p:nvSpPr>
+          <p:cNvPr id="6" name="Rectangle 5"/>
+          <p:cNvSpPr/>
+          <p:nvPr/>
+        </p:nvSpPr>
+        <p:spPr>
+          <a:xfrm>
+            <a:off x="0" y="0"/>
+            <a:ext cx="12192000" cy="1557903"/>
+          </a:xfrm>
+          <a:prstGeom prst="rect">
+            <a:avLst/>
+          </a:prstGeom>
+          <a:solidFill>
+            <a:srgbClr val="2197A9"/>
+          </a:solidFill>
+          <a:effectLst>
+            <a:outerShdw blurRad="254000" dist="50800" dir="5400000" algn="ctr" rotWithShape="0">
+              <a:srgbClr val="000000">
+                <a:alpha val="43137"/>
+              </a:srgbClr>
+            </a:outerShdw>
+          </a:effectLst>
+        </p:spPr>
+        <p:style>
+          <a:lnRef idx="2">
+            <a:schemeClr val="accent1">
+              <a:shade val="50000"/>
+            </a:schemeClr>
+          </a:lnRef>
+          <a:fillRef idx="1">
+            <a:schemeClr val="accent1"/>
+          </a:fillRef>
+          <a:effectRef idx="0">
+            <a:schemeClr val="accent1"/>
+          </a:effectRef>
+          <a:fontRef idx="minor">
+            <a:schemeClr val="lt1"/>
+          </a:fontRef>
+        </p:style>
+        <p:txBody>
+          <a:bodyPr rtlCol="0" anchor="ctr"/>
+          <a:lstStyle/>
+          <a:p>
+            <a:pPr algn="ctr"/>
+            <a:endParaRPr lang="en-US"/>
+          </a:p>
+        </p:txBody>
+      </p:sp>
+      <p:pic>
+        <p:nvPicPr>
+          <p:cNvPr id="7" name="Content Placeholder 6"/>
+          <p:cNvPicPr>
+            <a:picLocks noGrp="1" noChangeAspect="1"/>
+          </p:cNvPicPr>
+          <p:nvPr>
+            <p:ph idx="1"/>
+          </p:nvPr>
+        </p:nvPicPr>
+        <p:blipFill>
+          <a:blip r:embed="rId2">
+            <a:extLst>
+              <a:ext uri="{28A0092B-C50C-407E-A947-70E740481C1C}">
+                <a14:useLocalDpi xmlns:a14="http://schemas.microsoft.com/office/drawing/2010/main" val="0"/>
+              </a:ext>
+            </a:extLst>
+          </a:blip>
+          <a:stretch>
+            <a:fillRect/>
+          </a:stretch>
+        </p:blipFill>
+        <p:spPr>
+          <a:xfrm>
+            <a:off x="134394" y="304513"/>
+            <a:ext cx="2242158" cy="948875"/>
+          </a:xfrm>
+        </p:spPr>
+      </p:pic>
+      <p:sp>
+        <p:nvSpPr>
+          <p:cNvPr id="9" name="TextBox 8"/>
+          <p:cNvSpPr txBox="1"/>
+          <p:nvPr/>
+        </p:nvSpPr>
+        <p:spPr>
+          <a:xfrm>
+            <a:off x="0" y="1797269"/>
+            <a:ext cx="2510946" cy="369332"/>
+          </a:xfrm>
+          <a:prstGeom prst="rect">
+            <a:avLst/>
+          </a:prstGeom>
+          <a:noFill/>
         </p:spPr>
         <p:txBody>
           <a:bodyPr wrap="square" rtlCol="0">
@@ -4537,7 +7646,131 @@
         </p:nvSpPr>
         <p:spPr>
           <a:xfrm>
-            <a:off x="0" y="2221301"/>
+            <a:off x="134394" y="2221301"/>
+            <a:ext cx="2242158" cy="369332"/>
+          </a:xfrm>
+          <a:prstGeom prst="rect">
+            <a:avLst/>
+          </a:prstGeom>
+          <a:noFill/>
+        </p:spPr>
+        <p:txBody>
+          <a:bodyPr wrap="square" rtlCol="0">
+            <a:spAutoFit/>
+          </a:bodyPr>
+          <a:lstStyle/>
+          <a:p>
+            <a:pPr algn="ctr"/>
+            <a:r>
+              <a:rPr lang="en-US" dirty="0" smtClean="0"/>
+              <a:t>Motivation</a:t>
+            </a:r>
+            <a:endParaRPr lang="en-US" dirty="0"/>
+          </a:p>
+        </p:txBody>
+      </p:sp>
+      <p:sp>
+        <p:nvSpPr>
+          <p:cNvPr id="11" name="TextBox 10"/>
+          <p:cNvSpPr txBox="1"/>
+          <p:nvPr/>
+        </p:nvSpPr>
+        <p:spPr>
+          <a:xfrm>
+            <a:off x="134394" y="2640813"/>
+            <a:ext cx="2242158" cy="369332"/>
+          </a:xfrm>
+          <a:prstGeom prst="rect">
+            <a:avLst/>
+          </a:prstGeom>
+          <a:noFill/>
+        </p:spPr>
+        <p:txBody>
+          <a:bodyPr wrap="square" rtlCol="0">
+            <a:spAutoFit/>
+          </a:bodyPr>
+          <a:lstStyle/>
+          <a:p>
+            <a:pPr algn="ctr"/>
+            <a:r>
+              <a:rPr lang="en-US" dirty="0" smtClean="0"/>
+              <a:t>Design Overview</a:t>
+            </a:r>
+            <a:endParaRPr lang="en-US" dirty="0"/>
+          </a:p>
+        </p:txBody>
+      </p:sp>
+      <p:sp>
+        <p:nvSpPr>
+          <p:cNvPr id="12" name="TextBox 11"/>
+          <p:cNvSpPr txBox="1"/>
+          <p:nvPr/>
+        </p:nvSpPr>
+        <p:spPr>
+          <a:xfrm>
+            <a:off x="134394" y="3055148"/>
+            <a:ext cx="2242158" cy="369332"/>
+          </a:xfrm>
+          <a:prstGeom prst="rect">
+            <a:avLst/>
+          </a:prstGeom>
+          <a:noFill/>
+        </p:spPr>
+        <p:txBody>
+          <a:bodyPr wrap="square" rtlCol="0">
+            <a:spAutoFit/>
+          </a:bodyPr>
+          <a:lstStyle/>
+          <a:p>
+            <a:pPr algn="ctr"/>
+            <a:r>
+              <a:rPr lang="en-US" dirty="0" smtClean="0"/>
+              <a:t>Sprint 1</a:t>
+            </a:r>
+            <a:endParaRPr lang="en-US" dirty="0"/>
+          </a:p>
+        </p:txBody>
+      </p:sp>
+      <p:sp>
+        <p:nvSpPr>
+          <p:cNvPr id="13" name="TextBox 12"/>
+          <p:cNvSpPr txBox="1"/>
+          <p:nvPr/>
+        </p:nvSpPr>
+        <p:spPr>
+          <a:xfrm>
+            <a:off x="134394" y="3469483"/>
+            <a:ext cx="2242158" cy="369332"/>
+          </a:xfrm>
+          <a:prstGeom prst="rect">
+            <a:avLst/>
+          </a:prstGeom>
+          <a:noFill/>
+        </p:spPr>
+        <p:txBody>
+          <a:bodyPr wrap="square" rtlCol="0">
+            <a:spAutoFit/>
+          </a:bodyPr>
+          <a:lstStyle/>
+          <a:p>
+            <a:pPr algn="ctr"/>
+            <a:r>
+              <a:rPr lang="en-US" dirty="0" smtClean="0"/>
+              <a:t>Sprint 2</a:t>
+            </a:r>
+            <a:endParaRPr lang="en-US" dirty="0"/>
+          </a:p>
+        </p:txBody>
+      </p:sp>
+      <p:sp>
+        <p:nvSpPr>
+          <p:cNvPr id="14" name="TextBox 13"/>
+          <p:cNvSpPr txBox="1"/>
+          <p:nvPr/>
+        </p:nvSpPr>
+        <p:spPr>
+          <a:xfrm>
+            <a:off x="0" y="3906858"/>
             <a:ext cx="2510946" cy="369332"/>
           </a:xfrm>
           <a:prstGeom prst="rect">
@@ -4556,130 +7789,6 @@
             <a:pPr algn="ctr"/>
             <a:r>
               <a:rPr lang="en-US" dirty="0" smtClean="0"/>
-              <a:t>Motivation</a:t>
-            </a:r>
-            <a:endParaRPr lang="en-US" dirty="0"/>
-          </a:p>
-        </p:txBody>
-      </p:sp>
-      <p:sp>
-        <p:nvSpPr>
-          <p:cNvPr id="11" name="TextBox 10"/>
-          <p:cNvSpPr txBox="1"/>
-          <p:nvPr/>
-        </p:nvSpPr>
-        <p:spPr>
-          <a:xfrm>
-            <a:off x="0" y="2640813"/>
-            <a:ext cx="2510946" cy="369332"/>
-          </a:xfrm>
-          <a:prstGeom prst="rect">
-            <a:avLst/>
-          </a:prstGeom>
-          <a:noFill/>
-        </p:spPr>
-        <p:txBody>
-          <a:bodyPr wrap="square" rtlCol="0">
-            <a:spAutoFit/>
-          </a:bodyPr>
-          <a:lstStyle/>
-          <a:p>
-            <a:pPr algn="ctr"/>
-            <a:r>
-              <a:rPr lang="en-US" dirty="0" smtClean="0"/>
-              <a:t>Design Overview</a:t>
-            </a:r>
-            <a:endParaRPr lang="en-US" dirty="0"/>
-          </a:p>
-        </p:txBody>
-      </p:sp>
-      <p:sp>
-        <p:nvSpPr>
-          <p:cNvPr id="12" name="TextBox 11"/>
-          <p:cNvSpPr txBox="1"/>
-          <p:nvPr/>
-        </p:nvSpPr>
-        <p:spPr>
-          <a:xfrm>
-            <a:off x="0" y="3055148"/>
-            <a:ext cx="2510946" cy="369332"/>
-          </a:xfrm>
-          <a:prstGeom prst="rect">
-            <a:avLst/>
-          </a:prstGeom>
-          <a:noFill/>
-        </p:spPr>
-        <p:txBody>
-          <a:bodyPr wrap="square" rtlCol="0">
-            <a:spAutoFit/>
-          </a:bodyPr>
-          <a:lstStyle/>
-          <a:p>
-            <a:pPr algn="ctr"/>
-            <a:r>
-              <a:rPr lang="en-US" dirty="0" smtClean="0"/>
-              <a:t>Sprint 1</a:t>
-            </a:r>
-            <a:endParaRPr lang="en-US" dirty="0"/>
-          </a:p>
-        </p:txBody>
-      </p:sp>
-      <p:sp>
-        <p:nvSpPr>
-          <p:cNvPr id="13" name="TextBox 12"/>
-          <p:cNvSpPr txBox="1"/>
-          <p:nvPr/>
-        </p:nvSpPr>
-        <p:spPr>
-          <a:xfrm>
-            <a:off x="0" y="3469483"/>
-            <a:ext cx="2510946" cy="369332"/>
-          </a:xfrm>
-          <a:prstGeom prst="rect">
-            <a:avLst/>
-          </a:prstGeom>
-          <a:noFill/>
-        </p:spPr>
-        <p:txBody>
-          <a:bodyPr wrap="square" rtlCol="0">
-            <a:spAutoFit/>
-          </a:bodyPr>
-          <a:lstStyle/>
-          <a:p>
-            <a:pPr algn="ctr"/>
-            <a:r>
-              <a:rPr lang="en-US" dirty="0" smtClean="0"/>
-              <a:t>Sprint 2</a:t>
-            </a:r>
-            <a:endParaRPr lang="en-US" dirty="0"/>
-          </a:p>
-        </p:txBody>
-      </p:sp>
-      <p:sp>
-        <p:nvSpPr>
-          <p:cNvPr id="14" name="TextBox 13"/>
-          <p:cNvSpPr txBox="1"/>
-          <p:nvPr/>
-        </p:nvSpPr>
-        <p:spPr>
-          <a:xfrm>
-            <a:off x="0" y="3906858"/>
-            <a:ext cx="2510946" cy="369332"/>
-          </a:xfrm>
-          <a:prstGeom prst="rect">
-            <a:avLst/>
-          </a:prstGeom>
-          <a:noFill/>
-        </p:spPr>
-        <p:txBody>
-          <a:bodyPr wrap="square" rtlCol="0">
-            <a:spAutoFit/>
-          </a:bodyPr>
-          <a:lstStyle/>
-          <a:p>
-            <a:pPr algn="ctr"/>
-            <a:r>
-              <a:rPr lang="en-US" dirty="0" smtClean="0"/>
               <a:t>Sprint 3</a:t>
             </a:r>
             <a:endParaRPr lang="en-US" dirty="0"/>
@@ -4689,7 +7798,7 @@
     </p:spTree>
     <p:extLst>
       <p:ext uri="{BB962C8B-B14F-4D97-AF65-F5344CB8AC3E}">
-        <p14:creationId xmlns:p14="http://schemas.microsoft.com/office/powerpoint/2010/main" val="209927795"/>
+        <p14:creationId xmlns:p14="http://schemas.microsoft.com/office/powerpoint/2010/main" val="801023436"/>
       </p:ext>
     </p:extLst>
   </p:cSld>
@@ -4965,4 +8074,265 @@
     </a:ext>
   </a:extLst>
 </a:theme>
+</file>
+
+<file path=ppt/theme/theme2.xml><?xml version="1.0" encoding="utf-8"?>
+<a:theme xmlns:a="http://schemas.openxmlformats.org/drawingml/2006/main" name="Office Theme">
+  <a:themeElements>
+    <a:clrScheme name="Office">
+      <a:dk1>
+        <a:sysClr val="windowText" lastClr="000000"/>
+      </a:dk1>
+      <a:lt1>
+        <a:sysClr val="window" lastClr="FFFFFF"/>
+      </a:lt1>
+      <a:dk2>
+        <a:srgbClr val="44546A"/>
+      </a:dk2>
+      <a:lt2>
+        <a:srgbClr val="E7E6E6"/>
+      </a:lt2>
+      <a:accent1>
+        <a:srgbClr val="5B9BD5"/>
+      </a:accent1>
+      <a:accent2>
+        <a:srgbClr val="ED7D31"/>
+      </a:accent2>
+      <a:accent3>
+        <a:srgbClr val="A5A5A5"/>
+      </a:accent3>
+      <a:accent4>
+        <a:srgbClr val="FFC000"/>
+      </a:accent4>
+      <a:accent5>
+        <a:srgbClr val="4472C4"/>
+      </a:accent5>
+      <a:accent6>
+        <a:srgbClr val="70AD47"/>
+      </a:accent6>
+      <a:hlink>
+        <a:srgbClr val="0563C1"/>
+      </a:hlink>
+      <a:folHlink>
+        <a:srgbClr val="954F72"/>
+      </a:folHlink>
+    </a:clrScheme>
+    <a:fontScheme name="Office">
+      <a:majorFont>
+        <a:latin typeface="Calibri Light" panose="020F0302020204030204"/>
+        <a:ea typeface=""/>
+        <a:cs typeface=""/>
+        <a:font script="Jpan" typeface="ＭＳ Ｐゴシック"/>
+        <a:font script="Hang" typeface="맑은 고딕"/>
+        <a:font script="Hans" typeface="宋体"/>
+        <a:font script="Hant" typeface="新細明體"/>
+        <a:font script="Arab" typeface="Times New Roman"/>
+        <a:font script="Hebr" typeface="Times New Roman"/>
+        <a:font script="Thai" typeface="Angsana New"/>
+        <a:font script="Ethi" typeface="Nyala"/>
+        <a:font script="Beng" typeface="Vrinda"/>
+        <a:font script="Gujr" typeface="Shruti"/>
+        <a:font script="Khmr" typeface="MoolBoran"/>
+        <a:font script="Knda" typeface="Tunga"/>
+        <a:font script="Guru" typeface="Raavi"/>
+        <a:font script="Cans" typeface="Euphemia"/>
+        <a:font script="Cher" typeface="Plantagenet Cherokee"/>
+        <a:font script="Yiii" typeface="Microsoft Yi Baiti"/>
+        <a:font script="Tibt" typeface="Microsoft Himalaya"/>
+        <a:font script="Thaa" typeface="MV Boli"/>
+        <a:font script="Deva" typeface="Mangal"/>
+        <a:font script="Telu" typeface="Gautami"/>
+        <a:font script="Taml" typeface="Latha"/>
+        <a:font script="Syrc" typeface="Estrangelo Edessa"/>
+        <a:font script="Orya" typeface="Kalinga"/>
+        <a:font script="Mlym" typeface="Kartika"/>
+        <a:font script="Laoo" typeface="DokChampa"/>
+        <a:font script="Sinh" typeface="Iskoola Pota"/>
+        <a:font script="Mong" typeface="Mongolian Baiti"/>
+        <a:font script="Viet" typeface="Times New Roman"/>
+        <a:font script="Uigh" typeface="Microsoft Uighur"/>
+        <a:font script="Geor" typeface="Sylfaen"/>
+      </a:majorFont>
+      <a:minorFont>
+        <a:latin typeface="Calibri" panose="020F0502020204030204"/>
+        <a:ea typeface=""/>
+        <a:cs typeface=""/>
+        <a:font script="Jpan" typeface="ＭＳ Ｐゴシック"/>
+        <a:font script="Hang" typeface="맑은 고딕"/>
+        <a:font script="Hans" typeface="宋体"/>
+        <a:font script="Hant" typeface="新細明體"/>
+        <a:font script="Arab" typeface="Arial"/>
+        <a:font script="Hebr" typeface="Arial"/>
+        <a:font script="Thai" typeface="Cordia New"/>
+        <a:font script="Ethi" typeface="Nyala"/>
+        <a:font script="Beng" typeface="Vrinda"/>
+        <a:font script="Gujr" typeface="Shruti"/>
+        <a:font script="Khmr" typeface="DaunPenh"/>
+        <a:font script="Knda" typeface="Tunga"/>
+        <a:font script="Guru" typeface="Raavi"/>
+        <a:font script="Cans" typeface="Euphemia"/>
+        <a:font script="Cher" typeface="Plantagenet Cherokee"/>
+        <a:font script="Yiii" typeface="Microsoft Yi Baiti"/>
+        <a:font script="Tibt" typeface="Microsoft Himalaya"/>
+        <a:font script="Thaa" typeface="MV Boli"/>
+        <a:font script="Deva" typeface="Mangal"/>
+        <a:font script="Telu" typeface="Gautami"/>
+        <a:font script="Taml" typeface="Latha"/>
+        <a:font script="Syrc" typeface="Estrangelo Edessa"/>
+        <a:font script="Orya" typeface="Kalinga"/>
+        <a:font script="Mlym" typeface="Kartika"/>
+        <a:font script="Laoo" typeface="DokChampa"/>
+        <a:font script="Sinh" typeface="Iskoola Pota"/>
+        <a:font script="Mong" typeface="Mongolian Baiti"/>
+        <a:font script="Viet" typeface="Arial"/>
+        <a:font script="Uigh" typeface="Microsoft Uighur"/>
+        <a:font script="Geor" typeface="Sylfaen"/>
+      </a:minorFont>
+    </a:fontScheme>
+    <a:fmtScheme name="Office">
+      <a:fillStyleLst>
+        <a:solidFill>
+          <a:schemeClr val="phClr"/>
+        </a:solidFill>
+        <a:gradFill rotWithShape="1">
+          <a:gsLst>
+            <a:gs pos="0">
+              <a:schemeClr val="phClr">
+                <a:lumMod val="110000"/>
+                <a:satMod val="105000"/>
+                <a:tint val="67000"/>
+              </a:schemeClr>
+            </a:gs>
+            <a:gs pos="50000">
+              <a:schemeClr val="phClr">
+                <a:lumMod val="105000"/>
+                <a:satMod val="103000"/>
+                <a:tint val="73000"/>
+              </a:schemeClr>
+            </a:gs>
+            <a:gs pos="100000">
+              <a:schemeClr val="phClr">
+                <a:lumMod val="105000"/>
+                <a:satMod val="109000"/>
+                <a:tint val="81000"/>
+              </a:schemeClr>
+            </a:gs>
+          </a:gsLst>
+          <a:lin ang="5400000" scaled="0"/>
+        </a:gradFill>
+        <a:gradFill rotWithShape="1">
+          <a:gsLst>
+            <a:gs pos="0">
+              <a:schemeClr val="phClr">
+                <a:satMod val="103000"/>
+                <a:lumMod val="102000"/>
+                <a:tint val="94000"/>
+              </a:schemeClr>
+            </a:gs>
+            <a:gs pos="50000">
+              <a:schemeClr val="phClr">
+                <a:satMod val="110000"/>
+                <a:lumMod val="100000"/>
+                <a:shade val="100000"/>
+              </a:schemeClr>
+            </a:gs>
+            <a:gs pos="100000">
+              <a:schemeClr val="phClr">
+                <a:lumMod val="99000"/>
+                <a:satMod val="120000"/>
+                <a:shade val="78000"/>
+              </a:schemeClr>
+            </a:gs>
+          </a:gsLst>
+          <a:lin ang="5400000" scaled="0"/>
+        </a:gradFill>
+      </a:fillStyleLst>
+      <a:lnStyleLst>
+        <a:ln w="6350" cap="flat" cmpd="sng" algn="ctr">
+          <a:solidFill>
+            <a:schemeClr val="phClr"/>
+          </a:solidFill>
+          <a:prstDash val="solid"/>
+          <a:miter lim="800000"/>
+        </a:ln>
+        <a:ln w="12700" cap="flat" cmpd="sng" algn="ctr">
+          <a:solidFill>
+            <a:schemeClr val="phClr"/>
+          </a:solidFill>
+          <a:prstDash val="solid"/>
+          <a:miter lim="800000"/>
+        </a:ln>
+        <a:ln w="19050" cap="flat" cmpd="sng" algn="ctr">
+          <a:solidFill>
+            <a:schemeClr val="phClr"/>
+          </a:solidFill>
+          <a:prstDash val="solid"/>
+          <a:miter lim="800000"/>
+        </a:ln>
+      </a:lnStyleLst>
+      <a:effectStyleLst>
+        <a:effectStyle>
+          <a:effectLst/>
+        </a:effectStyle>
+        <a:effectStyle>
+          <a:effectLst/>
+        </a:effectStyle>
+        <a:effectStyle>
+          <a:effectLst>
+            <a:outerShdw blurRad="57150" dist="19050" dir="5400000" algn="ctr" rotWithShape="0">
+              <a:srgbClr val="000000">
+                <a:alpha val="63000"/>
+              </a:srgbClr>
+            </a:outerShdw>
+          </a:effectLst>
+        </a:effectStyle>
+      </a:effectStyleLst>
+      <a:bgFillStyleLst>
+        <a:solidFill>
+          <a:schemeClr val="phClr"/>
+        </a:solidFill>
+        <a:solidFill>
+          <a:schemeClr val="phClr">
+            <a:tint val="95000"/>
+            <a:satMod val="170000"/>
+          </a:schemeClr>
+        </a:solidFill>
+        <a:gradFill rotWithShape="1">
+          <a:gsLst>
+            <a:gs pos="0">
+              <a:schemeClr val="phClr">
+                <a:tint val="93000"/>
+                <a:satMod val="150000"/>
+                <a:shade val="98000"/>
+                <a:lumMod val="102000"/>
+              </a:schemeClr>
+            </a:gs>
+            <a:gs pos="50000">
+              <a:schemeClr val="phClr">
+                <a:tint val="98000"/>
+                <a:satMod val="130000"/>
+                <a:shade val="90000"/>
+                <a:lumMod val="103000"/>
+              </a:schemeClr>
+            </a:gs>
+            <a:gs pos="100000">
+              <a:schemeClr val="phClr">
+                <a:shade val="63000"/>
+                <a:satMod val="120000"/>
+              </a:schemeClr>
+            </a:gs>
+          </a:gsLst>
+          <a:lin ang="5400000" scaled="0"/>
+        </a:gradFill>
+      </a:bgFillStyleLst>
+    </a:fmtScheme>
+  </a:themeElements>
+  <a:objectDefaults/>
+  <a:extraClrSchemeLst/>
+  <a:extLst>
+    <a:ext uri="{05A4C25C-085E-4340-85A3-A5531E510DB2}">
+      <thm15:themeFamily xmlns:thm15="http://schemas.microsoft.com/office/thememl/2012/main" name="Office Theme" id="{62F939B6-93AF-4DB8-9C6B-D6C7DFDC589F}" vid="{4A3C46E8-61CC-4603-A589-7422A47A8E4A}"/>
+    </a:ext>
+  </a:extLst>
+</a:theme>
 </file>
--- a/Documents/Team 7 - Sprint 3 Presentation.pptx
+++ b/Documents/Team 7 - Sprint 3 Presentation.pptx
@@ -5,18 +5,19 @@
     <p:sldMasterId id="2147483648" r:id="rId1"/>
   </p:sldMasterIdLst>
   <p:notesMasterIdLst>
-    <p:notesMasterId r:id="rId11"/>
+    <p:notesMasterId r:id="rId12"/>
   </p:notesMasterIdLst>
   <p:sldIdLst>
     <p:sldId id="256" r:id="rId2"/>
     <p:sldId id="257" r:id="rId3"/>
     <p:sldId id="258" r:id="rId4"/>
-    <p:sldId id="259" r:id="rId5"/>
-    <p:sldId id="260" r:id="rId6"/>
-    <p:sldId id="262" r:id="rId7"/>
-    <p:sldId id="263" r:id="rId8"/>
-    <p:sldId id="264" r:id="rId9"/>
-    <p:sldId id="266" r:id="rId10"/>
+    <p:sldId id="267" r:id="rId5"/>
+    <p:sldId id="259" r:id="rId6"/>
+    <p:sldId id="260" r:id="rId7"/>
+    <p:sldId id="262" r:id="rId8"/>
+    <p:sldId id="263" r:id="rId9"/>
+    <p:sldId id="264" r:id="rId10"/>
+    <p:sldId id="266" r:id="rId11"/>
   </p:sldIdLst>
   <p:sldSz cx="12192000" cy="6858000"/>
   <p:notesSz cx="6858000" cy="9144000"/>
@@ -205,7 +206,7 @@
           <a:p>
             <a:fld id="{BD04E779-ECDE-47B0-81E5-71C053E43B1E}" type="datetimeFigureOut">
               <a:rPr lang="en-IN" smtClean="0"/>
-              <a:t>23-04-2017</a:t>
+              <a:t>23/04/17</a:t>
             </a:fld>
             <a:endParaRPr lang="en-IN"/>
           </a:p>
@@ -650,6 +651,9 @@
             </a:r>
           </a:p>
           <a:p>
+            <a:endParaRPr lang="en-IN" dirty="0" smtClean="0"/>
+          </a:p>
+          <a:p>
             <a:endParaRPr lang="en-IN" dirty="0"/>
           </a:p>
         </p:txBody>
@@ -680,7 +684,7 @@
     </p:spTree>
     <p:extLst>
       <p:ext uri="{BB962C8B-B14F-4D97-AF65-F5344CB8AC3E}">
-        <p14:creationId xmlns:p14="http://schemas.microsoft.com/office/powerpoint/2010/main" val="3192087644"/>
+        <p14:creationId xmlns:p14="http://schemas.microsoft.com/office/powerpoint/2010/main" val="63775082"/>
       </p:ext>
     </p:extLst>
   </p:cSld>
@@ -734,6 +738,29 @@
           <a:bodyPr/>
           <a:lstStyle/>
           <a:p>
+            <a:pPr marL="0" marR="0" lvl="0" indent="0" algn="l" defTabSz="914400" rtl="0" eaLnBrk="1" fontAlgn="auto" latinLnBrk="0" hangingPunct="1">
+              <a:lnSpc>
+                <a:spcPct val="100000"/>
+              </a:lnSpc>
+              <a:spcBef>
+                <a:spcPts val="0"/>
+              </a:spcBef>
+              <a:spcAft>
+                <a:spcPts val="0"/>
+              </a:spcAft>
+              <a:buClrTx/>
+              <a:buSzTx/>
+              <a:buFontTx/>
+              <a:buNone/>
+              <a:tabLst/>
+              <a:defRPr/>
+            </a:pPr>
+            <a:r>
+              <a:rPr lang="en-IN" dirty="0" smtClean="0"/>
+              <a:t>Currently in career fairs, companies have long lines of students wanting to talk to them. Students attending career fairs spend most of their time standing in these lines rather than networking and talking to potential employers. Also this does not ensure that you’re able to talk to your companies in order of your preference. While scheduling systems exist, none have been used to solve this problem. Our product tackles this issue by creating virtual queues, which will reduce the time students spend standing in line through various optimization techniques.</a:t>
+            </a:r>
+          </a:p>
+          <a:p>
             <a:endParaRPr lang="en-IN" dirty="0"/>
           </a:p>
         </p:txBody>
@@ -764,7 +791,7 @@
     </p:spTree>
     <p:extLst>
       <p:ext uri="{BB962C8B-B14F-4D97-AF65-F5344CB8AC3E}">
-        <p14:creationId xmlns:p14="http://schemas.microsoft.com/office/powerpoint/2010/main" val="702475070"/>
+        <p14:creationId xmlns:p14="http://schemas.microsoft.com/office/powerpoint/2010/main" val="3192087644"/>
       </p:ext>
     </p:extLst>
   </p:cSld>
@@ -848,7 +875,7 @@
     </p:spTree>
     <p:extLst>
       <p:ext uri="{BB962C8B-B14F-4D97-AF65-F5344CB8AC3E}">
-        <p14:creationId xmlns:p14="http://schemas.microsoft.com/office/powerpoint/2010/main" val="2982878112"/>
+        <p14:creationId xmlns:p14="http://schemas.microsoft.com/office/powerpoint/2010/main" val="702475070"/>
       </p:ext>
     </p:extLst>
   </p:cSld>
@@ -924,6 +951,90 @@
             <a:fld id="{4D5A2021-7108-4755-B01E-0C62B02DAB26}" type="slidenum">
               <a:rPr lang="en-IN" smtClean="0"/>
               <a:t>7</a:t>
+            </a:fld>
+            <a:endParaRPr lang="en-IN"/>
+          </a:p>
+        </p:txBody>
+      </p:sp>
+    </p:spTree>
+    <p:extLst>
+      <p:ext uri="{BB962C8B-B14F-4D97-AF65-F5344CB8AC3E}">
+        <p14:creationId xmlns:p14="http://schemas.microsoft.com/office/powerpoint/2010/main" val="2982878112"/>
+      </p:ext>
+    </p:extLst>
+  </p:cSld>
+  <p:clrMapOvr>
+    <a:masterClrMapping/>
+  </p:clrMapOvr>
+</p:notes>
+</file>
+
+<file path=ppt/notesSlides/notesSlide6.xml><?xml version="1.0" encoding="utf-8"?>
+<p:notes xmlns:a="http://schemas.openxmlformats.org/drawingml/2006/main" xmlns:r="http://schemas.openxmlformats.org/officeDocument/2006/relationships" xmlns:p="http://schemas.openxmlformats.org/presentationml/2006/main">
+  <p:cSld>
+    <p:spTree>
+      <p:nvGrpSpPr>
+        <p:cNvPr id="1" name=""/>
+        <p:cNvGrpSpPr/>
+        <p:nvPr/>
+      </p:nvGrpSpPr>
+      <p:grpSpPr>
+        <a:xfrm>
+          <a:off x="0" y="0"/>
+          <a:ext cx="0" cy="0"/>
+          <a:chOff x="0" y="0"/>
+          <a:chExt cx="0" cy="0"/>
+        </a:xfrm>
+      </p:grpSpPr>
+      <p:sp>
+        <p:nvSpPr>
+          <p:cNvPr id="2" name="Slide Image Placeholder 1"/>
+          <p:cNvSpPr>
+            <a:spLocks noGrp="1" noRot="1" noChangeAspect="1"/>
+          </p:cNvSpPr>
+          <p:nvPr>
+            <p:ph type="sldImg"/>
+          </p:nvPr>
+        </p:nvSpPr>
+        <p:spPr/>
+      </p:sp>
+      <p:sp>
+        <p:nvSpPr>
+          <p:cNvPr id="3" name="Notes Placeholder 2"/>
+          <p:cNvSpPr>
+            <a:spLocks noGrp="1"/>
+          </p:cNvSpPr>
+          <p:nvPr>
+            <p:ph type="body" idx="1"/>
+          </p:nvPr>
+        </p:nvSpPr>
+        <p:spPr/>
+        <p:txBody>
+          <a:bodyPr/>
+          <a:lstStyle/>
+          <a:p>
+            <a:endParaRPr lang="en-IN" dirty="0"/>
+          </a:p>
+        </p:txBody>
+      </p:sp>
+      <p:sp>
+        <p:nvSpPr>
+          <p:cNvPr id="4" name="Slide Number Placeholder 3"/>
+          <p:cNvSpPr>
+            <a:spLocks noGrp="1"/>
+          </p:cNvSpPr>
+          <p:nvPr>
+            <p:ph type="sldNum" sz="quarter" idx="10"/>
+          </p:nvPr>
+        </p:nvSpPr>
+        <p:spPr/>
+        <p:txBody>
+          <a:bodyPr/>
+          <a:lstStyle/>
+          <a:p>
+            <a:fld id="{4D5A2021-7108-4755-B01E-0C62B02DAB26}" type="slidenum">
+              <a:rPr lang="en-IN" smtClean="0"/>
+              <a:t>8</a:t>
             </a:fld>
             <a:endParaRPr lang="en-IN"/>
           </a:p>
@@ -1073,7 +1184,7 @@
           <a:p>
             <a:fld id="{591911C0-A6BB-6442-9218-1A38E098B5A8}" type="datetimeFigureOut">
               <a:rPr lang="en-US" smtClean="0"/>
-              <a:t>4/23/2017</a:t>
+              <a:t>4/23/17</a:t>
             </a:fld>
             <a:endParaRPr lang="en-US"/>
           </a:p>
@@ -1243,7 +1354,7 @@
           <a:p>
             <a:fld id="{591911C0-A6BB-6442-9218-1A38E098B5A8}" type="datetimeFigureOut">
               <a:rPr lang="en-US" smtClean="0"/>
-              <a:t>4/23/2017</a:t>
+              <a:t>4/23/17</a:t>
             </a:fld>
             <a:endParaRPr lang="en-US"/>
           </a:p>
@@ -1423,7 +1534,7 @@
           <a:p>
             <a:fld id="{591911C0-A6BB-6442-9218-1A38E098B5A8}" type="datetimeFigureOut">
               <a:rPr lang="en-US" smtClean="0"/>
-              <a:t>4/23/2017</a:t>
+              <a:t>4/23/17</a:t>
             </a:fld>
             <a:endParaRPr lang="en-US"/>
           </a:p>
@@ -1593,7 +1704,7 @@
           <a:p>
             <a:fld id="{591911C0-A6BB-6442-9218-1A38E098B5A8}" type="datetimeFigureOut">
               <a:rPr lang="en-US" smtClean="0"/>
-              <a:t>4/23/2017</a:t>
+              <a:t>4/23/17</a:t>
             </a:fld>
             <a:endParaRPr lang="en-US"/>
           </a:p>
@@ -1839,7 +1950,7 @@
           <a:p>
             <a:fld id="{591911C0-A6BB-6442-9218-1A38E098B5A8}" type="datetimeFigureOut">
               <a:rPr lang="en-US" smtClean="0"/>
-              <a:t>4/23/2017</a:t>
+              <a:t>4/23/17</a:t>
             </a:fld>
             <a:endParaRPr lang="en-US"/>
           </a:p>
@@ -2071,7 +2182,7 @@
           <a:p>
             <a:fld id="{591911C0-A6BB-6442-9218-1A38E098B5A8}" type="datetimeFigureOut">
               <a:rPr lang="en-US" smtClean="0"/>
-              <a:t>4/23/2017</a:t>
+              <a:t>4/23/17</a:t>
             </a:fld>
             <a:endParaRPr lang="en-US"/>
           </a:p>
@@ -2438,7 +2549,7 @@
           <a:p>
             <a:fld id="{591911C0-A6BB-6442-9218-1A38E098B5A8}" type="datetimeFigureOut">
               <a:rPr lang="en-US" smtClean="0"/>
-              <a:t>4/23/2017</a:t>
+              <a:t>4/23/17</a:t>
             </a:fld>
             <a:endParaRPr lang="en-US"/>
           </a:p>
@@ -2556,7 +2667,7 @@
           <a:p>
             <a:fld id="{591911C0-A6BB-6442-9218-1A38E098B5A8}" type="datetimeFigureOut">
               <a:rPr lang="en-US" smtClean="0"/>
-              <a:t>4/23/2017</a:t>
+              <a:t>4/23/17</a:t>
             </a:fld>
             <a:endParaRPr lang="en-US"/>
           </a:p>
@@ -2651,7 +2762,7 @@
           <a:p>
             <a:fld id="{591911C0-A6BB-6442-9218-1A38E098B5A8}" type="datetimeFigureOut">
               <a:rPr lang="en-US" smtClean="0"/>
-              <a:t>4/23/2017</a:t>
+              <a:t>4/23/17</a:t>
             </a:fld>
             <a:endParaRPr lang="en-US"/>
           </a:p>
@@ -2928,7 +3039,7 @@
           <a:p>
             <a:fld id="{591911C0-A6BB-6442-9218-1A38E098B5A8}" type="datetimeFigureOut">
               <a:rPr lang="en-US" smtClean="0"/>
-              <a:t>4/23/2017</a:t>
+              <a:t>4/23/17</a:t>
             </a:fld>
             <a:endParaRPr lang="en-US"/>
           </a:p>
@@ -3181,7 +3292,7 @@
           <a:p>
             <a:fld id="{591911C0-A6BB-6442-9218-1A38E098B5A8}" type="datetimeFigureOut">
               <a:rPr lang="en-US" smtClean="0"/>
-              <a:t>4/23/2017</a:t>
+              <a:t>4/23/17</a:t>
             </a:fld>
             <a:endParaRPr lang="en-US"/>
           </a:p>
@@ -3394,7 +3505,7 @@
           <a:p>
             <a:fld id="{591911C0-A6BB-6442-9218-1A38E098B5A8}" type="datetimeFigureOut">
               <a:rPr lang="en-US" smtClean="0"/>
-              <a:t>4/23/2017</a:t>
+              <a:t>4/23/17</a:t>
             </a:fld>
             <a:endParaRPr lang="en-US"/>
           </a:p>
@@ -4025,6 +4136,382 @@
 </p:sld>
 </file>
 
+<file path=ppt/slides/slide10.xml><?xml version="1.0" encoding="utf-8"?>
+<p:sld xmlns:a="http://schemas.openxmlformats.org/drawingml/2006/main" xmlns:r="http://schemas.openxmlformats.org/officeDocument/2006/relationships" xmlns:p="http://schemas.openxmlformats.org/presentationml/2006/main">
+  <p:cSld>
+    <p:spTree>
+      <p:nvGrpSpPr>
+        <p:cNvPr id="1" name=""/>
+        <p:cNvGrpSpPr/>
+        <p:nvPr/>
+      </p:nvGrpSpPr>
+      <p:grpSpPr>
+        <a:xfrm>
+          <a:off x="0" y="0"/>
+          <a:ext cx="0" cy="0"/>
+          <a:chOff x="0" y="0"/>
+          <a:chExt cx="0" cy="0"/>
+        </a:xfrm>
+      </p:grpSpPr>
+      <p:sp>
+        <p:nvSpPr>
+          <p:cNvPr id="2" name="Title 1"/>
+          <p:cNvSpPr>
+            <a:spLocks noGrp="1"/>
+          </p:cNvSpPr>
+          <p:nvPr>
+            <p:ph type="title"/>
+          </p:nvPr>
+        </p:nvSpPr>
+        <p:spPr>
+          <a:xfrm>
+            <a:off x="838200" y="232340"/>
+            <a:ext cx="10515600" cy="1325563"/>
+          </a:xfrm>
+        </p:spPr>
+        <p:txBody>
+          <a:bodyPr/>
+          <a:lstStyle/>
+          <a:p>
+            <a:endParaRPr lang="en-US" dirty="0"/>
+          </a:p>
+        </p:txBody>
+      </p:sp>
+      <p:sp>
+        <p:nvSpPr>
+          <p:cNvPr id="5" name="Rectangle 4"/>
+          <p:cNvSpPr/>
+          <p:nvPr/>
+        </p:nvSpPr>
+        <p:spPr>
+          <a:xfrm>
+            <a:off x="0" y="0"/>
+            <a:ext cx="2510947" cy="6858000"/>
+          </a:xfrm>
+          <a:prstGeom prst="rect">
+            <a:avLst/>
+          </a:prstGeom>
+          <a:solidFill>
+            <a:srgbClr val="F1FFFF"/>
+          </a:solidFill>
+          <a:effectLst>
+            <a:outerShdw blurRad="495300" dist="50800" dir="5400000" sx="95000" sy="95000" algn="ctr" rotWithShape="0">
+              <a:srgbClr val="000000">
+                <a:alpha val="43137"/>
+              </a:srgbClr>
+            </a:outerShdw>
+          </a:effectLst>
+        </p:spPr>
+        <p:style>
+          <a:lnRef idx="2">
+            <a:schemeClr val="accent3"/>
+          </a:lnRef>
+          <a:fillRef idx="1">
+            <a:schemeClr val="lt1"/>
+          </a:fillRef>
+          <a:effectRef idx="0">
+            <a:schemeClr val="accent3"/>
+          </a:effectRef>
+          <a:fontRef idx="minor">
+            <a:schemeClr val="dk1"/>
+          </a:fontRef>
+        </p:style>
+        <p:txBody>
+          <a:bodyPr rtlCol="0" anchor="ctr"/>
+          <a:lstStyle/>
+          <a:p>
+            <a:pPr algn="ctr"/>
+            <a:endParaRPr lang="en-US"/>
+          </a:p>
+        </p:txBody>
+      </p:sp>
+      <p:sp>
+        <p:nvSpPr>
+          <p:cNvPr id="6" name="Rectangle 5"/>
+          <p:cNvSpPr/>
+          <p:nvPr/>
+        </p:nvSpPr>
+        <p:spPr>
+          <a:xfrm>
+            <a:off x="0" y="0"/>
+            <a:ext cx="12192000" cy="1557903"/>
+          </a:xfrm>
+          <a:prstGeom prst="rect">
+            <a:avLst/>
+          </a:prstGeom>
+          <a:solidFill>
+            <a:srgbClr val="2197A9"/>
+          </a:solidFill>
+          <a:effectLst>
+            <a:outerShdw blurRad="254000" dist="50800" dir="5400000" algn="ctr" rotWithShape="0">
+              <a:srgbClr val="000000">
+                <a:alpha val="43137"/>
+              </a:srgbClr>
+            </a:outerShdw>
+          </a:effectLst>
+        </p:spPr>
+        <p:style>
+          <a:lnRef idx="2">
+            <a:schemeClr val="accent1">
+              <a:shade val="50000"/>
+            </a:schemeClr>
+          </a:lnRef>
+          <a:fillRef idx="1">
+            <a:schemeClr val="accent1"/>
+          </a:fillRef>
+          <a:effectRef idx="0">
+            <a:schemeClr val="accent1"/>
+          </a:effectRef>
+          <a:fontRef idx="minor">
+            <a:schemeClr val="lt1"/>
+          </a:fontRef>
+        </p:style>
+        <p:txBody>
+          <a:bodyPr rtlCol="0" anchor="ctr"/>
+          <a:lstStyle/>
+          <a:p>
+            <a:pPr algn="ctr"/>
+            <a:endParaRPr lang="en-US"/>
+          </a:p>
+        </p:txBody>
+      </p:sp>
+      <p:pic>
+        <p:nvPicPr>
+          <p:cNvPr id="7" name="Content Placeholder 6"/>
+          <p:cNvPicPr>
+            <a:picLocks noGrp="1" noChangeAspect="1"/>
+          </p:cNvPicPr>
+          <p:nvPr>
+            <p:ph idx="1"/>
+          </p:nvPr>
+        </p:nvPicPr>
+        <p:blipFill>
+          <a:blip r:embed="rId2">
+            <a:extLst>
+              <a:ext uri="{28A0092B-C50C-407E-A947-70E740481C1C}">
+                <a14:useLocalDpi xmlns:a14="http://schemas.microsoft.com/office/drawing/2010/main" val="0"/>
+              </a:ext>
+            </a:extLst>
+          </a:blip>
+          <a:stretch>
+            <a:fillRect/>
+          </a:stretch>
+        </p:blipFill>
+        <p:spPr>
+          <a:xfrm>
+            <a:off x="134394" y="304513"/>
+            <a:ext cx="2242158" cy="948875"/>
+          </a:xfrm>
+        </p:spPr>
+      </p:pic>
+      <p:sp>
+        <p:nvSpPr>
+          <p:cNvPr id="9" name="TextBox 8"/>
+          <p:cNvSpPr txBox="1"/>
+          <p:nvPr/>
+        </p:nvSpPr>
+        <p:spPr>
+          <a:xfrm>
+            <a:off x="0" y="1797269"/>
+            <a:ext cx="2510946" cy="369332"/>
+          </a:xfrm>
+          <a:prstGeom prst="rect">
+            <a:avLst/>
+          </a:prstGeom>
+          <a:noFill/>
+        </p:spPr>
+        <p:txBody>
+          <a:bodyPr wrap="square" rtlCol="0">
+            <a:spAutoFit/>
+          </a:bodyPr>
+          <a:lstStyle/>
+          <a:p>
+            <a:pPr algn="ctr"/>
+            <a:r>
+              <a:rPr lang="en-US" dirty="0" smtClean="0"/>
+              <a:t>Introduction</a:t>
+            </a:r>
+            <a:endParaRPr lang="en-US" dirty="0"/>
+          </a:p>
+        </p:txBody>
+      </p:sp>
+      <p:sp>
+        <p:nvSpPr>
+          <p:cNvPr id="10" name="TextBox 9"/>
+          <p:cNvSpPr txBox="1"/>
+          <p:nvPr/>
+        </p:nvSpPr>
+        <p:spPr>
+          <a:xfrm>
+            <a:off x="134394" y="2221301"/>
+            <a:ext cx="2242158" cy="369332"/>
+          </a:xfrm>
+          <a:prstGeom prst="rect">
+            <a:avLst/>
+          </a:prstGeom>
+          <a:noFill/>
+        </p:spPr>
+        <p:txBody>
+          <a:bodyPr wrap="square" rtlCol="0">
+            <a:spAutoFit/>
+          </a:bodyPr>
+          <a:lstStyle/>
+          <a:p>
+            <a:pPr algn="ctr"/>
+            <a:r>
+              <a:rPr lang="en-US" dirty="0" smtClean="0"/>
+              <a:t>Motivation</a:t>
+            </a:r>
+            <a:endParaRPr lang="en-US" dirty="0"/>
+          </a:p>
+        </p:txBody>
+      </p:sp>
+      <p:sp>
+        <p:nvSpPr>
+          <p:cNvPr id="11" name="TextBox 10"/>
+          <p:cNvSpPr txBox="1"/>
+          <p:nvPr/>
+        </p:nvSpPr>
+        <p:spPr>
+          <a:xfrm>
+            <a:off x="134394" y="2640813"/>
+            <a:ext cx="2242158" cy="369332"/>
+          </a:xfrm>
+          <a:prstGeom prst="rect">
+            <a:avLst/>
+          </a:prstGeom>
+          <a:noFill/>
+        </p:spPr>
+        <p:txBody>
+          <a:bodyPr wrap="square" rtlCol="0">
+            <a:spAutoFit/>
+          </a:bodyPr>
+          <a:lstStyle/>
+          <a:p>
+            <a:pPr algn="ctr"/>
+            <a:r>
+              <a:rPr lang="en-US" dirty="0" smtClean="0"/>
+              <a:t>Design Overview</a:t>
+            </a:r>
+            <a:endParaRPr lang="en-US" dirty="0"/>
+          </a:p>
+        </p:txBody>
+      </p:sp>
+      <p:sp>
+        <p:nvSpPr>
+          <p:cNvPr id="12" name="TextBox 11"/>
+          <p:cNvSpPr txBox="1"/>
+          <p:nvPr/>
+        </p:nvSpPr>
+        <p:spPr>
+          <a:xfrm>
+            <a:off x="134394" y="3055148"/>
+            <a:ext cx="2242158" cy="369332"/>
+          </a:xfrm>
+          <a:prstGeom prst="rect">
+            <a:avLst/>
+          </a:prstGeom>
+          <a:noFill/>
+        </p:spPr>
+        <p:txBody>
+          <a:bodyPr wrap="square" rtlCol="0">
+            <a:spAutoFit/>
+          </a:bodyPr>
+          <a:lstStyle/>
+          <a:p>
+            <a:pPr algn="ctr"/>
+            <a:r>
+              <a:rPr lang="en-US" dirty="0" smtClean="0"/>
+              <a:t>Sprint 1</a:t>
+            </a:r>
+            <a:endParaRPr lang="en-US" dirty="0"/>
+          </a:p>
+        </p:txBody>
+      </p:sp>
+      <p:sp>
+        <p:nvSpPr>
+          <p:cNvPr id="13" name="TextBox 12"/>
+          <p:cNvSpPr txBox="1"/>
+          <p:nvPr/>
+        </p:nvSpPr>
+        <p:spPr>
+          <a:xfrm>
+            <a:off x="134394" y="3469483"/>
+            <a:ext cx="2242158" cy="369332"/>
+          </a:xfrm>
+          <a:prstGeom prst="rect">
+            <a:avLst/>
+          </a:prstGeom>
+          <a:noFill/>
+        </p:spPr>
+        <p:txBody>
+          <a:bodyPr wrap="square" rtlCol="0">
+            <a:spAutoFit/>
+          </a:bodyPr>
+          <a:lstStyle/>
+          <a:p>
+            <a:pPr algn="ctr"/>
+            <a:r>
+              <a:rPr lang="en-US" dirty="0" smtClean="0"/>
+              <a:t>Sprint 2</a:t>
+            </a:r>
+            <a:endParaRPr lang="en-US" dirty="0"/>
+          </a:p>
+        </p:txBody>
+      </p:sp>
+      <p:sp>
+        <p:nvSpPr>
+          <p:cNvPr id="14" name="TextBox 13"/>
+          <p:cNvSpPr txBox="1"/>
+          <p:nvPr/>
+        </p:nvSpPr>
+        <p:spPr>
+          <a:xfrm>
+            <a:off x="0" y="3906858"/>
+            <a:ext cx="2510946" cy="369332"/>
+          </a:xfrm>
+          <a:prstGeom prst="rect">
+            <a:avLst/>
+          </a:prstGeom>
+          <a:solidFill>
+            <a:srgbClr val="AAAAAA"/>
+          </a:solidFill>
+        </p:spPr>
+        <p:txBody>
+          <a:bodyPr wrap="square" rtlCol="0">
+            <a:spAutoFit/>
+          </a:bodyPr>
+          <a:lstStyle/>
+          <a:p>
+            <a:pPr algn="ctr"/>
+            <a:r>
+              <a:rPr lang="en-US" dirty="0" smtClean="0"/>
+              <a:t>Sprint 3</a:t>
+            </a:r>
+            <a:endParaRPr lang="en-US" dirty="0"/>
+          </a:p>
+        </p:txBody>
+      </p:sp>
+    </p:spTree>
+    <p:extLst>
+      <p:ext uri="{BB962C8B-B14F-4D97-AF65-F5344CB8AC3E}">
+        <p14:creationId xmlns:p14="http://schemas.microsoft.com/office/powerpoint/2010/main" val="801023436"/>
+      </p:ext>
+    </p:extLst>
+  </p:cSld>
+  <p:clrMapOvr>
+    <a:masterClrMapping/>
+  </p:clrMapOvr>
+  <p:timing>
+    <p:tnLst>
+      <p:par>
+        <p:cTn id="1" dur="indefinite" restart="never" nodeType="tmRoot"/>
+      </p:par>
+    </p:tnLst>
+  </p:timing>
+</p:sld>
+</file>
+
 <file path=ppt/slides/slide2.xml><?xml version="1.0" encoding="utf-8"?>
 <p:sld xmlns:a="http://schemas.openxmlformats.org/drawingml/2006/main" xmlns:r="http://schemas.openxmlformats.org/officeDocument/2006/relationships" xmlns:p="http://schemas.openxmlformats.org/presentationml/2006/main">
   <p:cSld>
@@ -4536,7 +5023,15 @@
           <a:lstStyle/>
           <a:p>
             <a:pPr algn="ctr"/>
-            <a:endParaRPr lang="en-US"/>
+            <a:r>
+              <a:rPr lang="en-US" sz="4000" dirty="0" smtClean="0"/>
+              <a:t>In a nutshell</a:t>
+            </a:r>
+            <a:r>
+              <a:rPr lang="is-IS" sz="4000" dirty="0" smtClean="0"/>
+              <a:t>…</a:t>
+            </a:r>
+            <a:endParaRPr lang="en-US" sz="4000" dirty="0"/>
           </a:p>
         </p:txBody>
       </p:sp>
@@ -4766,7 +5261,7 @@
         <p:spPr>
           <a:xfrm>
             <a:off x="3492356" y="1981935"/>
-            <a:ext cx="7718234" cy="3785652"/>
+            <a:ext cx="7718234" cy="1323439"/>
           </a:xfrm>
           <a:prstGeom prst="rect">
             <a:avLst/>
@@ -4785,9 +5280,127 @@
             </a:r>
             <a:r>
               <a:rPr lang="en-IN" sz="4000" dirty="0" smtClean="0"/>
-              <a:t> is a virtual scheduling system, which not only simulates the career fairs, but also  optimizes the schedule of each student so that the student can network with more companies in less time.</a:t>
-            </a:r>
-            <a:endParaRPr lang="en-IN" sz="4000" dirty="0"/>
+              <a:t> is an easy-to-use  web application that</a:t>
+            </a:r>
+            <a:r>
+              <a:rPr lang="is-IS" sz="4000" dirty="0" smtClean="0"/>
+              <a:t>…</a:t>
+            </a:r>
+          </a:p>
+        </p:txBody>
+      </p:sp>
+      <p:sp>
+        <p:nvSpPr>
+          <p:cNvPr id="8" name="TextBox 7"/>
+          <p:cNvSpPr txBox="1"/>
+          <p:nvPr/>
+        </p:nvSpPr>
+        <p:spPr>
+          <a:xfrm>
+            <a:off x="3492356" y="3469483"/>
+            <a:ext cx="7861444" cy="954107"/>
+          </a:xfrm>
+          <a:prstGeom prst="rect">
+            <a:avLst/>
+          </a:prstGeom>
+          <a:noFill/>
+        </p:spPr>
+        <p:txBody>
+          <a:bodyPr wrap="square" rtlCol="0">
+            <a:spAutoFit/>
+          </a:bodyPr>
+          <a:lstStyle/>
+          <a:p>
+            <a:pPr marL="571500" indent="-571500">
+              <a:buFont typeface="Arial" charset="0"/>
+              <a:buChar char="•"/>
+            </a:pPr>
+            <a:r>
+              <a:rPr lang="en-IN" sz="2800" dirty="0"/>
+              <a:t>Schedules students with recruiters according to their </a:t>
+            </a:r>
+            <a:r>
+              <a:rPr lang="en-IN" sz="2800" dirty="0" smtClean="0"/>
+              <a:t>preferences</a:t>
+            </a:r>
+            <a:endParaRPr lang="en-IN" sz="2800" dirty="0"/>
+          </a:p>
+        </p:txBody>
+      </p:sp>
+      <p:sp>
+        <p:nvSpPr>
+          <p:cNvPr id="15" name="TextBox 14"/>
+          <p:cNvSpPr txBox="1"/>
+          <p:nvPr/>
+        </p:nvSpPr>
+        <p:spPr>
+          <a:xfrm>
+            <a:off x="3492356" y="4427580"/>
+            <a:ext cx="7141777" cy="523220"/>
+          </a:xfrm>
+          <a:prstGeom prst="rect">
+            <a:avLst/>
+          </a:prstGeom>
+          <a:noFill/>
+        </p:spPr>
+        <p:txBody>
+          <a:bodyPr wrap="square" rtlCol="0">
+            <a:spAutoFit/>
+          </a:bodyPr>
+          <a:lstStyle/>
+          <a:p>
+            <a:pPr marL="571500" indent="-571500">
+              <a:buFont typeface="Arial" charset="0"/>
+              <a:buChar char="•"/>
+            </a:pPr>
+            <a:r>
+              <a:rPr lang="en-IN" sz="2800" dirty="0"/>
+              <a:t>Optimize Optimize Optimize</a:t>
+            </a:r>
+            <a:r>
+              <a:rPr lang="en-IN" sz="2800" dirty="0" smtClean="0"/>
+              <a:t>!</a:t>
+            </a:r>
+          </a:p>
+        </p:txBody>
+      </p:sp>
+      <p:sp>
+        <p:nvSpPr>
+          <p:cNvPr id="17" name="TextBox 16"/>
+          <p:cNvSpPr txBox="1"/>
+          <p:nvPr/>
+        </p:nvSpPr>
+        <p:spPr>
+          <a:xfrm>
+            <a:off x="3492356" y="5104064"/>
+            <a:ext cx="7277244" cy="1231106"/>
+          </a:xfrm>
+          <a:prstGeom prst="rect">
+            <a:avLst/>
+          </a:prstGeom>
+          <a:noFill/>
+        </p:spPr>
+        <p:txBody>
+          <a:bodyPr wrap="square" rtlCol="0">
+            <a:spAutoFit/>
+          </a:bodyPr>
+          <a:lstStyle/>
+          <a:p>
+            <a:pPr marL="571500" indent="-571500">
+              <a:buFont typeface="Arial" charset="0"/>
+              <a:buChar char="•"/>
+            </a:pPr>
+            <a:r>
+              <a:rPr lang="en-IN" sz="2800" dirty="0" smtClean="0"/>
+              <a:t>Helps </a:t>
+            </a:r>
+            <a:r>
+              <a:rPr lang="en-IN" sz="2800" dirty="0"/>
+              <a:t>recruiters remain organized by maintaining queues of students virtually</a:t>
+            </a:r>
+          </a:p>
+          <a:p>
+            <a:endParaRPr lang="en-US" dirty="0"/>
           </a:p>
         </p:txBody>
       </p:sp>
@@ -4804,9 +5417,700 @@
   <p:timing>
     <p:tnLst>
       <p:par>
-        <p:cTn id="1" dur="indefinite" restart="never" nodeType="tmRoot"/>
+        <p:cTn id="1" dur="indefinite" restart="never" nodeType="tmRoot">
+          <p:childTnLst>
+            <p:seq concurrent="1" nextAc="seek">
+              <p:cTn id="2" dur="indefinite" nodeType="mainSeq">
+                <p:childTnLst>
+                  <p:par>
+                    <p:cTn id="3" fill="hold">
+                      <p:stCondLst>
+                        <p:cond delay="indefinite"/>
+                      </p:stCondLst>
+                      <p:childTnLst>
+                        <p:par>
+                          <p:cTn id="4" fill="hold">
+                            <p:stCondLst>
+                              <p:cond delay="0"/>
+                            </p:stCondLst>
+                            <p:childTnLst>
+                              <p:par>
+                                <p:cTn id="5" presetID="10" presetClass="entr" presetSubtype="0" fill="hold" nodeType="clickEffect">
+                                  <p:stCondLst>
+                                    <p:cond delay="0"/>
+                                  </p:stCondLst>
+                                  <p:childTnLst>
+                                    <p:set>
+                                      <p:cBhvr>
+                                        <p:cTn id="6" dur="1" fill="hold">
+                                          <p:stCondLst>
+                                            <p:cond delay="0"/>
+                                          </p:stCondLst>
+                                        </p:cTn>
+                                        <p:tgtEl>
+                                          <p:spTgt spid="6">
+                                            <p:txEl>
+                                              <p:pRg st="0" end="0"/>
+                                            </p:txEl>
+                                          </p:spTgt>
+                                        </p:tgtEl>
+                                        <p:attrNameLst>
+                                          <p:attrName>style.visibility</p:attrName>
+                                        </p:attrNameLst>
+                                      </p:cBhvr>
+                                      <p:to>
+                                        <p:strVal val="visible"/>
+                                      </p:to>
+                                    </p:set>
+                                    <p:animEffect transition="in" filter="fade">
+                                      <p:cBhvr>
+                                        <p:cTn id="7" dur="500"/>
+                                        <p:tgtEl>
+                                          <p:spTgt spid="6">
+                                            <p:txEl>
+                                              <p:pRg st="0" end="0"/>
+                                            </p:txEl>
+                                          </p:spTgt>
+                                        </p:tgtEl>
+                                      </p:cBhvr>
+                                    </p:animEffect>
+                                  </p:childTnLst>
+                                </p:cTn>
+                              </p:par>
+                            </p:childTnLst>
+                          </p:cTn>
+                        </p:par>
+                      </p:childTnLst>
+                    </p:cTn>
+                  </p:par>
+                  <p:par>
+                    <p:cTn id="8" fill="hold">
+                      <p:stCondLst>
+                        <p:cond delay="indefinite"/>
+                      </p:stCondLst>
+                      <p:childTnLst>
+                        <p:par>
+                          <p:cTn id="9" fill="hold">
+                            <p:stCondLst>
+                              <p:cond delay="0"/>
+                            </p:stCondLst>
+                            <p:childTnLst>
+                              <p:par>
+                                <p:cTn id="10" presetID="10" presetClass="entr" presetSubtype="0" fill="hold" grpId="0" nodeType="clickEffect">
+                                  <p:stCondLst>
+                                    <p:cond delay="0"/>
+                                  </p:stCondLst>
+                                  <p:childTnLst>
+                                    <p:set>
+                                      <p:cBhvr>
+                                        <p:cTn id="11" dur="1" fill="hold">
+                                          <p:stCondLst>
+                                            <p:cond delay="0"/>
+                                          </p:stCondLst>
+                                        </p:cTn>
+                                        <p:tgtEl>
+                                          <p:spTgt spid="3"/>
+                                        </p:tgtEl>
+                                        <p:attrNameLst>
+                                          <p:attrName>style.visibility</p:attrName>
+                                        </p:attrNameLst>
+                                      </p:cBhvr>
+                                      <p:to>
+                                        <p:strVal val="visible"/>
+                                      </p:to>
+                                    </p:set>
+                                    <p:animEffect transition="in" filter="fade">
+                                      <p:cBhvr>
+                                        <p:cTn id="12" dur="500"/>
+                                        <p:tgtEl>
+                                          <p:spTgt spid="3"/>
+                                        </p:tgtEl>
+                                      </p:cBhvr>
+                                    </p:animEffect>
+                                  </p:childTnLst>
+                                </p:cTn>
+                              </p:par>
+                            </p:childTnLst>
+                          </p:cTn>
+                        </p:par>
+                      </p:childTnLst>
+                    </p:cTn>
+                  </p:par>
+                  <p:par>
+                    <p:cTn id="13" fill="hold">
+                      <p:stCondLst>
+                        <p:cond delay="indefinite"/>
+                      </p:stCondLst>
+                      <p:childTnLst>
+                        <p:par>
+                          <p:cTn id="14" fill="hold">
+                            <p:stCondLst>
+                              <p:cond delay="0"/>
+                            </p:stCondLst>
+                            <p:childTnLst>
+                              <p:par>
+                                <p:cTn id="15" presetID="37" presetClass="entr" presetSubtype="0" fill="hold" grpId="0" nodeType="clickEffect">
+                                  <p:stCondLst>
+                                    <p:cond delay="0"/>
+                                  </p:stCondLst>
+                                  <p:childTnLst>
+                                    <p:set>
+                                      <p:cBhvr>
+                                        <p:cTn id="16" dur="1" fill="hold">
+                                          <p:stCondLst>
+                                            <p:cond delay="0"/>
+                                          </p:stCondLst>
+                                        </p:cTn>
+                                        <p:tgtEl>
+                                          <p:spTgt spid="8"/>
+                                        </p:tgtEl>
+                                        <p:attrNameLst>
+                                          <p:attrName>style.visibility</p:attrName>
+                                        </p:attrNameLst>
+                                      </p:cBhvr>
+                                      <p:to>
+                                        <p:strVal val="visible"/>
+                                      </p:to>
+                                    </p:set>
+                                    <p:animEffect transition="in" filter="fade">
+                                      <p:cBhvr>
+                                        <p:cTn id="17" dur="1000"/>
+                                        <p:tgtEl>
+                                          <p:spTgt spid="8"/>
+                                        </p:tgtEl>
+                                      </p:cBhvr>
+                                    </p:animEffect>
+                                    <p:anim calcmode="lin" valueType="num">
+                                      <p:cBhvr>
+                                        <p:cTn id="18" dur="1000" fill="hold"/>
+                                        <p:tgtEl>
+                                          <p:spTgt spid="8"/>
+                                        </p:tgtEl>
+                                        <p:attrNameLst>
+                                          <p:attrName>ppt_x</p:attrName>
+                                        </p:attrNameLst>
+                                      </p:cBhvr>
+                                      <p:tavLst>
+                                        <p:tav tm="0">
+                                          <p:val>
+                                            <p:strVal val="#ppt_x"/>
+                                          </p:val>
+                                        </p:tav>
+                                        <p:tav tm="100000">
+                                          <p:val>
+                                            <p:strVal val="#ppt_x"/>
+                                          </p:val>
+                                        </p:tav>
+                                      </p:tavLst>
+                                    </p:anim>
+                                    <p:anim calcmode="lin" valueType="num">
+                                      <p:cBhvr>
+                                        <p:cTn id="19" dur="900" decel="100000" fill="hold"/>
+                                        <p:tgtEl>
+                                          <p:spTgt spid="8"/>
+                                        </p:tgtEl>
+                                        <p:attrNameLst>
+                                          <p:attrName>ppt_y</p:attrName>
+                                        </p:attrNameLst>
+                                      </p:cBhvr>
+                                      <p:tavLst>
+                                        <p:tav tm="0">
+                                          <p:val>
+                                            <p:strVal val="#ppt_y+1"/>
+                                          </p:val>
+                                        </p:tav>
+                                        <p:tav tm="100000">
+                                          <p:val>
+                                            <p:strVal val="#ppt_y-.03"/>
+                                          </p:val>
+                                        </p:tav>
+                                      </p:tavLst>
+                                    </p:anim>
+                                    <p:anim calcmode="lin" valueType="num">
+                                      <p:cBhvr>
+                                        <p:cTn id="20" dur="100" accel="100000" fill="hold">
+                                          <p:stCondLst>
+                                            <p:cond delay="900"/>
+                                          </p:stCondLst>
+                                        </p:cTn>
+                                        <p:tgtEl>
+                                          <p:spTgt spid="8"/>
+                                        </p:tgtEl>
+                                        <p:attrNameLst>
+                                          <p:attrName>ppt_y</p:attrName>
+                                        </p:attrNameLst>
+                                      </p:cBhvr>
+                                      <p:tavLst>
+                                        <p:tav tm="0">
+                                          <p:val>
+                                            <p:strVal val="#ppt_y-.03"/>
+                                          </p:val>
+                                        </p:tav>
+                                        <p:tav tm="100000">
+                                          <p:val>
+                                            <p:strVal val="#ppt_y"/>
+                                          </p:val>
+                                        </p:tav>
+                                      </p:tavLst>
+                                    </p:anim>
+                                  </p:childTnLst>
+                                </p:cTn>
+                              </p:par>
+                            </p:childTnLst>
+                          </p:cTn>
+                        </p:par>
+                      </p:childTnLst>
+                    </p:cTn>
+                  </p:par>
+                  <p:par>
+                    <p:cTn id="21" fill="hold">
+                      <p:stCondLst>
+                        <p:cond delay="indefinite"/>
+                      </p:stCondLst>
+                      <p:childTnLst>
+                        <p:par>
+                          <p:cTn id="22" fill="hold">
+                            <p:stCondLst>
+                              <p:cond delay="0"/>
+                            </p:stCondLst>
+                            <p:childTnLst>
+                              <p:par>
+                                <p:cTn id="23" presetID="26" presetClass="entr" presetSubtype="0" fill="hold" grpId="0" nodeType="clickEffect">
+                                  <p:stCondLst>
+                                    <p:cond delay="0"/>
+                                  </p:stCondLst>
+                                  <p:childTnLst>
+                                    <p:set>
+                                      <p:cBhvr>
+                                        <p:cTn id="24" dur="1" fill="hold">
+                                          <p:stCondLst>
+                                            <p:cond delay="0"/>
+                                          </p:stCondLst>
+                                        </p:cTn>
+                                        <p:tgtEl>
+                                          <p:spTgt spid="15"/>
+                                        </p:tgtEl>
+                                        <p:attrNameLst>
+                                          <p:attrName>style.visibility</p:attrName>
+                                        </p:attrNameLst>
+                                      </p:cBhvr>
+                                      <p:to>
+                                        <p:strVal val="visible"/>
+                                      </p:to>
+                                    </p:set>
+                                    <p:animEffect transition="in" filter="wipe(down)">
+                                      <p:cBhvr>
+                                        <p:cTn id="25" dur="580">
+                                          <p:stCondLst>
+                                            <p:cond delay="0"/>
+                                          </p:stCondLst>
+                                        </p:cTn>
+                                        <p:tgtEl>
+                                          <p:spTgt spid="15"/>
+                                        </p:tgtEl>
+                                      </p:cBhvr>
+                                    </p:animEffect>
+                                    <p:anim calcmode="lin" valueType="num">
+                                      <p:cBhvr>
+                                        <p:cTn id="26" dur="1822" tmFilter="0,0; 0.14,0.36; 0.43,0.73; 0.71,0.91; 1.0,1.0">
+                                          <p:stCondLst>
+                                            <p:cond delay="0"/>
+                                          </p:stCondLst>
+                                        </p:cTn>
+                                        <p:tgtEl>
+                                          <p:spTgt spid="15"/>
+                                        </p:tgtEl>
+                                        <p:attrNameLst>
+                                          <p:attrName>ppt_x</p:attrName>
+                                        </p:attrNameLst>
+                                      </p:cBhvr>
+                                      <p:tavLst>
+                                        <p:tav tm="0">
+                                          <p:val>
+                                            <p:strVal val="#ppt_x-0.25"/>
+                                          </p:val>
+                                        </p:tav>
+                                        <p:tav tm="100000">
+                                          <p:val>
+                                            <p:strVal val="#ppt_x"/>
+                                          </p:val>
+                                        </p:tav>
+                                      </p:tavLst>
+                                    </p:anim>
+                                    <p:anim calcmode="lin" valueType="num">
+                                      <p:cBhvr>
+                                        <p:cTn id="27" dur="664" tmFilter="0.0,0.0; 0.25,0.07; 0.50,0.2; 0.75,0.467; 1.0,1.0">
+                                          <p:stCondLst>
+                                            <p:cond delay="0"/>
+                                          </p:stCondLst>
+                                        </p:cTn>
+                                        <p:tgtEl>
+                                          <p:spTgt spid="15"/>
+                                        </p:tgtEl>
+                                        <p:attrNameLst>
+                                          <p:attrName>ppt_y</p:attrName>
+                                        </p:attrNameLst>
+                                      </p:cBhvr>
+                                      <p:tavLst>
+                                        <p:tav tm="0" fmla="#ppt_y-sin(pi*$)/3">
+                                          <p:val>
+                                            <p:fltVal val="0.5"/>
+                                          </p:val>
+                                        </p:tav>
+                                        <p:tav tm="100000">
+                                          <p:val>
+                                            <p:fltVal val="1"/>
+                                          </p:val>
+                                        </p:tav>
+                                      </p:tavLst>
+                                    </p:anim>
+                                    <p:anim calcmode="lin" valueType="num">
+                                      <p:cBhvr>
+                                        <p:cTn id="28" dur="664" tmFilter="0, 0; 0.125,0.2665; 0.25,0.4; 0.375,0.465; 0.5,0.5;  0.625,0.535; 0.75,0.6; 0.875,0.7335; 1,1">
+                                          <p:stCondLst>
+                                            <p:cond delay="664"/>
+                                          </p:stCondLst>
+                                        </p:cTn>
+                                        <p:tgtEl>
+                                          <p:spTgt spid="15"/>
+                                        </p:tgtEl>
+                                        <p:attrNameLst>
+                                          <p:attrName>ppt_y</p:attrName>
+                                        </p:attrNameLst>
+                                      </p:cBhvr>
+                                      <p:tavLst>
+                                        <p:tav tm="0" fmla="#ppt_y-sin(pi*$)/9">
+                                          <p:val>
+                                            <p:fltVal val="0"/>
+                                          </p:val>
+                                        </p:tav>
+                                        <p:tav tm="100000">
+                                          <p:val>
+                                            <p:fltVal val="1"/>
+                                          </p:val>
+                                        </p:tav>
+                                      </p:tavLst>
+                                    </p:anim>
+                                    <p:anim calcmode="lin" valueType="num">
+                                      <p:cBhvr>
+                                        <p:cTn id="29" dur="332" tmFilter="0, 0; 0.125,0.2665; 0.25,0.4; 0.375,0.465; 0.5,0.5;  0.625,0.535; 0.75,0.6; 0.875,0.7335; 1,1">
+                                          <p:stCondLst>
+                                            <p:cond delay="1324"/>
+                                          </p:stCondLst>
+                                        </p:cTn>
+                                        <p:tgtEl>
+                                          <p:spTgt spid="15"/>
+                                        </p:tgtEl>
+                                        <p:attrNameLst>
+                                          <p:attrName>ppt_y</p:attrName>
+                                        </p:attrNameLst>
+                                      </p:cBhvr>
+                                      <p:tavLst>
+                                        <p:tav tm="0" fmla="#ppt_y-sin(pi*$)/27">
+                                          <p:val>
+                                            <p:fltVal val="0"/>
+                                          </p:val>
+                                        </p:tav>
+                                        <p:tav tm="100000">
+                                          <p:val>
+                                            <p:fltVal val="1"/>
+                                          </p:val>
+                                        </p:tav>
+                                      </p:tavLst>
+                                    </p:anim>
+                                    <p:anim calcmode="lin" valueType="num">
+                                      <p:cBhvr>
+                                        <p:cTn id="30" dur="164" tmFilter="0, 0; 0.125,0.2665; 0.25,0.4; 0.375,0.465; 0.5,0.5;  0.625,0.535; 0.75,0.6; 0.875,0.7335; 1,1">
+                                          <p:stCondLst>
+                                            <p:cond delay="1656"/>
+                                          </p:stCondLst>
+                                        </p:cTn>
+                                        <p:tgtEl>
+                                          <p:spTgt spid="15"/>
+                                        </p:tgtEl>
+                                        <p:attrNameLst>
+                                          <p:attrName>ppt_y</p:attrName>
+                                        </p:attrNameLst>
+                                      </p:cBhvr>
+                                      <p:tavLst>
+                                        <p:tav tm="0" fmla="#ppt_y-sin(pi*$)/81">
+                                          <p:val>
+                                            <p:fltVal val="0"/>
+                                          </p:val>
+                                        </p:tav>
+                                        <p:tav tm="100000">
+                                          <p:val>
+                                            <p:fltVal val="1"/>
+                                          </p:val>
+                                        </p:tav>
+                                      </p:tavLst>
+                                    </p:anim>
+                                    <p:animScale>
+                                      <p:cBhvr>
+                                        <p:cTn id="31" dur="26">
+                                          <p:stCondLst>
+                                            <p:cond delay="650"/>
+                                          </p:stCondLst>
+                                        </p:cTn>
+                                        <p:tgtEl>
+                                          <p:spTgt spid="15"/>
+                                        </p:tgtEl>
+                                      </p:cBhvr>
+                                      <p:to x="100000" y="60000"/>
+                                    </p:animScale>
+                                    <p:animScale>
+                                      <p:cBhvr>
+                                        <p:cTn id="32" dur="166" decel="50000">
+                                          <p:stCondLst>
+                                            <p:cond delay="676"/>
+                                          </p:stCondLst>
+                                        </p:cTn>
+                                        <p:tgtEl>
+                                          <p:spTgt spid="15"/>
+                                        </p:tgtEl>
+                                      </p:cBhvr>
+                                      <p:to x="100000" y="100000"/>
+                                    </p:animScale>
+                                    <p:animScale>
+                                      <p:cBhvr>
+                                        <p:cTn id="33" dur="26">
+                                          <p:stCondLst>
+                                            <p:cond delay="1312"/>
+                                          </p:stCondLst>
+                                        </p:cTn>
+                                        <p:tgtEl>
+                                          <p:spTgt spid="15"/>
+                                        </p:tgtEl>
+                                      </p:cBhvr>
+                                      <p:to x="100000" y="80000"/>
+                                    </p:animScale>
+                                    <p:animScale>
+                                      <p:cBhvr>
+                                        <p:cTn id="34" dur="166" decel="50000">
+                                          <p:stCondLst>
+                                            <p:cond delay="1338"/>
+                                          </p:stCondLst>
+                                        </p:cTn>
+                                        <p:tgtEl>
+                                          <p:spTgt spid="15"/>
+                                        </p:tgtEl>
+                                      </p:cBhvr>
+                                      <p:to x="100000" y="100000"/>
+                                    </p:animScale>
+                                    <p:animScale>
+                                      <p:cBhvr>
+                                        <p:cTn id="35" dur="26">
+                                          <p:stCondLst>
+                                            <p:cond delay="1642"/>
+                                          </p:stCondLst>
+                                        </p:cTn>
+                                        <p:tgtEl>
+                                          <p:spTgt spid="15"/>
+                                        </p:tgtEl>
+                                      </p:cBhvr>
+                                      <p:to x="100000" y="90000"/>
+                                    </p:animScale>
+                                    <p:animScale>
+                                      <p:cBhvr>
+                                        <p:cTn id="36" dur="166" decel="50000">
+                                          <p:stCondLst>
+                                            <p:cond delay="1668"/>
+                                          </p:stCondLst>
+                                        </p:cTn>
+                                        <p:tgtEl>
+                                          <p:spTgt spid="15"/>
+                                        </p:tgtEl>
+                                      </p:cBhvr>
+                                      <p:to x="100000" y="100000"/>
+                                    </p:animScale>
+                                    <p:animScale>
+                                      <p:cBhvr>
+                                        <p:cTn id="37" dur="26">
+                                          <p:stCondLst>
+                                            <p:cond delay="1808"/>
+                                          </p:stCondLst>
+                                        </p:cTn>
+                                        <p:tgtEl>
+                                          <p:spTgt spid="15"/>
+                                        </p:tgtEl>
+                                      </p:cBhvr>
+                                      <p:to x="100000" y="95000"/>
+                                    </p:animScale>
+                                    <p:animScale>
+                                      <p:cBhvr>
+                                        <p:cTn id="38" dur="166" decel="50000">
+                                          <p:stCondLst>
+                                            <p:cond delay="1834"/>
+                                          </p:stCondLst>
+                                        </p:cTn>
+                                        <p:tgtEl>
+                                          <p:spTgt spid="15"/>
+                                        </p:tgtEl>
+                                      </p:cBhvr>
+                                      <p:to x="100000" y="100000"/>
+                                    </p:animScale>
+                                  </p:childTnLst>
+                                </p:cTn>
+                              </p:par>
+                            </p:childTnLst>
+                          </p:cTn>
+                        </p:par>
+                      </p:childTnLst>
+                    </p:cTn>
+                  </p:par>
+                  <p:par>
+                    <p:cTn id="39" fill="hold">
+                      <p:stCondLst>
+                        <p:cond delay="indefinite"/>
+                      </p:stCondLst>
+                      <p:childTnLst>
+                        <p:par>
+                          <p:cTn id="40" fill="hold">
+                            <p:stCondLst>
+                              <p:cond delay="0"/>
+                            </p:stCondLst>
+                            <p:childTnLst>
+                              <p:par>
+                                <p:cTn id="41" presetID="37" presetClass="entr" presetSubtype="0" fill="hold" grpId="0" nodeType="clickEffect">
+                                  <p:stCondLst>
+                                    <p:cond delay="0"/>
+                                  </p:stCondLst>
+                                  <p:childTnLst>
+                                    <p:set>
+                                      <p:cBhvr>
+                                        <p:cTn id="42" dur="1" fill="hold">
+                                          <p:stCondLst>
+                                            <p:cond delay="0"/>
+                                          </p:stCondLst>
+                                        </p:cTn>
+                                        <p:tgtEl>
+                                          <p:spTgt spid="17"/>
+                                        </p:tgtEl>
+                                        <p:attrNameLst>
+                                          <p:attrName>style.visibility</p:attrName>
+                                        </p:attrNameLst>
+                                      </p:cBhvr>
+                                      <p:to>
+                                        <p:strVal val="visible"/>
+                                      </p:to>
+                                    </p:set>
+                                    <p:animEffect transition="in" filter="fade">
+                                      <p:cBhvr>
+                                        <p:cTn id="43" dur="1000"/>
+                                        <p:tgtEl>
+                                          <p:spTgt spid="17"/>
+                                        </p:tgtEl>
+                                      </p:cBhvr>
+                                    </p:animEffect>
+                                    <p:anim calcmode="lin" valueType="num">
+                                      <p:cBhvr>
+                                        <p:cTn id="44" dur="1000" fill="hold"/>
+                                        <p:tgtEl>
+                                          <p:spTgt spid="17"/>
+                                        </p:tgtEl>
+                                        <p:attrNameLst>
+                                          <p:attrName>ppt_x</p:attrName>
+                                        </p:attrNameLst>
+                                      </p:cBhvr>
+                                      <p:tavLst>
+                                        <p:tav tm="0">
+                                          <p:val>
+                                            <p:strVal val="#ppt_x"/>
+                                          </p:val>
+                                        </p:tav>
+                                        <p:tav tm="100000">
+                                          <p:val>
+                                            <p:strVal val="#ppt_x"/>
+                                          </p:val>
+                                        </p:tav>
+                                      </p:tavLst>
+                                    </p:anim>
+                                    <p:anim calcmode="lin" valueType="num">
+                                      <p:cBhvr>
+                                        <p:cTn id="45" dur="900" decel="100000" fill="hold"/>
+                                        <p:tgtEl>
+                                          <p:spTgt spid="17"/>
+                                        </p:tgtEl>
+                                        <p:attrNameLst>
+                                          <p:attrName>ppt_y</p:attrName>
+                                        </p:attrNameLst>
+                                      </p:cBhvr>
+                                      <p:tavLst>
+                                        <p:tav tm="0">
+                                          <p:val>
+                                            <p:strVal val="#ppt_y+1"/>
+                                          </p:val>
+                                        </p:tav>
+                                        <p:tav tm="100000">
+                                          <p:val>
+                                            <p:strVal val="#ppt_y-.03"/>
+                                          </p:val>
+                                        </p:tav>
+                                      </p:tavLst>
+                                    </p:anim>
+                                    <p:anim calcmode="lin" valueType="num">
+                                      <p:cBhvr>
+                                        <p:cTn id="46" dur="100" accel="100000" fill="hold">
+                                          <p:stCondLst>
+                                            <p:cond delay="900"/>
+                                          </p:stCondLst>
+                                        </p:cTn>
+                                        <p:tgtEl>
+                                          <p:spTgt spid="17"/>
+                                        </p:tgtEl>
+                                        <p:attrNameLst>
+                                          <p:attrName>ppt_y</p:attrName>
+                                        </p:attrNameLst>
+                                      </p:cBhvr>
+                                      <p:tavLst>
+                                        <p:tav tm="0">
+                                          <p:val>
+                                            <p:strVal val="#ppt_y-.03"/>
+                                          </p:val>
+                                        </p:tav>
+                                        <p:tav tm="100000">
+                                          <p:val>
+                                            <p:strVal val="#ppt_y"/>
+                                          </p:val>
+                                        </p:tav>
+                                      </p:tavLst>
+                                    </p:anim>
+                                  </p:childTnLst>
+                                </p:cTn>
+                              </p:par>
+                            </p:childTnLst>
+                          </p:cTn>
+                        </p:par>
+                      </p:childTnLst>
+                    </p:cTn>
+                  </p:par>
+                </p:childTnLst>
+              </p:cTn>
+              <p:prevCondLst>
+                <p:cond evt="onPrev" delay="0">
+                  <p:tgtEl>
+                    <p:sldTgt/>
+                  </p:tgtEl>
+                </p:cond>
+              </p:prevCondLst>
+              <p:nextCondLst>
+                <p:cond evt="onNext" delay="0">
+                  <p:tgtEl>
+                    <p:sldTgt/>
+                  </p:tgtEl>
+                </p:cond>
+              </p:nextCondLst>
+            </p:seq>
+          </p:childTnLst>
+        </p:cTn>
       </p:par>
     </p:tnLst>
+    <p:bldLst>
+      <p:bldP spid="3" grpId="0"/>
+      <p:bldP spid="8" grpId="0"/>
+      <p:bldP spid="15" grpId="0"/>
+      <p:bldP spid="17" grpId="0"/>
+    </p:bldLst>
   </p:timing>
 </p:sld>
 </file>
@@ -4946,7 +6250,15 @@
           <a:lstStyle/>
           <a:p>
             <a:pPr algn="ctr"/>
-            <a:endParaRPr lang="en-US"/>
+            <a:r>
+              <a:rPr lang="en-US" sz="4000" dirty="0" smtClean="0"/>
+              <a:t>In a nutshell</a:t>
+            </a:r>
+            <a:r>
+              <a:rPr lang="is-IS" sz="4000" dirty="0" smtClean="0"/>
+              <a:t>…</a:t>
+            </a:r>
+            <a:endParaRPr lang="en-US" sz="4000" dirty="0"/>
           </a:p>
         </p:txBody>
       </p:sp>
@@ -4993,7 +6305,9 @@
           <a:prstGeom prst="rect">
             <a:avLst/>
           </a:prstGeom>
-          <a:noFill/>
+          <a:solidFill>
+            <a:srgbClr val="AAAAAA"/>
+          </a:solidFill>
         </p:spPr>
         <p:txBody>
           <a:bodyPr wrap="square" rtlCol="0">
@@ -5004,13 +6318,9 @@
             <a:pPr algn="ctr"/>
             <a:r>
               <a:rPr lang="en-US" dirty="0" smtClean="0"/>
-              <a:t>Introductio</a:t>
-            </a:r>
-            <a:r>
-              <a:rPr lang="en-US" b="1" dirty="0" smtClean="0"/>
-              <a:t>n</a:t>
-            </a:r>
-            <a:endParaRPr lang="en-US" b="1" dirty="0"/>
+              <a:t>Introduction</a:t>
+            </a:r>
+            <a:endParaRPr lang="en-US" dirty="0"/>
           </a:p>
         </p:txBody>
       </p:sp>
@@ -5022,40 +6332,7 @@
         </p:nvSpPr>
         <p:spPr>
           <a:xfrm>
-            <a:off x="0" y="2221301"/>
-            <a:ext cx="2510946" cy="369332"/>
-          </a:xfrm>
-          <a:prstGeom prst="rect">
-            <a:avLst/>
-          </a:prstGeom>
-          <a:solidFill>
-            <a:srgbClr val="AAAAAA"/>
-          </a:solidFill>
-        </p:spPr>
-        <p:txBody>
-          <a:bodyPr wrap="square" rtlCol="0">
-            <a:spAutoFit/>
-          </a:bodyPr>
-          <a:lstStyle/>
-          <a:p>
-            <a:pPr algn="ctr"/>
-            <a:r>
-              <a:rPr lang="en-US" dirty="0" smtClean="0"/>
-              <a:t>Motivation</a:t>
-            </a:r>
-            <a:endParaRPr lang="en-US" dirty="0"/>
-          </a:p>
-        </p:txBody>
-      </p:sp>
-      <p:sp>
-        <p:nvSpPr>
-          <p:cNvPr id="11" name="TextBox 10"/>
-          <p:cNvSpPr txBox="1"/>
-          <p:nvPr/>
-        </p:nvSpPr>
-        <p:spPr>
-          <a:xfrm>
-            <a:off x="134394" y="2640813"/>
+            <a:off x="134394" y="2221301"/>
             <a:ext cx="2242158" cy="369332"/>
           </a:xfrm>
           <a:prstGeom prst="rect">
@@ -5072,7 +6349,7 @@
             <a:pPr algn="ctr"/>
             <a:r>
               <a:rPr lang="en-US" dirty="0" smtClean="0"/>
-              <a:t>Design Overview</a:t>
+              <a:t>Motivation</a:t>
             </a:r>
             <a:endParaRPr lang="en-US" dirty="0"/>
           </a:p>
@@ -5080,13 +6357,13 @@
       </p:sp>
       <p:sp>
         <p:nvSpPr>
-          <p:cNvPr id="12" name="TextBox 11"/>
+          <p:cNvPr id="11" name="TextBox 10"/>
           <p:cNvSpPr txBox="1"/>
           <p:nvPr/>
         </p:nvSpPr>
         <p:spPr>
           <a:xfrm>
-            <a:off x="134394" y="3055148"/>
+            <a:off x="134394" y="2640813"/>
             <a:ext cx="2242158" cy="369332"/>
           </a:xfrm>
           <a:prstGeom prst="rect">
@@ -5103,7 +6380,7 @@
             <a:pPr algn="ctr"/>
             <a:r>
               <a:rPr lang="en-US" dirty="0" smtClean="0"/>
-              <a:t>Sprint 1</a:t>
+              <a:t>Design Overview</a:t>
             </a:r>
             <a:endParaRPr lang="en-US" dirty="0"/>
           </a:p>
@@ -5111,13 +6388,13 @@
       </p:sp>
       <p:sp>
         <p:nvSpPr>
-          <p:cNvPr id="13" name="TextBox 12"/>
+          <p:cNvPr id="12" name="TextBox 11"/>
           <p:cNvSpPr txBox="1"/>
           <p:nvPr/>
         </p:nvSpPr>
         <p:spPr>
           <a:xfrm>
-            <a:off x="134394" y="3469483"/>
+            <a:off x="134394" y="3055148"/>
             <a:ext cx="2242158" cy="369332"/>
           </a:xfrm>
           <a:prstGeom prst="rect">
@@ -5134,7 +6411,7 @@
             <a:pPr algn="ctr"/>
             <a:r>
               <a:rPr lang="en-US" dirty="0" smtClean="0"/>
-              <a:t>Sprint 2</a:t>
+              <a:t>Sprint 1</a:t>
             </a:r>
             <a:endParaRPr lang="en-US" dirty="0"/>
           </a:p>
@@ -5142,13 +6419,13 @@
       </p:sp>
       <p:sp>
         <p:nvSpPr>
-          <p:cNvPr id="14" name="TextBox 13"/>
+          <p:cNvPr id="13" name="TextBox 12"/>
           <p:cNvSpPr txBox="1"/>
           <p:nvPr/>
         </p:nvSpPr>
         <p:spPr>
           <a:xfrm>
-            <a:off x="134394" y="3906858"/>
+            <a:off x="134394" y="3469483"/>
             <a:ext cx="2242158" cy="369332"/>
           </a:xfrm>
           <a:prstGeom prst="rect">
@@ -5165,7 +6442,7 @@
             <a:pPr algn="ctr"/>
             <a:r>
               <a:rPr lang="en-US" dirty="0" smtClean="0"/>
-              <a:t>Sprint 3</a:t>
+              <a:t>Sprint 2</a:t>
             </a:r>
             <a:endParaRPr lang="en-US" dirty="0"/>
           </a:p>
@@ -5173,14 +6450,14 @@
       </p:sp>
       <p:sp>
         <p:nvSpPr>
-          <p:cNvPr id="3" name="TextBox 2"/>
+          <p:cNvPr id="14" name="TextBox 13"/>
           <p:cNvSpPr txBox="1"/>
           <p:nvPr/>
         </p:nvSpPr>
         <p:spPr>
           <a:xfrm>
-            <a:off x="2824564" y="1899822"/>
-            <a:ext cx="8423657" cy="4431983"/>
+            <a:off x="134394" y="3906858"/>
+            <a:ext cx="2242158" cy="369332"/>
           </a:xfrm>
           <a:prstGeom prst="rect">
             <a:avLst/>
@@ -5195,168 +6472,239 @@
           <a:p>
             <a:pPr algn="ctr"/>
             <a:r>
-              <a:rPr lang="en-IN" sz="3200" u="sng" dirty="0" smtClean="0">
-                <a:latin typeface="+mj-lt"/>
-              </a:rPr>
-              <a:t>Current Problems in the system</a:t>
-            </a:r>
-          </a:p>
-          <a:p>
-            <a:pPr algn="ctr"/>
-            <a:endParaRPr lang="en-IN" sz="2000" u="sng" dirty="0" smtClean="0"/>
-          </a:p>
-          <a:p>
-            <a:endParaRPr lang="en-IN" sz="2000" dirty="0" smtClean="0"/>
-          </a:p>
-          <a:p>
-            <a:pPr marL="285750" indent="-285750">
-              <a:buFont typeface="Arial" panose="020B0604020202020204" pitchFamily="34" charset="0"/>
+              <a:rPr lang="en-US" dirty="0" smtClean="0"/>
+              <a:t>Sprint 3</a:t>
+            </a:r>
+            <a:endParaRPr lang="en-US" dirty="0"/>
+          </a:p>
+        </p:txBody>
+      </p:sp>
+      <p:sp>
+        <p:nvSpPr>
+          <p:cNvPr id="3" name="TextBox 2"/>
+          <p:cNvSpPr txBox="1"/>
+          <p:nvPr/>
+        </p:nvSpPr>
+        <p:spPr>
+          <a:xfrm>
+            <a:off x="3492356" y="1981935"/>
+            <a:ext cx="7718234" cy="1323439"/>
+          </a:xfrm>
+          <a:prstGeom prst="rect">
+            <a:avLst/>
+          </a:prstGeom>
+          <a:noFill/>
+        </p:spPr>
+        <p:txBody>
+          <a:bodyPr wrap="square" rtlCol="0">
+            <a:spAutoFit/>
+          </a:bodyPr>
+          <a:lstStyle/>
+          <a:p>
+            <a:r>
+              <a:rPr lang="en-IN" sz="4000" dirty="0" err="1" smtClean="0"/>
+              <a:t>myPQue</a:t>
+            </a:r>
+            <a:r>
+              <a:rPr lang="en-IN" sz="4000" dirty="0" smtClean="0"/>
+              <a:t> is an easy-to-use  web application that</a:t>
+            </a:r>
+            <a:r>
+              <a:rPr lang="is-IS" sz="4000" dirty="0" smtClean="0"/>
+              <a:t>…</a:t>
+            </a:r>
+          </a:p>
+        </p:txBody>
+      </p:sp>
+      <p:sp>
+        <p:nvSpPr>
+          <p:cNvPr id="8" name="TextBox 7"/>
+          <p:cNvSpPr txBox="1"/>
+          <p:nvPr/>
+        </p:nvSpPr>
+        <p:spPr>
+          <a:xfrm>
+            <a:off x="3492356" y="3469483"/>
+            <a:ext cx="7861444" cy="954107"/>
+          </a:xfrm>
+          <a:prstGeom prst="rect">
+            <a:avLst/>
+          </a:prstGeom>
+          <a:noFill/>
+        </p:spPr>
+        <p:txBody>
+          <a:bodyPr wrap="square" rtlCol="0">
+            <a:spAutoFit/>
+          </a:bodyPr>
+          <a:lstStyle/>
+          <a:p>
+            <a:pPr marL="571500" indent="-571500">
+              <a:buFont typeface="Arial" charset="0"/>
               <a:buChar char="•"/>
             </a:pPr>
             <a:r>
-              <a:rPr lang="en-IN" sz="2400" dirty="0" smtClean="0">
-                <a:latin typeface="Bookman Old Style" panose="02050604050505020204" pitchFamily="18" charset="0"/>
-              </a:rPr>
-              <a:t>Companies </a:t>
-            </a:r>
-            <a:r>
-              <a:rPr lang="en-IN" sz="2400" dirty="0">
-                <a:latin typeface="Bookman Old Style" panose="02050604050505020204" pitchFamily="18" charset="0"/>
-              </a:rPr>
-              <a:t>have long lines of students </a:t>
-            </a:r>
-            <a:r>
-              <a:rPr lang="en-IN" sz="2400" dirty="0" smtClean="0">
-                <a:latin typeface="Bookman Old Style" panose="02050604050505020204" pitchFamily="18" charset="0"/>
-              </a:rPr>
-              <a:t>wanting to </a:t>
-            </a:r>
-            <a:r>
-              <a:rPr lang="en-IN" sz="2400" dirty="0">
-                <a:latin typeface="Bookman Old Style" panose="02050604050505020204" pitchFamily="18" charset="0"/>
-              </a:rPr>
-              <a:t>talk to them</a:t>
-            </a:r>
-            <a:r>
-              <a:rPr lang="en-IN" sz="2400" dirty="0" smtClean="0">
-                <a:latin typeface="Bookman Old Style" panose="02050604050505020204" pitchFamily="18" charset="0"/>
-              </a:rPr>
-              <a:t>. </a:t>
-            </a:r>
-            <a:endParaRPr lang="en-IN" sz="2400" dirty="0" smtClean="0">
-              <a:latin typeface="Bookman Old Style" panose="02050604050505020204" pitchFamily="18" charset="0"/>
-            </a:endParaRPr>
-          </a:p>
-          <a:p>
-            <a:endParaRPr lang="en-IN" sz="2400" dirty="0" smtClean="0">
-              <a:latin typeface="Bookman Old Style" panose="02050604050505020204" pitchFamily="18" charset="0"/>
-            </a:endParaRPr>
-          </a:p>
-          <a:p>
-            <a:pPr marL="285750" indent="-285750">
-              <a:buFont typeface="Arial" panose="020B0604020202020204" pitchFamily="34" charset="0"/>
+              <a:rPr lang="en-IN" sz="2800" dirty="0"/>
+              <a:t>Schedules students with recruiters according to their </a:t>
+            </a:r>
+            <a:r>
+              <a:rPr lang="en-IN" sz="2800" dirty="0" smtClean="0"/>
+              <a:t>preferences</a:t>
+            </a:r>
+            <a:endParaRPr lang="en-IN" sz="2800" dirty="0"/>
+          </a:p>
+        </p:txBody>
+      </p:sp>
+      <p:sp>
+        <p:nvSpPr>
+          <p:cNvPr id="15" name="TextBox 14"/>
+          <p:cNvSpPr txBox="1"/>
+          <p:nvPr/>
+        </p:nvSpPr>
+        <p:spPr>
+          <a:xfrm>
+            <a:off x="3492356" y="4423590"/>
+            <a:ext cx="7141777" cy="523220"/>
+          </a:xfrm>
+          <a:prstGeom prst="rect">
+            <a:avLst/>
+          </a:prstGeom>
+          <a:noFill/>
+        </p:spPr>
+        <p:txBody>
+          <a:bodyPr wrap="square" rtlCol="0">
+            <a:spAutoFit/>
+          </a:bodyPr>
+          <a:lstStyle/>
+          <a:p>
+            <a:pPr marL="571500" indent="-571500">
+              <a:buFont typeface="Arial" charset="0"/>
               <a:buChar char="•"/>
             </a:pPr>
             <a:r>
-              <a:rPr lang="en-IN" sz="2400" dirty="0" smtClean="0">
-                <a:latin typeface="Bookman Old Style" panose="02050604050505020204" pitchFamily="18" charset="0"/>
-              </a:rPr>
-              <a:t>Students spend </a:t>
-            </a:r>
-            <a:r>
-              <a:rPr lang="en-IN" sz="2400" dirty="0">
-                <a:latin typeface="Bookman Old Style" panose="02050604050505020204" pitchFamily="18" charset="0"/>
-              </a:rPr>
-              <a:t>most of their </a:t>
-            </a:r>
-            <a:r>
-              <a:rPr lang="en-IN" sz="2400" dirty="0" smtClean="0">
-                <a:latin typeface="Bookman Old Style" panose="02050604050505020204" pitchFamily="18" charset="0"/>
-              </a:rPr>
-              <a:t>time standing </a:t>
-            </a:r>
-            <a:r>
-              <a:rPr lang="en-IN" sz="2400" dirty="0">
-                <a:latin typeface="Bookman Old Style" panose="02050604050505020204" pitchFamily="18" charset="0"/>
-              </a:rPr>
-              <a:t>in these lines rather than </a:t>
-            </a:r>
-            <a:r>
-              <a:rPr lang="en-IN" sz="2400" dirty="0" smtClean="0">
-                <a:latin typeface="Bookman Old Style" panose="02050604050505020204" pitchFamily="18" charset="0"/>
-              </a:rPr>
-              <a:t>networking.</a:t>
-            </a:r>
-          </a:p>
-          <a:p>
-            <a:endParaRPr lang="en-IN" sz="2400" dirty="0" smtClean="0">
-              <a:latin typeface="Bookman Old Style" panose="02050604050505020204" pitchFamily="18" charset="0"/>
-            </a:endParaRPr>
-          </a:p>
-          <a:p>
-            <a:pPr marL="285750" indent="-285750">
-              <a:buFont typeface="Arial" panose="020B0604020202020204" pitchFamily="34" charset="0"/>
+              <a:rPr lang="en-IN" sz="2800" dirty="0" smtClean="0"/>
+              <a:t>Optimize </a:t>
+            </a:r>
+            <a:r>
+              <a:rPr lang="en-IN" sz="2800" dirty="0"/>
+              <a:t>Optimize Optimize</a:t>
+            </a:r>
+            <a:r>
+              <a:rPr lang="en-IN" sz="2800" smtClean="0"/>
+              <a:t>!  </a:t>
+            </a:r>
+            <a:endParaRPr lang="en-IN" sz="2800" strike="sngStrike" dirty="0" smtClean="0"/>
+          </a:p>
+        </p:txBody>
+      </p:sp>
+      <p:sp>
+        <p:nvSpPr>
+          <p:cNvPr id="17" name="TextBox 16"/>
+          <p:cNvSpPr txBox="1"/>
+          <p:nvPr/>
+        </p:nvSpPr>
+        <p:spPr>
+          <a:xfrm>
+            <a:off x="3492356" y="5104064"/>
+            <a:ext cx="7277244" cy="1231106"/>
+          </a:xfrm>
+          <a:prstGeom prst="rect">
+            <a:avLst/>
+          </a:prstGeom>
+          <a:noFill/>
+        </p:spPr>
+        <p:txBody>
+          <a:bodyPr wrap="square" rtlCol="0">
+            <a:spAutoFit/>
+          </a:bodyPr>
+          <a:lstStyle/>
+          <a:p>
+            <a:pPr marL="571500" indent="-571500">
+              <a:buFont typeface="Arial" charset="0"/>
               <a:buChar char="•"/>
             </a:pPr>
             <a:r>
-              <a:rPr lang="en-IN" sz="2400" dirty="0" smtClean="0">
-                <a:latin typeface="Bookman Old Style" panose="02050604050505020204" pitchFamily="18" charset="0"/>
-              </a:rPr>
-              <a:t>Many times the student is not </a:t>
-            </a:r>
-            <a:r>
-              <a:rPr lang="en-IN" sz="2400" dirty="0" smtClean="0">
-                <a:latin typeface="Bookman Old Style" panose="02050604050505020204" pitchFamily="18" charset="0"/>
-              </a:rPr>
-              <a:t>able to talk to </a:t>
-            </a:r>
-            <a:r>
-              <a:rPr lang="en-IN" sz="2400" dirty="0" smtClean="0">
-                <a:latin typeface="Bookman Old Style" panose="02050604050505020204" pitchFamily="18" charset="0"/>
-              </a:rPr>
-              <a:t>companies </a:t>
-            </a:r>
-            <a:r>
-              <a:rPr lang="en-IN" sz="2400" dirty="0" smtClean="0">
-                <a:latin typeface="Bookman Old Style" panose="02050604050505020204" pitchFamily="18" charset="0"/>
-              </a:rPr>
-              <a:t>in order of </a:t>
-            </a:r>
-            <a:r>
-              <a:rPr lang="en-IN" sz="2400" dirty="0" smtClean="0">
-                <a:latin typeface="Bookman Old Style" panose="02050604050505020204" pitchFamily="18" charset="0"/>
-              </a:rPr>
-              <a:t>their</a:t>
-            </a:r>
-            <a:r>
-              <a:rPr lang="en-IN" sz="2400" dirty="0" smtClean="0">
-                <a:latin typeface="Bookman Old Style" panose="02050604050505020204" pitchFamily="18" charset="0"/>
-              </a:rPr>
-              <a:t> </a:t>
-            </a:r>
-            <a:r>
-              <a:rPr lang="en-IN" sz="2400" dirty="0" smtClean="0">
-                <a:latin typeface="Bookman Old Style" panose="02050604050505020204" pitchFamily="18" charset="0"/>
-              </a:rPr>
-              <a:t>preference. </a:t>
-            </a:r>
-            <a:endParaRPr lang="en-IN" sz="2400" dirty="0" smtClean="0">
-              <a:latin typeface="Bookman Old Style" panose="02050604050505020204" pitchFamily="18" charset="0"/>
-            </a:endParaRPr>
-          </a:p>
-          <a:p>
-            <a:pPr marL="285750" indent="-285750">
-              <a:buFont typeface="Arial" panose="020B0604020202020204" pitchFamily="34" charset="0"/>
-              <a:buChar char="•"/>
-            </a:pPr>
-            <a:endParaRPr lang="en-IN" dirty="0"/>
+              <a:rPr lang="en-IN" sz="2800" dirty="0" smtClean="0"/>
+              <a:t>Helps </a:t>
+            </a:r>
+            <a:r>
+              <a:rPr lang="en-IN" sz="2800" dirty="0"/>
+              <a:t>recruiters remain organized by maintaining queues of students virtually</a:t>
+            </a:r>
+          </a:p>
+          <a:p>
+            <a:endParaRPr lang="en-US" dirty="0"/>
+          </a:p>
+        </p:txBody>
+      </p:sp>
+      <p:cxnSp>
+        <p:nvCxnSpPr>
+          <p:cNvPr id="19" name="Straight Connector 18"/>
+          <p:cNvCxnSpPr/>
+          <p:nvPr/>
+        </p:nvCxnSpPr>
+        <p:spPr>
+          <a:xfrm flipV="1">
+            <a:off x="3979333" y="4685200"/>
+            <a:ext cx="4402667" cy="39200"/>
+          </a:xfrm>
+          <a:prstGeom prst="line">
+            <a:avLst/>
+          </a:prstGeom>
+          <a:ln w="57150">
+            <a:solidFill>
+              <a:schemeClr val="accent1"/>
+            </a:solidFill>
+          </a:ln>
+        </p:spPr>
+        <p:style>
+          <a:lnRef idx="1">
+            <a:schemeClr val="accent1"/>
+          </a:lnRef>
+          <a:fillRef idx="0">
+            <a:schemeClr val="accent1"/>
+          </a:fillRef>
+          <a:effectRef idx="0">
+            <a:schemeClr val="accent1"/>
+          </a:effectRef>
+          <a:fontRef idx="minor">
+            <a:schemeClr val="tx1"/>
+          </a:fontRef>
+        </p:style>
+      </p:cxnSp>
+      <p:sp>
+        <p:nvSpPr>
+          <p:cNvPr id="22" name="TextBox 21"/>
+          <p:cNvSpPr txBox="1"/>
+          <p:nvPr/>
+        </p:nvSpPr>
+        <p:spPr>
+          <a:xfrm>
+            <a:off x="8623299" y="4410647"/>
+            <a:ext cx="2370667" cy="523220"/>
+          </a:xfrm>
+          <a:prstGeom prst="rect">
+            <a:avLst/>
+          </a:prstGeom>
+          <a:noFill/>
+        </p:spPr>
+        <p:txBody>
+          <a:bodyPr wrap="square" rtlCol="0">
+            <a:spAutoFit/>
+          </a:bodyPr>
+          <a:lstStyle/>
+          <a:p>
+            <a:r>
+              <a:rPr lang="en-US" sz="2800" dirty="0" smtClean="0"/>
+              <a:t>Optimize x3 :)</a:t>
+            </a:r>
+            <a:endParaRPr lang="en-US" sz="2800" dirty="0"/>
           </a:p>
         </p:txBody>
       </p:sp>
     </p:spTree>
     <p:extLst>
       <p:ext uri="{BB962C8B-B14F-4D97-AF65-F5344CB8AC3E}">
-        <p14:creationId xmlns:p14="http://schemas.microsoft.com/office/powerpoint/2010/main" val="164605475"/>
+        <p14:creationId xmlns:p14="http://schemas.microsoft.com/office/powerpoint/2010/main" val="1907784977"/>
       </p:ext>
     </p:extLst>
   </p:cSld>
@@ -5366,9 +6714,187 @@
   <p:timing>
     <p:tnLst>
       <p:par>
-        <p:cTn id="1" dur="indefinite" restart="never" nodeType="tmRoot"/>
+        <p:cTn id="1" dur="indefinite" restart="never" nodeType="tmRoot">
+          <p:childTnLst>
+            <p:seq concurrent="1" nextAc="seek">
+              <p:cTn id="2" dur="indefinite" nodeType="mainSeq">
+                <p:childTnLst>
+                  <p:par>
+                    <p:cTn id="3" fill="hold">
+                      <p:stCondLst>
+                        <p:cond delay="indefinite"/>
+                      </p:stCondLst>
+                      <p:childTnLst>
+                        <p:par>
+                          <p:cTn id="4" fill="hold">
+                            <p:stCondLst>
+                              <p:cond delay="0"/>
+                            </p:stCondLst>
+                            <p:childTnLst>
+                              <p:par>
+                                <p:cTn id="5" presetID="53" presetClass="entr" presetSubtype="16" fill="hold" nodeType="clickEffect">
+                                  <p:stCondLst>
+                                    <p:cond delay="0"/>
+                                  </p:stCondLst>
+                                  <p:childTnLst>
+                                    <p:set>
+                                      <p:cBhvr>
+                                        <p:cTn id="6" dur="1" fill="hold">
+                                          <p:stCondLst>
+                                            <p:cond delay="0"/>
+                                          </p:stCondLst>
+                                        </p:cTn>
+                                        <p:tgtEl>
+                                          <p:spTgt spid="19"/>
+                                        </p:tgtEl>
+                                        <p:attrNameLst>
+                                          <p:attrName>style.visibility</p:attrName>
+                                        </p:attrNameLst>
+                                      </p:cBhvr>
+                                      <p:to>
+                                        <p:strVal val="visible"/>
+                                      </p:to>
+                                    </p:set>
+                                    <p:anim calcmode="lin" valueType="num">
+                                      <p:cBhvr>
+                                        <p:cTn id="7" dur="500" fill="hold"/>
+                                        <p:tgtEl>
+                                          <p:spTgt spid="19"/>
+                                        </p:tgtEl>
+                                        <p:attrNameLst>
+                                          <p:attrName>ppt_w</p:attrName>
+                                        </p:attrNameLst>
+                                      </p:cBhvr>
+                                      <p:tavLst>
+                                        <p:tav tm="0">
+                                          <p:val>
+                                            <p:fltVal val="0"/>
+                                          </p:val>
+                                        </p:tav>
+                                        <p:tav tm="100000">
+                                          <p:val>
+                                            <p:strVal val="#ppt_w"/>
+                                          </p:val>
+                                        </p:tav>
+                                      </p:tavLst>
+                                    </p:anim>
+                                    <p:anim calcmode="lin" valueType="num">
+                                      <p:cBhvr>
+                                        <p:cTn id="8" dur="500" fill="hold"/>
+                                        <p:tgtEl>
+                                          <p:spTgt spid="19"/>
+                                        </p:tgtEl>
+                                        <p:attrNameLst>
+                                          <p:attrName>ppt_h</p:attrName>
+                                        </p:attrNameLst>
+                                      </p:cBhvr>
+                                      <p:tavLst>
+                                        <p:tav tm="0">
+                                          <p:val>
+                                            <p:fltVal val="0"/>
+                                          </p:val>
+                                        </p:tav>
+                                        <p:tav tm="100000">
+                                          <p:val>
+                                            <p:strVal val="#ppt_h"/>
+                                          </p:val>
+                                        </p:tav>
+                                      </p:tavLst>
+                                    </p:anim>
+                                    <p:animEffect transition="in" filter="fade">
+                                      <p:cBhvr>
+                                        <p:cTn id="9" dur="500"/>
+                                        <p:tgtEl>
+                                          <p:spTgt spid="19"/>
+                                        </p:tgtEl>
+                                      </p:cBhvr>
+                                    </p:animEffect>
+                                  </p:childTnLst>
+                                </p:cTn>
+                              </p:par>
+                            </p:childTnLst>
+                          </p:cTn>
+                        </p:par>
+                      </p:childTnLst>
+                    </p:cTn>
+                  </p:par>
+                  <p:par>
+                    <p:cTn id="10" fill="hold">
+                      <p:stCondLst>
+                        <p:cond delay="indefinite"/>
+                      </p:stCondLst>
+                      <p:childTnLst>
+                        <p:par>
+                          <p:cTn id="11" fill="hold">
+                            <p:stCondLst>
+                              <p:cond delay="0"/>
+                            </p:stCondLst>
+                            <p:childTnLst>
+                              <p:par>
+                                <p:cTn id="12" presetID="9" presetClass="entr" presetSubtype="0" fill="hold" grpId="0" nodeType="clickEffect">
+                                  <p:stCondLst>
+                                    <p:cond delay="0"/>
+                                  </p:stCondLst>
+                                  <p:childTnLst>
+                                    <p:set>
+                                      <p:cBhvr>
+                                        <p:cTn id="13" dur="1" fill="hold">
+                                          <p:stCondLst>
+                                            <p:cond delay="0"/>
+                                          </p:stCondLst>
+                                        </p:cTn>
+                                        <p:tgtEl>
+                                          <p:spTgt spid="22"/>
+                                        </p:tgtEl>
+                                        <p:attrNameLst>
+                                          <p:attrName>style.visibility</p:attrName>
+                                        </p:attrNameLst>
+                                      </p:cBhvr>
+                                      <p:to>
+                                        <p:strVal val="visible"/>
+                                      </p:to>
+                                    </p:set>
+                                    <p:animEffect transition="in" filter="dissolve">
+                                      <p:cBhvr>
+                                        <p:cTn id="14" dur="500"/>
+                                        <p:tgtEl>
+                                          <p:spTgt spid="22"/>
+                                        </p:tgtEl>
+                                      </p:cBhvr>
+                                    </p:animEffect>
+                                  </p:childTnLst>
+                                </p:cTn>
+                              </p:par>
+                            </p:childTnLst>
+                          </p:cTn>
+                        </p:par>
+                      </p:childTnLst>
+                    </p:cTn>
+                  </p:par>
+                </p:childTnLst>
+              </p:cTn>
+              <p:prevCondLst>
+                <p:cond evt="onPrev" delay="0">
+                  <p:tgtEl>
+                    <p:sldTgt/>
+                  </p:tgtEl>
+                </p:cond>
+              </p:prevCondLst>
+              <p:nextCondLst>
+                <p:cond evt="onNext" delay="0">
+                  <p:tgtEl>
+                    <p:sldTgt/>
+                  </p:tgtEl>
+                </p:cond>
+              </p:nextCondLst>
+            </p:seq>
+          </p:childTnLst>
+        </p:cTn>
       </p:par>
     </p:tnLst>
+    <p:bldLst>
+      <p:bldP spid="22" grpId="0"/>
+    </p:bldLst>
   </p:timing>
 </p:sld>
 </file>
@@ -5549,7 +7075,7 @@
         </p:nvSpPr>
         <p:spPr>
           <a:xfrm>
-            <a:off x="0" y="1801789"/>
+            <a:off x="0" y="1797269"/>
             <a:ext cx="2510946" cy="369332"/>
           </a:xfrm>
           <a:prstGeom prst="rect">
@@ -5566,9 +7092,13 @@
             <a:pPr algn="ctr"/>
             <a:r>
               <a:rPr lang="en-US" dirty="0" smtClean="0"/>
-              <a:t>Introduction</a:t>
-            </a:r>
-            <a:endParaRPr lang="en-US" dirty="0"/>
+              <a:t>Introductio</a:t>
+            </a:r>
+            <a:r>
+              <a:rPr lang="en-US" b="1" dirty="0" smtClean="0"/>
+              <a:t>n</a:t>
+            </a:r>
+            <a:endParaRPr lang="en-US" b="1" dirty="0"/>
           </a:p>
         </p:txBody>
       </p:sp>
@@ -5613,8 +7143,8 @@
         </p:nvSpPr>
         <p:spPr>
           <a:xfrm>
-            <a:off x="0" y="2640813"/>
-            <a:ext cx="2510946" cy="369332"/>
+            <a:off x="134394" y="2640813"/>
+            <a:ext cx="2242158" cy="369332"/>
           </a:xfrm>
           <a:prstGeom prst="rect">
             <a:avLst/>
@@ -5644,8 +7174,8 @@
         </p:nvSpPr>
         <p:spPr>
           <a:xfrm>
-            <a:off x="0" y="3055148"/>
-            <a:ext cx="2510946" cy="369332"/>
+            <a:off x="134394" y="3055148"/>
+            <a:ext cx="2242158" cy="369332"/>
           </a:xfrm>
           <a:prstGeom prst="rect">
             <a:avLst/>
@@ -5675,8 +7205,8 @@
         </p:nvSpPr>
         <p:spPr>
           <a:xfrm>
-            <a:off x="0" y="3469483"/>
-            <a:ext cx="2510946" cy="369332"/>
+            <a:off x="134394" y="3469483"/>
+            <a:ext cx="2242158" cy="369332"/>
           </a:xfrm>
           <a:prstGeom prst="rect">
             <a:avLst/>
@@ -5706,8 +7236,8 @@
         </p:nvSpPr>
         <p:spPr>
           <a:xfrm>
-            <a:off x="0" y="3906858"/>
-            <a:ext cx="2510946" cy="369332"/>
+            <a:off x="134394" y="3906858"/>
+            <a:ext cx="2242158" cy="369332"/>
           </a:xfrm>
           <a:prstGeom prst="rect">
             <a:avLst/>
@@ -5731,14 +7261,14 @@
       </p:sp>
       <p:sp>
         <p:nvSpPr>
-          <p:cNvPr id="15" name="TextBox 14"/>
+          <p:cNvPr id="3" name="TextBox 2"/>
           <p:cNvSpPr txBox="1"/>
           <p:nvPr/>
         </p:nvSpPr>
         <p:spPr>
           <a:xfrm>
-            <a:off x="3055918" y="1986455"/>
-            <a:ext cx="8297882" cy="4647426"/>
+            <a:off x="2824564" y="1899822"/>
+            <a:ext cx="8423657" cy="4431983"/>
           </a:xfrm>
           <a:prstGeom prst="rect">
             <a:avLst/>
@@ -5753,71 +7283,103 @@
           <a:p>
             <a:pPr algn="ctr"/>
             <a:r>
-              <a:rPr lang="en-IN" sz="3200" u="sng" dirty="0">
+              <a:rPr lang="en-IN" sz="3200" u="sng" dirty="0" smtClean="0">
                 <a:latin typeface="+mj-lt"/>
               </a:rPr>
-              <a:t>Our </a:t>
-            </a:r>
-            <a:r>
-              <a:rPr lang="en-IN" sz="3200" u="sng" dirty="0">
-                <a:latin typeface="+mj-lt"/>
-              </a:rPr>
-              <a:t>product tackles </a:t>
-            </a:r>
-            <a:r>
-              <a:rPr lang="en-IN" sz="3200" u="sng" dirty="0">
-                <a:latin typeface="+mj-lt"/>
-              </a:rPr>
-              <a:t>these issues </a:t>
-            </a:r>
-            <a:r>
-              <a:rPr lang="en-IN" sz="3200" u="sng" dirty="0">
-                <a:latin typeface="+mj-lt"/>
-              </a:rPr>
-              <a:t>by </a:t>
-            </a:r>
-            <a:r>
-              <a:rPr lang="en-IN" sz="3200" u="sng" dirty="0">
-                <a:latin typeface="+mj-lt"/>
-              </a:rPr>
-              <a:t>creating</a:t>
-            </a:r>
-          </a:p>
-          <a:p>
-            <a:endParaRPr lang="en-IN" sz="2400" dirty="0"/>
-          </a:p>
-          <a:p>
-            <a:pPr marL="342900" indent="-342900">
+              <a:t>Current Problems in the system</a:t>
+            </a:r>
+          </a:p>
+          <a:p>
+            <a:pPr algn="ctr"/>
+            <a:endParaRPr lang="en-IN" sz="2000" u="sng" dirty="0" smtClean="0"/>
+          </a:p>
+          <a:p>
+            <a:endParaRPr lang="en-IN" sz="2000" dirty="0" smtClean="0"/>
+          </a:p>
+          <a:p>
+            <a:pPr marL="285750" indent="-285750">
               <a:buFont typeface="Arial" panose="020B0604020202020204" pitchFamily="34" charset="0"/>
               <a:buChar char="•"/>
             </a:pPr>
             <a:r>
+              <a:rPr lang="en-IN" sz="2400" dirty="0" smtClean="0">
+                <a:latin typeface="Bookman Old Style" panose="02050604050505020204" pitchFamily="18" charset="0"/>
+              </a:rPr>
+              <a:t>Companies </a:t>
+            </a:r>
+            <a:r>
               <a:rPr lang="en-IN" sz="2400" dirty="0">
                 <a:latin typeface="Bookman Old Style" panose="02050604050505020204" pitchFamily="18" charset="0"/>
               </a:rPr>
-              <a:t>A </a:t>
+              <a:t>have long lines of students </a:t>
+            </a:r>
+            <a:r>
+              <a:rPr lang="en-IN" sz="2400" dirty="0" smtClean="0">
+                <a:latin typeface="Bookman Old Style" panose="02050604050505020204" pitchFamily="18" charset="0"/>
+              </a:rPr>
+              <a:t>wanting to </a:t>
             </a:r>
             <a:r>
               <a:rPr lang="en-IN" sz="2400" dirty="0">
                 <a:latin typeface="Bookman Old Style" panose="02050604050505020204" pitchFamily="18" charset="0"/>
               </a:rPr>
-              <a:t>web application which implements the scheduling system. </a:t>
-            </a:r>
+              <a:t>talk to them</a:t>
+            </a:r>
+            <a:r>
+              <a:rPr lang="en-IN" sz="2400" dirty="0" smtClean="0">
+                <a:latin typeface="Bookman Old Style" panose="02050604050505020204" pitchFamily="18" charset="0"/>
+              </a:rPr>
+              <a:t>. </a:t>
+            </a:r>
+          </a:p>
+          <a:p>
             <a:endParaRPr lang="en-IN" sz="2400" dirty="0" smtClean="0">
               <a:latin typeface="Bookman Old Style" panose="02050604050505020204" pitchFamily="18" charset="0"/>
             </a:endParaRPr>
           </a:p>
           <a:p>
-            <a:pPr marL="342900" indent="-342900">
+            <a:pPr marL="285750" indent="-285750">
               <a:buFont typeface="Arial" panose="020B0604020202020204" pitchFamily="34" charset="0"/>
               <a:buChar char="•"/>
             </a:pPr>
-            <a:endParaRPr lang="en-IN" sz="2400" dirty="0">
+            <a:r>
+              <a:rPr lang="en-IN" sz="2400" dirty="0" smtClean="0">
+                <a:latin typeface="Bookman Old Style" panose="02050604050505020204" pitchFamily="18" charset="0"/>
+              </a:rPr>
+              <a:t>Students spend </a:t>
+            </a:r>
+            <a:r>
+              <a:rPr lang="en-IN" sz="2400" dirty="0">
+                <a:latin typeface="Bookman Old Style" panose="02050604050505020204" pitchFamily="18" charset="0"/>
+              </a:rPr>
+              <a:t>most of their </a:t>
+            </a:r>
+            <a:r>
+              <a:rPr lang="en-IN" sz="2400" dirty="0" smtClean="0">
+                <a:latin typeface="Bookman Old Style" panose="02050604050505020204" pitchFamily="18" charset="0"/>
+              </a:rPr>
+              <a:t>time standing </a:t>
+            </a:r>
+            <a:r>
+              <a:rPr lang="en-IN" sz="2400" dirty="0">
+                <a:latin typeface="Bookman Old Style" panose="02050604050505020204" pitchFamily="18" charset="0"/>
+              </a:rPr>
+              <a:t>in these lines rather than </a:t>
+            </a:r>
+            <a:r>
+              <a:rPr lang="en-IN" sz="2400" dirty="0" smtClean="0">
+                <a:latin typeface="Bookman Old Style" panose="02050604050505020204" pitchFamily="18" charset="0"/>
+              </a:rPr>
+              <a:t>networking.</a:t>
+            </a:r>
+          </a:p>
+          <a:p>
+            <a:endParaRPr lang="en-IN" sz="2400" dirty="0" smtClean="0">
               <a:latin typeface="Bookman Old Style" panose="02050604050505020204" pitchFamily="18" charset="0"/>
             </a:endParaRPr>
           </a:p>
           <a:p>
-            <a:pPr marL="342900" indent="-342900">
+            <a:pPr marL="285750" indent="-285750">
               <a:buFont typeface="Arial" panose="020B0604020202020204" pitchFamily="34" charset="0"/>
               <a:buChar char="•"/>
             </a:pPr>
@@ -5825,62 +7387,22 @@
               <a:rPr lang="en-IN" sz="2400" dirty="0" smtClean="0">
                 <a:latin typeface="Bookman Old Style" panose="02050604050505020204" pitchFamily="18" charset="0"/>
               </a:rPr>
-              <a:t>A natively </a:t>
-            </a:r>
-            <a:r>
-              <a:rPr lang="en-IN" sz="2400" dirty="0">
-                <a:latin typeface="Bookman Old Style" panose="02050604050505020204" pitchFamily="18" charset="0"/>
-              </a:rPr>
-              <a:t>developed </a:t>
-            </a:r>
-            <a:r>
-              <a:rPr lang="en-IN" sz="2400" dirty="0">
-                <a:latin typeface="Bookman Old Style" panose="02050604050505020204" pitchFamily="18" charset="0"/>
-              </a:rPr>
-              <a:t>algorithm which handles </a:t>
-            </a:r>
-            <a:r>
-              <a:rPr lang="en-IN" sz="2400" dirty="0">
-                <a:latin typeface="Bookman Old Style" panose="02050604050505020204" pitchFamily="18" charset="0"/>
-              </a:rPr>
-              <a:t>all the scheduling requests efficiently. </a:t>
-            </a:r>
-            <a:endParaRPr lang="en-IN" sz="2400" dirty="0" smtClean="0">
-              <a:latin typeface="Bookman Old Style" panose="02050604050505020204" pitchFamily="18" charset="0"/>
-            </a:endParaRPr>
-          </a:p>
-          <a:p>
-            <a:pPr marL="342900" indent="-342900">
+              <a:t>Many times the student is not able to talk to companies in order of their preference. </a:t>
+            </a:r>
+          </a:p>
+          <a:p>
+            <a:pPr marL="285750" indent="-285750">
               <a:buFont typeface="Arial" panose="020B0604020202020204" pitchFamily="34" charset="0"/>
               <a:buChar char="•"/>
             </a:pPr>
-            <a:endParaRPr lang="en-IN" sz="2400" dirty="0">
-              <a:latin typeface="Bookman Old Style" panose="02050604050505020204" pitchFamily="18" charset="0"/>
-            </a:endParaRPr>
-          </a:p>
-          <a:p>
-            <a:pPr marL="342900" indent="-342900">
-              <a:buFont typeface="Arial" panose="020B0604020202020204" pitchFamily="34" charset="0"/>
-              <a:buChar char="•"/>
-            </a:pPr>
-            <a:r>
-              <a:rPr lang="en-IN" sz="2400" dirty="0" smtClean="0">
-                <a:latin typeface="Bookman Old Style" panose="02050604050505020204" pitchFamily="18" charset="0"/>
-              </a:rPr>
-              <a:t>Two different apps, one for students and the other for recruiters to efficiently handle all aspects of the career fair.</a:t>
-            </a:r>
-          </a:p>
-          <a:p>
-            <a:endParaRPr lang="en-IN" sz="2400" dirty="0" smtClean="0">
-              <a:latin typeface="Bookman Old Style" panose="02050604050505020204" pitchFamily="18" charset="0"/>
-            </a:endParaRPr>
+            <a:endParaRPr lang="en-IN" dirty="0"/>
           </a:p>
         </p:txBody>
       </p:sp>
     </p:spTree>
     <p:extLst>
       <p:ext uri="{BB962C8B-B14F-4D97-AF65-F5344CB8AC3E}">
-        <p14:creationId xmlns:p14="http://schemas.microsoft.com/office/powerpoint/2010/main" val="209927795"/>
+        <p14:creationId xmlns:p14="http://schemas.microsoft.com/office/powerpoint/2010/main" val="164605475"/>
       </p:ext>
     </p:extLst>
   </p:cSld>
@@ -6073,7 +7595,7 @@
         </p:nvSpPr>
         <p:spPr>
           <a:xfrm>
-            <a:off x="0" y="1797269"/>
+            <a:off x="0" y="1801789"/>
             <a:ext cx="2510946" cy="369332"/>
           </a:xfrm>
           <a:prstGeom prst="rect">
@@ -6104,38 +7626,7 @@
         </p:nvSpPr>
         <p:spPr>
           <a:xfrm>
-            <a:off x="134394" y="2221301"/>
-            <a:ext cx="2242158" cy="369332"/>
-          </a:xfrm>
-          <a:prstGeom prst="rect">
-            <a:avLst/>
-          </a:prstGeom>
-          <a:noFill/>
-        </p:spPr>
-        <p:txBody>
-          <a:bodyPr wrap="square" rtlCol="0">
-            <a:spAutoFit/>
-          </a:bodyPr>
-          <a:lstStyle/>
-          <a:p>
-            <a:pPr algn="ctr"/>
-            <a:r>
-              <a:rPr lang="en-US" dirty="0" smtClean="0"/>
-              <a:t>Motivation</a:t>
-            </a:r>
-            <a:endParaRPr lang="en-US" dirty="0"/>
-          </a:p>
-        </p:txBody>
-      </p:sp>
-      <p:sp>
-        <p:nvSpPr>
-          <p:cNvPr id="11" name="TextBox 10"/>
-          <p:cNvSpPr txBox="1"/>
-          <p:nvPr/>
-        </p:nvSpPr>
-        <p:spPr>
-          <a:xfrm>
-            <a:off x="1" y="2631116"/>
+            <a:off x="0" y="2221301"/>
             <a:ext cx="2510946" cy="369332"/>
           </a:xfrm>
           <a:prstGeom prst="rect">
@@ -6154,7 +7645,7 @@
             <a:pPr algn="ctr"/>
             <a:r>
               <a:rPr lang="en-US" dirty="0" smtClean="0"/>
-              <a:t>Design Overview</a:t>
+              <a:t>Motivation</a:t>
             </a:r>
             <a:endParaRPr lang="en-US" dirty="0"/>
           </a:p>
@@ -6162,14 +7653,14 @@
       </p:sp>
       <p:sp>
         <p:nvSpPr>
-          <p:cNvPr id="12" name="TextBox 11"/>
+          <p:cNvPr id="11" name="TextBox 10"/>
           <p:cNvSpPr txBox="1"/>
           <p:nvPr/>
         </p:nvSpPr>
         <p:spPr>
           <a:xfrm>
-            <a:off x="134394" y="3055148"/>
-            <a:ext cx="2242158" cy="369332"/>
+            <a:off x="0" y="2640813"/>
+            <a:ext cx="2510946" cy="369332"/>
           </a:xfrm>
           <a:prstGeom prst="rect">
             <a:avLst/>
@@ -6185,7 +7676,7 @@
             <a:pPr algn="ctr"/>
             <a:r>
               <a:rPr lang="en-US" dirty="0" smtClean="0"/>
-              <a:t>Sprint 1</a:t>
+              <a:t>Design Overview</a:t>
             </a:r>
             <a:endParaRPr lang="en-US" dirty="0"/>
           </a:p>
@@ -6193,14 +7684,14 @@
       </p:sp>
       <p:sp>
         <p:nvSpPr>
-          <p:cNvPr id="13" name="TextBox 12"/>
+          <p:cNvPr id="12" name="TextBox 11"/>
           <p:cNvSpPr txBox="1"/>
           <p:nvPr/>
         </p:nvSpPr>
         <p:spPr>
           <a:xfrm>
-            <a:off x="134394" y="3469483"/>
-            <a:ext cx="2242158" cy="369332"/>
+            <a:off x="0" y="3055148"/>
+            <a:ext cx="2510946" cy="369332"/>
           </a:xfrm>
           <a:prstGeom prst="rect">
             <a:avLst/>
@@ -6216,7 +7707,7 @@
             <a:pPr algn="ctr"/>
             <a:r>
               <a:rPr lang="en-US" dirty="0" smtClean="0"/>
-              <a:t>Sprint 2</a:t>
+              <a:t>Sprint 1</a:t>
             </a:r>
             <a:endParaRPr lang="en-US" dirty="0"/>
           </a:p>
@@ -6224,14 +7715,14 @@
       </p:sp>
       <p:sp>
         <p:nvSpPr>
-          <p:cNvPr id="14" name="TextBox 13"/>
+          <p:cNvPr id="13" name="TextBox 12"/>
           <p:cNvSpPr txBox="1"/>
           <p:nvPr/>
         </p:nvSpPr>
         <p:spPr>
           <a:xfrm>
-            <a:off x="134394" y="3906858"/>
-            <a:ext cx="2242158" cy="369332"/>
+            <a:off x="0" y="3469483"/>
+            <a:ext cx="2510946" cy="369332"/>
           </a:xfrm>
           <a:prstGeom prst="rect">
             <a:avLst/>
@@ -6247,7 +7738,7 @@
             <a:pPr algn="ctr"/>
             <a:r>
               <a:rPr lang="en-US" dirty="0" smtClean="0"/>
-              <a:t>Sprint 3</a:t>
+              <a:t>Sprint 2</a:t>
             </a:r>
             <a:endParaRPr lang="en-US" dirty="0"/>
           </a:p>
@@ -6255,14 +7746,14 @@
       </p:sp>
       <p:sp>
         <p:nvSpPr>
-          <p:cNvPr id="3" name="TextBox 2"/>
+          <p:cNvPr id="14" name="TextBox 13"/>
           <p:cNvSpPr txBox="1"/>
           <p:nvPr/>
         </p:nvSpPr>
         <p:spPr>
           <a:xfrm>
-            <a:off x="2812774" y="2146726"/>
-            <a:ext cx="9233415" cy="4278094"/>
+            <a:off x="0" y="3906858"/>
+            <a:ext cx="2510946" cy="369332"/>
           </a:xfrm>
           <a:prstGeom prst="rect">
             <a:avLst/>
@@ -6275,171 +7766,125 @@
           </a:bodyPr>
           <a:lstStyle/>
           <a:p>
-            <a:r>
-              <a:rPr lang="en-IN" sz="2800" u="sng" dirty="0">
+            <a:pPr algn="ctr"/>
+            <a:r>
+              <a:rPr lang="en-US" dirty="0" smtClean="0"/>
+              <a:t>Sprint 3</a:t>
+            </a:r>
+            <a:endParaRPr lang="en-US" dirty="0"/>
+          </a:p>
+        </p:txBody>
+      </p:sp>
+      <p:sp>
+        <p:nvSpPr>
+          <p:cNvPr id="15" name="TextBox 14"/>
+          <p:cNvSpPr txBox="1"/>
+          <p:nvPr/>
+        </p:nvSpPr>
+        <p:spPr>
+          <a:xfrm>
+            <a:off x="3055918" y="1986455"/>
+            <a:ext cx="8297882" cy="4647426"/>
+          </a:xfrm>
+          <a:prstGeom prst="rect">
+            <a:avLst/>
+          </a:prstGeom>
+          <a:noFill/>
+        </p:spPr>
+        <p:txBody>
+          <a:bodyPr wrap="square" rtlCol="0">
+            <a:spAutoFit/>
+          </a:bodyPr>
+          <a:lstStyle/>
+          <a:p>
+            <a:pPr algn="ctr"/>
+            <a:r>
+              <a:rPr lang="en-IN" sz="3200" u="sng" dirty="0">
                 <a:latin typeface="+mj-lt"/>
               </a:rPr>
-              <a:t>M</a:t>
-            </a:r>
-            <a:r>
-              <a:rPr lang="en-IN" sz="2800" u="sng" dirty="0">
-                <a:latin typeface="+mj-lt"/>
+              <a:t>Our product tackles these issues by creating</a:t>
+            </a:r>
+          </a:p>
+          <a:p>
+            <a:endParaRPr lang="en-IN" sz="2400" dirty="0"/>
+          </a:p>
+          <a:p>
+            <a:pPr marL="342900" indent="-342900">
+              <a:buFont typeface="Arial" panose="020B0604020202020204" pitchFamily="34" charset="0"/>
+              <a:buChar char="•"/>
+            </a:pPr>
+            <a:r>
+              <a:rPr lang="en-IN" sz="2400" dirty="0">
+                <a:latin typeface="Bookman Old Style" panose="02050604050505020204" pitchFamily="18" charset="0"/>
               </a:rPr>
-              <a:t>icro </a:t>
-            </a:r>
-            <a:r>
-              <a:rPr lang="en-IN" sz="2800" u="sng" dirty="0">
-                <a:latin typeface="+mj-lt"/>
+              <a:t>A web application which implements the scheduling system. </a:t>
+            </a:r>
+            <a:endParaRPr lang="en-IN" sz="2400" dirty="0" smtClean="0">
+              <a:latin typeface="Bookman Old Style" panose="02050604050505020204" pitchFamily="18" charset="0"/>
+            </a:endParaRPr>
+          </a:p>
+          <a:p>
+            <a:pPr marL="342900" indent="-342900">
+              <a:buFont typeface="Arial" panose="020B0604020202020204" pitchFamily="34" charset="0"/>
+              <a:buChar char="•"/>
+            </a:pPr>
+            <a:endParaRPr lang="en-IN" sz="2400" dirty="0">
+              <a:latin typeface="Bookman Old Style" panose="02050604050505020204" pitchFamily="18" charset="0"/>
+            </a:endParaRPr>
+          </a:p>
+          <a:p>
+            <a:pPr marL="342900" indent="-342900">
+              <a:buFont typeface="Arial" panose="020B0604020202020204" pitchFamily="34" charset="0"/>
+              <a:buChar char="•"/>
+            </a:pPr>
+            <a:r>
+              <a:rPr lang="en-IN" sz="2400" dirty="0" smtClean="0">
+                <a:latin typeface="Bookman Old Style" panose="02050604050505020204" pitchFamily="18" charset="0"/>
               </a:rPr>
-              <a:t>S</a:t>
-            </a:r>
-            <a:r>
-              <a:rPr lang="en-IN" sz="2800" u="sng" dirty="0">
-                <a:latin typeface="+mj-lt"/>
+              <a:t>A natively </a:t>
+            </a:r>
+            <a:r>
+              <a:rPr lang="en-IN" sz="2400" dirty="0">
+                <a:latin typeface="Bookman Old Style" panose="02050604050505020204" pitchFamily="18" charset="0"/>
               </a:rPr>
-              <a:t>ervices </a:t>
-            </a:r>
-            <a:r>
-              <a:rPr lang="en-IN" sz="2800" u="sng" dirty="0">
-                <a:latin typeface="+mj-lt"/>
+              <a:t>developed algorithm which handles all the scheduling requests efficiently. </a:t>
+            </a:r>
+            <a:endParaRPr lang="en-IN" sz="2400" dirty="0" smtClean="0">
+              <a:latin typeface="Bookman Old Style" panose="02050604050505020204" pitchFamily="18" charset="0"/>
+            </a:endParaRPr>
+          </a:p>
+          <a:p>
+            <a:pPr marL="342900" indent="-342900">
+              <a:buFont typeface="Arial" panose="020B0604020202020204" pitchFamily="34" charset="0"/>
+              <a:buChar char="•"/>
+            </a:pPr>
+            <a:endParaRPr lang="en-IN" sz="2400" dirty="0">
+              <a:latin typeface="Bookman Old Style" panose="02050604050505020204" pitchFamily="18" charset="0"/>
+            </a:endParaRPr>
+          </a:p>
+          <a:p>
+            <a:pPr marL="342900" indent="-342900">
+              <a:buFont typeface="Arial" panose="020B0604020202020204" pitchFamily="34" charset="0"/>
+              <a:buChar char="•"/>
+            </a:pPr>
+            <a:r>
+              <a:rPr lang="en-IN" sz="2400" dirty="0" smtClean="0">
+                <a:latin typeface="Bookman Old Style" panose="02050604050505020204" pitchFamily="18" charset="0"/>
               </a:rPr>
-              <a:t>A</a:t>
-            </a:r>
-            <a:r>
-              <a:rPr lang="en-IN" sz="2800" u="sng" dirty="0">
-                <a:latin typeface="+mj-lt"/>
-              </a:rPr>
-              <a:t>rchitecture approach to build our </a:t>
-            </a:r>
-            <a:r>
-              <a:rPr lang="en-IN" sz="2800" u="sng" dirty="0" smtClean="0">
-                <a:latin typeface="+mj-lt"/>
-              </a:rPr>
-              <a:t>product </a:t>
-            </a:r>
-          </a:p>
-          <a:p>
-            <a:r>
-              <a:rPr lang="en-IN" sz="2800" u="sng" dirty="0" smtClean="0">
-                <a:latin typeface="+mj-lt"/>
-              </a:rPr>
-              <a:t> </a:t>
-            </a:r>
-            <a:endParaRPr lang="en-IN" sz="2800" u="sng" dirty="0">
-              <a:latin typeface="+mj-lt"/>
+              <a:t>Two different apps, one for students and the other for recruiters to efficiently handle all aspects of the career fair.</a:t>
+            </a:r>
+          </a:p>
+          <a:p>
+            <a:endParaRPr lang="en-IN" sz="2400" dirty="0" smtClean="0">
+              <a:latin typeface="Bookman Old Style" panose="02050604050505020204" pitchFamily="18" charset="0"/>
             </a:endParaRPr>
-          </a:p>
-          <a:p>
-            <a:pPr marL="285750" indent="-285750">
-              <a:buFont typeface="Wingdings" panose="05000000000000000000" pitchFamily="2" charset="2"/>
-              <a:buChar char="q"/>
-            </a:pPr>
-            <a:r>
-              <a:rPr lang="en-IN" dirty="0" smtClean="0"/>
-              <a:t>Web Client</a:t>
-            </a:r>
-          </a:p>
-          <a:p>
-            <a:pPr marL="742950" lvl="1" indent="-285750">
-              <a:buFont typeface="Wingdings" panose="05000000000000000000" pitchFamily="2" charset="2"/>
-              <a:buChar char="§"/>
-            </a:pPr>
-            <a:r>
-              <a:rPr lang="en-IN" dirty="0" smtClean="0"/>
-              <a:t>React.JS </a:t>
-            </a:r>
-            <a:r>
-              <a:rPr lang="en-IN" dirty="0"/>
-              <a:t>library allowing component driven development for easier scalability</a:t>
-            </a:r>
-            <a:r>
-              <a:rPr lang="en-IN" dirty="0" smtClean="0"/>
-              <a:t>.</a:t>
-            </a:r>
-          </a:p>
-          <a:p>
-            <a:pPr lvl="1"/>
-            <a:endParaRPr lang="en-IN" dirty="0"/>
-          </a:p>
-          <a:p>
-            <a:pPr marL="285750" indent="-285750">
-              <a:buFont typeface="Wingdings" panose="05000000000000000000" pitchFamily="2" charset="2"/>
-              <a:buChar char="q"/>
-            </a:pPr>
-            <a:r>
-              <a:rPr lang="en-IN" dirty="0"/>
-              <a:t>Back End </a:t>
-            </a:r>
-          </a:p>
-          <a:p>
-            <a:pPr marL="742950" lvl="1" indent="-285750">
-              <a:buFont typeface="Wingdings" panose="05000000000000000000" pitchFamily="2" charset="2"/>
-              <a:buChar char="§"/>
-            </a:pPr>
-            <a:r>
-              <a:rPr lang="en-IN" dirty="0" smtClean="0"/>
-              <a:t>Node Server – Handles all the communication between the algorithm and the web-client.  		      Also handles the interaction with the database.</a:t>
-            </a:r>
-          </a:p>
-          <a:p>
-            <a:pPr lvl="1"/>
-            <a:endParaRPr lang="en-IN" dirty="0" smtClean="0"/>
-          </a:p>
-          <a:p>
-            <a:pPr marL="742950" lvl="1" indent="-285750">
-              <a:buFont typeface="Wingdings" panose="05000000000000000000" pitchFamily="2" charset="2"/>
-              <a:buChar char="§"/>
-            </a:pPr>
-            <a:r>
-              <a:rPr lang="en-IN" dirty="0" smtClean="0"/>
-              <a:t>Java Server – Handles all the API routes for algorithm interaction using </a:t>
-            </a:r>
-            <a:r>
-              <a:rPr lang="en-IN" dirty="0"/>
-              <a:t>J</a:t>
-            </a:r>
-            <a:r>
-              <a:rPr lang="en-IN" dirty="0" smtClean="0"/>
-              <a:t>ersey framework.</a:t>
-            </a:r>
-          </a:p>
-          <a:p>
-            <a:pPr marL="742950" lvl="1" indent="-285750">
-              <a:buFont typeface="Wingdings" panose="05000000000000000000" pitchFamily="2" charset="2"/>
-              <a:buChar char="§"/>
-            </a:pPr>
-            <a:endParaRPr lang="en-IN" dirty="0" smtClean="0"/>
-          </a:p>
-          <a:p>
-            <a:pPr marL="285750" indent="-285750">
-              <a:buFont typeface="Wingdings" panose="05000000000000000000" pitchFamily="2" charset="2"/>
-              <a:buChar char="q"/>
-            </a:pPr>
-            <a:r>
-              <a:rPr lang="en-IN" dirty="0" smtClean="0"/>
-              <a:t>Database</a:t>
-            </a:r>
-          </a:p>
-          <a:p>
-            <a:pPr marL="742950" lvl="1" indent="-285750">
-              <a:buFont typeface="Wingdings" panose="05000000000000000000" pitchFamily="2" charset="2"/>
-              <a:buChar char="§"/>
-            </a:pPr>
-            <a:r>
-              <a:rPr lang="en-IN" dirty="0" smtClean="0"/>
-              <a:t>MongoDB database {insert advantage}</a:t>
-            </a:r>
-          </a:p>
-          <a:p>
-            <a:pPr lvl="1"/>
-            <a:endParaRPr lang="en-IN" dirty="0"/>
           </a:p>
         </p:txBody>
       </p:sp>
     </p:spTree>
     <p:extLst>
       <p:ext uri="{BB962C8B-B14F-4D97-AF65-F5344CB8AC3E}">
-        <p14:creationId xmlns:p14="http://schemas.microsoft.com/office/powerpoint/2010/main" val="1730761258"/>
+        <p14:creationId xmlns:p14="http://schemas.microsoft.com/office/powerpoint/2010/main" val="209927795"/>
       </p:ext>
     </p:extLst>
   </p:cSld>
@@ -6694,38 +8139,7 @@
         </p:nvSpPr>
         <p:spPr>
           <a:xfrm>
-            <a:off x="134394" y="2640813"/>
-            <a:ext cx="2242158" cy="369332"/>
-          </a:xfrm>
-          <a:prstGeom prst="rect">
-            <a:avLst/>
-          </a:prstGeom>
-          <a:noFill/>
-        </p:spPr>
-        <p:txBody>
-          <a:bodyPr wrap="square" rtlCol="0">
-            <a:spAutoFit/>
-          </a:bodyPr>
-          <a:lstStyle/>
-          <a:p>
-            <a:pPr algn="ctr"/>
-            <a:r>
-              <a:rPr lang="en-US" dirty="0" smtClean="0"/>
-              <a:t>Design Overview</a:t>
-            </a:r>
-            <a:endParaRPr lang="en-US" dirty="0"/>
-          </a:p>
-        </p:txBody>
-      </p:sp>
-      <p:sp>
-        <p:nvSpPr>
-          <p:cNvPr id="12" name="TextBox 11"/>
-          <p:cNvSpPr txBox="1"/>
-          <p:nvPr/>
-        </p:nvSpPr>
-        <p:spPr>
-          <a:xfrm>
-            <a:off x="0" y="3055148"/>
+            <a:off x="1" y="2631116"/>
             <a:ext cx="2510946" cy="369332"/>
           </a:xfrm>
           <a:prstGeom prst="rect">
@@ -6744,7 +8158,7 @@
             <a:pPr algn="ctr"/>
             <a:r>
               <a:rPr lang="en-US" dirty="0" smtClean="0"/>
-              <a:t>Sprint 1</a:t>
+              <a:t>Design Overview</a:t>
             </a:r>
             <a:endParaRPr lang="en-US" dirty="0"/>
           </a:p>
@@ -6752,13 +8166,13 @@
       </p:sp>
       <p:sp>
         <p:nvSpPr>
-          <p:cNvPr id="13" name="TextBox 12"/>
+          <p:cNvPr id="12" name="TextBox 11"/>
           <p:cNvSpPr txBox="1"/>
           <p:nvPr/>
         </p:nvSpPr>
         <p:spPr>
           <a:xfrm>
-            <a:off x="134394" y="3469483"/>
+            <a:off x="134394" y="3055148"/>
             <a:ext cx="2242158" cy="369332"/>
           </a:xfrm>
           <a:prstGeom prst="rect">
@@ -6775,7 +8189,7 @@
             <a:pPr algn="ctr"/>
             <a:r>
               <a:rPr lang="en-US" dirty="0" smtClean="0"/>
-              <a:t>Sprint 2</a:t>
+              <a:t>Sprint 1</a:t>
             </a:r>
             <a:endParaRPr lang="en-US" dirty="0"/>
           </a:p>
@@ -6783,13 +8197,13 @@
       </p:sp>
       <p:sp>
         <p:nvSpPr>
-          <p:cNvPr id="14" name="TextBox 13"/>
+          <p:cNvPr id="13" name="TextBox 12"/>
           <p:cNvSpPr txBox="1"/>
           <p:nvPr/>
         </p:nvSpPr>
         <p:spPr>
           <a:xfrm>
-            <a:off x="134394" y="3906858"/>
+            <a:off x="134394" y="3469483"/>
             <a:ext cx="2242158" cy="369332"/>
           </a:xfrm>
           <a:prstGeom prst="rect">
@@ -6806,7 +8220,7 @@
             <a:pPr algn="ctr"/>
             <a:r>
               <a:rPr lang="en-US" dirty="0" smtClean="0"/>
-              <a:t>Sprint 3</a:t>
+              <a:t>Sprint 2</a:t>
             </a:r>
             <a:endParaRPr lang="en-US" dirty="0"/>
           </a:p>
@@ -6814,14 +8228,14 @@
       </p:sp>
       <p:sp>
         <p:nvSpPr>
-          <p:cNvPr id="3" name="TextBox 2"/>
+          <p:cNvPr id="14" name="TextBox 13"/>
           <p:cNvSpPr txBox="1"/>
           <p:nvPr/>
         </p:nvSpPr>
         <p:spPr>
           <a:xfrm>
-            <a:off x="3250096" y="2067339"/>
-            <a:ext cx="8179904" cy="4493538"/>
+            <a:off x="134394" y="3906858"/>
+            <a:ext cx="2242158" cy="369332"/>
           </a:xfrm>
           <a:prstGeom prst="rect">
             <a:avLst/>
@@ -6836,85 +8250,170 @@
           <a:p>
             <a:pPr algn="ctr"/>
             <a:r>
+              <a:rPr lang="en-US" dirty="0" smtClean="0"/>
+              <a:t>Sprint 3</a:t>
+            </a:r>
+            <a:endParaRPr lang="en-US" dirty="0"/>
+          </a:p>
+        </p:txBody>
+      </p:sp>
+      <p:sp>
+        <p:nvSpPr>
+          <p:cNvPr id="3" name="TextBox 2"/>
+          <p:cNvSpPr txBox="1"/>
+          <p:nvPr/>
+        </p:nvSpPr>
+        <p:spPr>
+          <a:xfrm>
+            <a:off x="2812774" y="2146726"/>
+            <a:ext cx="9233415" cy="4278094"/>
+          </a:xfrm>
+          <a:prstGeom prst="rect">
+            <a:avLst/>
+          </a:prstGeom>
+          <a:noFill/>
+        </p:spPr>
+        <p:txBody>
+          <a:bodyPr wrap="square" rtlCol="0">
+            <a:spAutoFit/>
+          </a:bodyPr>
+          <a:lstStyle/>
+          <a:p>
+            <a:r>
               <a:rPr lang="en-IN" sz="2800" u="sng" dirty="0">
                 <a:latin typeface="+mj-lt"/>
               </a:rPr>
-              <a:t>Sprint 1 - Recap</a:t>
-            </a:r>
-          </a:p>
-          <a:p>
-            <a:endParaRPr lang="en-IN" dirty="0"/>
-          </a:p>
-          <a:p>
-            <a:r>
-              <a:rPr lang="en-IN" sz="2000" dirty="0">
-                <a:latin typeface="Bookman Old Style" panose="02050604050505020204" pitchFamily="18" charset="0"/>
+              <a:t>Micro Services Architecture approach to build our </a:t>
+            </a:r>
+            <a:r>
+              <a:rPr lang="en-IN" sz="2800" u="sng" dirty="0" smtClean="0">
+                <a:latin typeface="+mj-lt"/>
               </a:rPr>
-              <a:t>A lot of time was spent on learning technologies.</a:t>
-            </a:r>
-          </a:p>
-          <a:p>
-            <a:r>
-              <a:rPr lang="en-IN" sz="2000" dirty="0">
-                <a:latin typeface="Bookman Old Style" panose="02050604050505020204" pitchFamily="18" charset="0"/>
+              <a:t>product </a:t>
+            </a:r>
+          </a:p>
+          <a:p>
+            <a:r>
+              <a:rPr lang="en-IN" sz="2800" u="sng" dirty="0" smtClean="0">
+                <a:latin typeface="+mj-lt"/>
               </a:rPr>
               <a:t> </a:t>
             </a:r>
-          </a:p>
-          <a:p>
-            <a:r>
-              <a:rPr lang="en-IN" sz="2000" dirty="0">
-                <a:latin typeface="Bookman Old Style" panose="02050604050505020204" pitchFamily="18" charset="0"/>
-              </a:rPr>
-              <a:t>Front – End </a:t>
-            </a:r>
-            <a:r>
-              <a:rPr lang="en-IN" sz="2000" dirty="0">
-                <a:latin typeface="Bookman Old Style" panose="02050604050505020204" pitchFamily="18" charset="0"/>
-                <a:sym typeface="Wingdings" panose="05000000000000000000" pitchFamily="2" charset="2"/>
-              </a:rPr>
-              <a:t> Created basic responsive web pages which were the foundation of all the work done in Sprint 2 and Sprint 3. </a:t>
-            </a:r>
-          </a:p>
-          <a:p>
-            <a:endParaRPr lang="en-IN" sz="2000" dirty="0">
-              <a:latin typeface="Bookman Old Style" panose="02050604050505020204" pitchFamily="18" charset="0"/>
-              <a:sym typeface="Wingdings" panose="05000000000000000000" pitchFamily="2" charset="2"/>
+            <a:endParaRPr lang="en-IN" sz="2800" u="sng" dirty="0">
+              <a:latin typeface="+mj-lt"/>
             </a:endParaRPr>
           </a:p>
           <a:p>
-            <a:r>
-              <a:rPr lang="en-IN" sz="2000" dirty="0">
-                <a:latin typeface="Bookman Old Style" panose="02050604050505020204" pitchFamily="18" charset="0"/>
-                <a:sym typeface="Wingdings" panose="05000000000000000000" pitchFamily="2" charset="2"/>
-              </a:rPr>
-              <a:t>Back – End  Connected the database and the two separate web apps (Student and Recruiter) so that everything could interact with each other.</a:t>
-            </a:r>
-          </a:p>
-          <a:p>
-            <a:endParaRPr lang="en-IN" sz="2000" dirty="0">
-              <a:latin typeface="Bookman Old Style" panose="02050604050505020204" pitchFamily="18" charset="0"/>
-              <a:sym typeface="Wingdings" panose="05000000000000000000" pitchFamily="2" charset="2"/>
-            </a:endParaRPr>
-          </a:p>
-          <a:p>
-            <a:r>
-              <a:rPr lang="en-IN" sz="2000" dirty="0">
-                <a:latin typeface="Bookman Old Style" panose="02050604050505020204" pitchFamily="18" charset="0"/>
-                <a:sym typeface="Wingdings" panose="05000000000000000000" pitchFamily="2" charset="2"/>
-              </a:rPr>
-              <a:t>Database  The database was set up to store the companies and the students and interact with the web client through the back end.</a:t>
-            </a:r>
-            <a:endParaRPr lang="en-IN" sz="2000" dirty="0">
-              <a:latin typeface="Bookman Old Style" panose="02050604050505020204" pitchFamily="18" charset="0"/>
-            </a:endParaRPr>
+            <a:pPr marL="285750" indent="-285750">
+              <a:buFont typeface="Wingdings" panose="05000000000000000000" pitchFamily="2" charset="2"/>
+              <a:buChar char="q"/>
+            </a:pPr>
+            <a:r>
+              <a:rPr lang="en-IN" dirty="0" smtClean="0"/>
+              <a:t>Web Client</a:t>
+            </a:r>
+          </a:p>
+          <a:p>
+            <a:pPr marL="742950" lvl="1" indent="-285750">
+              <a:buFont typeface="Wingdings" panose="05000000000000000000" pitchFamily="2" charset="2"/>
+              <a:buChar char="§"/>
+            </a:pPr>
+            <a:r>
+              <a:rPr lang="en-IN" dirty="0" smtClean="0"/>
+              <a:t>React.JS </a:t>
+            </a:r>
+            <a:r>
+              <a:rPr lang="en-IN" dirty="0"/>
+              <a:t>library allowing component driven development for easier scalability</a:t>
+            </a:r>
+            <a:r>
+              <a:rPr lang="en-IN" dirty="0" smtClean="0"/>
+              <a:t>.</a:t>
+            </a:r>
+          </a:p>
+          <a:p>
+            <a:pPr lvl="1"/>
+            <a:endParaRPr lang="en-IN" dirty="0"/>
+          </a:p>
+          <a:p>
+            <a:pPr marL="285750" indent="-285750">
+              <a:buFont typeface="Wingdings" panose="05000000000000000000" pitchFamily="2" charset="2"/>
+              <a:buChar char="q"/>
+            </a:pPr>
+            <a:r>
+              <a:rPr lang="en-IN" dirty="0"/>
+              <a:t>Back End </a:t>
+            </a:r>
+          </a:p>
+          <a:p>
+            <a:pPr marL="742950" lvl="1" indent="-285750">
+              <a:buFont typeface="Wingdings" panose="05000000000000000000" pitchFamily="2" charset="2"/>
+              <a:buChar char="§"/>
+            </a:pPr>
+            <a:r>
+              <a:rPr lang="en-IN" dirty="0" smtClean="0"/>
+              <a:t>Node Server – Handles all the communication between the algorithm and the web-client.  		      Also handles the interaction with the database.</a:t>
+            </a:r>
+          </a:p>
+          <a:p>
+            <a:pPr lvl="1"/>
+            <a:endParaRPr lang="en-IN" dirty="0" smtClean="0"/>
+          </a:p>
+          <a:p>
+            <a:pPr marL="742950" lvl="1" indent="-285750">
+              <a:buFont typeface="Wingdings" panose="05000000000000000000" pitchFamily="2" charset="2"/>
+              <a:buChar char="§"/>
+            </a:pPr>
+            <a:r>
+              <a:rPr lang="en-IN" dirty="0" smtClean="0"/>
+              <a:t>Java Server – Handles all the API routes for algorithm interaction using </a:t>
+            </a:r>
+            <a:r>
+              <a:rPr lang="en-IN" dirty="0"/>
+              <a:t>J</a:t>
+            </a:r>
+            <a:r>
+              <a:rPr lang="en-IN" dirty="0" smtClean="0"/>
+              <a:t>ersey framework.</a:t>
+            </a:r>
+          </a:p>
+          <a:p>
+            <a:pPr marL="742950" lvl="1" indent="-285750">
+              <a:buFont typeface="Wingdings" panose="05000000000000000000" pitchFamily="2" charset="2"/>
+              <a:buChar char="§"/>
+            </a:pPr>
+            <a:endParaRPr lang="en-IN" dirty="0" smtClean="0"/>
+          </a:p>
+          <a:p>
+            <a:pPr marL="285750" indent="-285750">
+              <a:buFont typeface="Wingdings" panose="05000000000000000000" pitchFamily="2" charset="2"/>
+              <a:buChar char="q"/>
+            </a:pPr>
+            <a:r>
+              <a:rPr lang="en-IN" dirty="0" smtClean="0"/>
+              <a:t>Database</a:t>
+            </a:r>
+          </a:p>
+          <a:p>
+            <a:pPr marL="742950" lvl="1" indent="-285750">
+              <a:buFont typeface="Wingdings" panose="05000000000000000000" pitchFamily="2" charset="2"/>
+              <a:buChar char="§"/>
+            </a:pPr>
+            <a:r>
+              <a:rPr lang="en-IN" dirty="0" smtClean="0"/>
+              <a:t>MongoDB database {insert advantage}</a:t>
+            </a:r>
+          </a:p>
+          <a:p>
+            <a:pPr lvl="1"/>
+            <a:endParaRPr lang="en-IN" dirty="0"/>
           </a:p>
         </p:txBody>
       </p:sp>
     </p:spTree>
     <p:extLst>
       <p:ext uri="{BB962C8B-B14F-4D97-AF65-F5344CB8AC3E}">
-        <p14:creationId xmlns:p14="http://schemas.microsoft.com/office/powerpoint/2010/main" val="1756002299"/>
+        <p14:creationId xmlns:p14="http://schemas.microsoft.com/office/powerpoint/2010/main" val="1730761258"/>
       </p:ext>
     </p:extLst>
   </p:cSld>
@@ -7066,7 +8565,19 @@
           <a:lstStyle/>
           <a:p>
             <a:pPr algn="ctr"/>
-            <a:endParaRPr lang="en-US"/>
+            <a:r>
+              <a:rPr lang="en-US" sz="4000" dirty="0" smtClean="0"/>
+              <a:t>Previously on </a:t>
+            </a:r>
+            <a:r>
+              <a:rPr lang="en-US" sz="4000" dirty="0" err="1" smtClean="0"/>
+              <a:t>myPQue</a:t>
+            </a:r>
+            <a:r>
+              <a:rPr lang="is-IS" sz="4000" dirty="0" smtClean="0"/>
+              <a:t>…</a:t>
+            </a:r>
+            <a:endParaRPr lang="en-US" sz="4000" dirty="0"/>
           </a:p>
         </p:txBody>
       </p:sp>
@@ -7081,7 +8592,7 @@
           </p:nvPr>
         </p:nvPicPr>
         <p:blipFill>
-          <a:blip r:embed="rId2">
+          <a:blip r:embed="rId3">
             <a:extLst>
               <a:ext uri="{28A0092B-C50C-407E-A947-70E740481C1C}">
                 <a14:useLocalDpi xmlns:a14="http://schemas.microsoft.com/office/drawing/2010/main" val="0"/>
@@ -7200,38 +8711,7 @@
         </p:nvSpPr>
         <p:spPr>
           <a:xfrm>
-            <a:off x="134394" y="3055148"/>
-            <a:ext cx="2242158" cy="369332"/>
-          </a:xfrm>
-          <a:prstGeom prst="rect">
-            <a:avLst/>
-          </a:prstGeom>
-          <a:noFill/>
-        </p:spPr>
-        <p:txBody>
-          <a:bodyPr wrap="square" rtlCol="0">
-            <a:spAutoFit/>
-          </a:bodyPr>
-          <a:lstStyle/>
-          <a:p>
-            <a:pPr algn="ctr"/>
-            <a:r>
-              <a:rPr lang="en-US" dirty="0" smtClean="0"/>
-              <a:t>Sprint 1</a:t>
-            </a:r>
-            <a:endParaRPr lang="en-US" dirty="0"/>
-          </a:p>
-        </p:txBody>
-      </p:sp>
-      <p:sp>
-        <p:nvSpPr>
-          <p:cNvPr id="13" name="TextBox 12"/>
-          <p:cNvSpPr txBox="1"/>
-          <p:nvPr/>
-        </p:nvSpPr>
-        <p:spPr>
-          <a:xfrm>
-            <a:off x="1" y="3469483"/>
+            <a:off x="0" y="3055148"/>
             <a:ext cx="2510946" cy="369332"/>
           </a:xfrm>
           <a:prstGeom prst="rect">
@@ -7250,7 +8730,7 @@
             <a:pPr algn="ctr"/>
             <a:r>
               <a:rPr lang="en-US" dirty="0" smtClean="0"/>
-              <a:t>Sprint 2</a:t>
+              <a:t>Sprint 1</a:t>
             </a:r>
             <a:endParaRPr lang="en-US" dirty="0"/>
           </a:p>
@@ -7258,13 +8738,13 @@
       </p:sp>
       <p:sp>
         <p:nvSpPr>
-          <p:cNvPr id="14" name="TextBox 13"/>
+          <p:cNvPr id="13" name="TextBox 12"/>
           <p:cNvSpPr txBox="1"/>
           <p:nvPr/>
         </p:nvSpPr>
         <p:spPr>
           <a:xfrm>
-            <a:off x="134394" y="3906858"/>
+            <a:off x="134394" y="3469483"/>
             <a:ext cx="2242158" cy="369332"/>
           </a:xfrm>
           <a:prstGeom prst="rect">
@@ -7281,7 +8761,7 @@
             <a:pPr algn="ctr"/>
             <a:r>
               <a:rPr lang="en-US" dirty="0" smtClean="0"/>
-              <a:t>Sprint 3</a:t>
+              <a:t>Sprint 2</a:t>
             </a:r>
             <a:endParaRPr lang="en-US" dirty="0"/>
           </a:p>
@@ -7289,14 +8769,14 @@
       </p:sp>
       <p:sp>
         <p:nvSpPr>
-          <p:cNvPr id="15" name="TextBox 14"/>
+          <p:cNvPr id="14" name="TextBox 13"/>
           <p:cNvSpPr txBox="1"/>
           <p:nvPr/>
         </p:nvSpPr>
         <p:spPr>
           <a:xfrm>
-            <a:off x="3261521" y="1958480"/>
-            <a:ext cx="8364422" cy="4185761"/>
+            <a:off x="134394" y="3906858"/>
+            <a:ext cx="2242158" cy="369332"/>
           </a:xfrm>
           <a:prstGeom prst="rect">
             <a:avLst/>
@@ -7311,22 +8791,41 @@
           <a:p>
             <a:pPr algn="ctr"/>
             <a:r>
+              <a:rPr lang="en-US" dirty="0" smtClean="0"/>
+              <a:t>Sprint 3</a:t>
+            </a:r>
+            <a:endParaRPr lang="en-US" dirty="0"/>
+          </a:p>
+        </p:txBody>
+      </p:sp>
+      <p:sp>
+        <p:nvSpPr>
+          <p:cNvPr id="3" name="TextBox 2"/>
+          <p:cNvSpPr txBox="1"/>
+          <p:nvPr/>
+        </p:nvSpPr>
+        <p:spPr>
+          <a:xfrm>
+            <a:off x="3250096" y="2067339"/>
+            <a:ext cx="8179904" cy="4493538"/>
+          </a:xfrm>
+          <a:prstGeom prst="rect">
+            <a:avLst/>
+          </a:prstGeom>
+          <a:noFill/>
+        </p:spPr>
+        <p:txBody>
+          <a:bodyPr wrap="square" rtlCol="0">
+            <a:spAutoFit/>
+          </a:bodyPr>
+          <a:lstStyle/>
+          <a:p>
+            <a:pPr algn="ctr"/>
+            <a:r>
               <a:rPr lang="en-IN" sz="2800" u="sng" dirty="0">
                 <a:latin typeface="+mj-lt"/>
               </a:rPr>
-              <a:t>Sprint </a:t>
-            </a:r>
-            <a:r>
-              <a:rPr lang="en-IN" sz="2800" u="sng" dirty="0" smtClean="0">
-                <a:latin typeface="+mj-lt"/>
-              </a:rPr>
-              <a:t>2 </a:t>
-            </a:r>
-            <a:r>
-              <a:rPr lang="en-IN" sz="2800" u="sng" dirty="0">
-                <a:latin typeface="+mj-lt"/>
-              </a:rPr>
-              <a:t>- Recap</a:t>
+              <a:t>Sprint 1 - Recap</a:t>
             </a:r>
           </a:p>
           <a:p>
@@ -7334,14 +8833,11 @@
           </a:p>
           <a:p>
             <a:r>
-              <a:rPr lang="en-IN" sz="2000" dirty="0" smtClean="0">
+              <a:rPr lang="en-IN" sz="2000" dirty="0">
                 <a:latin typeface="Bookman Old Style" panose="02050604050505020204" pitchFamily="18" charset="0"/>
               </a:rPr>
-              <a:t>Time was spent on learning technologies as new functionalities had to be implemented.</a:t>
-            </a:r>
-            <a:endParaRPr lang="en-IN" sz="2000" dirty="0">
-              <a:latin typeface="Bookman Old Style" panose="02050604050505020204" pitchFamily="18" charset="0"/>
-            </a:endParaRPr>
+              <a:t>A lot of time was spent on learning technologies.</a:t>
+            </a:r>
           </a:p>
           <a:p>
             <a:r>
@@ -7353,31 +8849,35 @@
           </a:p>
           <a:p>
             <a:r>
-              <a:rPr lang="en-IN" sz="2000" dirty="0" smtClean="0">
+              <a:rPr lang="en-IN" sz="2000" dirty="0">
                 <a:latin typeface="Bookman Old Style" panose="02050604050505020204" pitchFamily="18" charset="0"/>
               </a:rPr>
-              <a:t>Front–end </a:t>
+              <a:t>Front – End </a:t>
             </a:r>
             <a:r>
               <a:rPr lang="en-IN" sz="2000" dirty="0">
                 <a:latin typeface="Bookman Old Style" panose="02050604050505020204" pitchFamily="18" charset="0"/>
                 <a:sym typeface="Wingdings" panose="05000000000000000000" pitchFamily="2" charset="2"/>
               </a:rPr>
-              <a:t> </a:t>
-            </a:r>
-            <a:r>
-              <a:rPr lang="en-IN" sz="2000" dirty="0" smtClean="0">
-                <a:latin typeface="Bookman Old Style" panose="02050604050505020204" pitchFamily="18" charset="0"/>
-                <a:sym typeface="Wingdings" panose="05000000000000000000" pitchFamily="2" charset="2"/>
-              </a:rPr>
-              <a:t>Creating the filtering functionality with multiple filters.</a:t>
-            </a:r>
+              <a:t> Created basic responsive web pages which were the foundation of all the work done in Sprint 2 and Sprint 3. </a:t>
+            </a:r>
+          </a:p>
+          <a:p>
             <a:endParaRPr lang="en-IN" sz="2000" dirty="0">
               <a:latin typeface="Bookman Old Style" panose="02050604050505020204" pitchFamily="18" charset="0"/>
               <a:sym typeface="Wingdings" panose="05000000000000000000" pitchFamily="2" charset="2"/>
             </a:endParaRPr>
           </a:p>
           <a:p>
+            <a:r>
+              <a:rPr lang="en-IN" sz="2000" dirty="0">
+                <a:latin typeface="Bookman Old Style" panose="02050604050505020204" pitchFamily="18" charset="0"/>
+                <a:sym typeface="Wingdings" panose="05000000000000000000" pitchFamily="2" charset="2"/>
+              </a:rPr>
+              <a:t>Back – End  Connected the database and the two separate web apps (Student and Recruiter) so that everything could interact with each other.</a:t>
+            </a:r>
+          </a:p>
+          <a:p>
             <a:endParaRPr lang="en-IN" sz="2000" dirty="0">
               <a:latin typeface="Bookman Old Style" panose="02050604050505020204" pitchFamily="18" charset="0"/>
               <a:sym typeface="Wingdings" panose="05000000000000000000" pitchFamily="2" charset="2"/>
@@ -7389,29 +8889,7 @@
                 <a:latin typeface="Bookman Old Style" panose="02050604050505020204" pitchFamily="18" charset="0"/>
                 <a:sym typeface="Wingdings" panose="05000000000000000000" pitchFamily="2" charset="2"/>
               </a:rPr>
-              <a:t>Back – End </a:t>
-            </a:r>
-            <a:r>
-              <a:rPr lang="en-IN" sz="2000" dirty="0" smtClean="0">
-                <a:latin typeface="Bookman Old Style" panose="02050604050505020204" pitchFamily="18" charset="0"/>
-                <a:sym typeface="Wingdings" panose="05000000000000000000" pitchFamily="2" charset="2"/>
-              </a:rPr>
-              <a:t> The two apps were linked together making sure all the routes work and interaction with database works.</a:t>
-            </a:r>
-          </a:p>
-          <a:p>
-            <a:endParaRPr lang="en-IN" sz="2000" dirty="0">
-              <a:latin typeface="Bookman Old Style" panose="02050604050505020204" pitchFamily="18" charset="0"/>
-              <a:sym typeface="Wingdings" panose="05000000000000000000" pitchFamily="2" charset="2"/>
-            </a:endParaRPr>
-          </a:p>
-          <a:p>
-            <a:r>
-              <a:rPr lang="en-IN" sz="2000" dirty="0" smtClean="0">
-                <a:latin typeface="Bookman Old Style" panose="02050604050505020204" pitchFamily="18" charset="0"/>
-                <a:sym typeface="Wingdings" panose="05000000000000000000" pitchFamily="2" charset="2"/>
-              </a:rPr>
-              <a:t>Algorithm  The algorithm was natively developed, tested and optimized.</a:t>
+              <a:t>Database  The database was set up to store the companies and the students and interact with the web client through the back end.</a:t>
             </a:r>
             <a:endParaRPr lang="en-IN" sz="2000" dirty="0">
               <a:latin typeface="Bookman Old Style" panose="02050604050505020204" pitchFamily="18" charset="0"/>
@@ -7422,7 +8900,7 @@
     </p:spTree>
     <p:extLst>
       <p:ext uri="{BB962C8B-B14F-4D97-AF65-F5344CB8AC3E}">
-        <p14:creationId xmlns:p14="http://schemas.microsoft.com/office/powerpoint/2010/main" val="195024663"/>
+        <p14:creationId xmlns:p14="http://schemas.microsoft.com/office/powerpoint/2010/main" val="1756002299"/>
       </p:ext>
     </p:extLst>
   </p:cSld>
@@ -7432,9 +8910,137 @@
   <p:timing>
     <p:tnLst>
       <p:par>
-        <p:cTn id="1" dur="indefinite" restart="never" nodeType="tmRoot"/>
+        <p:cTn id="1" dur="indefinite" restart="never" nodeType="tmRoot">
+          <p:childTnLst>
+            <p:seq concurrent="1" nextAc="seek">
+              <p:cTn id="2" dur="indefinite" nodeType="mainSeq">
+                <p:childTnLst>
+                  <p:par>
+                    <p:cTn id="3" fill="hold">
+                      <p:stCondLst>
+                        <p:cond delay="indefinite"/>
+                      </p:stCondLst>
+                      <p:childTnLst>
+                        <p:par>
+                          <p:cTn id="4" fill="hold">
+                            <p:stCondLst>
+                              <p:cond delay="0"/>
+                            </p:stCondLst>
+                            <p:childTnLst>
+                              <p:par>
+                                <p:cTn id="5" presetID="1" presetClass="entr" presetSubtype="0" fill="hold" nodeType="clickEffect">
+                                  <p:stCondLst>
+                                    <p:cond delay="0"/>
+                                  </p:stCondLst>
+                                  <p:childTnLst>
+                                    <p:set>
+                                      <p:cBhvr>
+                                        <p:cTn id="6" dur="1" fill="hold">
+                                          <p:stCondLst>
+                                            <p:cond delay="0"/>
+                                          </p:stCondLst>
+                                        </p:cTn>
+                                        <p:tgtEl>
+                                          <p:spTgt spid="6">
+                                            <p:txEl>
+                                              <p:pRg st="0" end="0"/>
+                                            </p:txEl>
+                                          </p:spTgt>
+                                        </p:tgtEl>
+                                        <p:attrNameLst>
+                                          <p:attrName>style.visibility</p:attrName>
+                                        </p:attrNameLst>
+                                      </p:cBhvr>
+                                      <p:to>
+                                        <p:strVal val="visible"/>
+                                      </p:to>
+                                    </p:set>
+                                  </p:childTnLst>
+                                </p:cTn>
+                              </p:par>
+                            </p:childTnLst>
+                          </p:cTn>
+                        </p:par>
+                      </p:childTnLst>
+                    </p:cTn>
+                  </p:par>
+                  <p:par>
+                    <p:cTn id="7" fill="hold">
+                      <p:stCondLst>
+                        <p:cond delay="indefinite"/>
+                      </p:stCondLst>
+                      <p:childTnLst>
+                        <p:par>
+                          <p:cTn id="8" fill="hold">
+                            <p:stCondLst>
+                              <p:cond delay="0"/>
+                            </p:stCondLst>
+                            <p:childTnLst>
+                              <p:par>
+                                <p:cTn id="9" presetID="6" presetClass="entr" presetSubtype="16" fill="hold" grpId="0" nodeType="clickEffect">
+                                  <p:stCondLst>
+                                    <p:cond delay="0"/>
+                                  </p:stCondLst>
+                                  <p:childTnLst>
+                                    <p:set>
+                                      <p:cBhvr>
+                                        <p:cTn id="10" dur="1" fill="hold">
+                                          <p:stCondLst>
+                                            <p:cond delay="0"/>
+                                          </p:stCondLst>
+                                        </p:cTn>
+                                        <p:tgtEl>
+                                          <p:spTgt spid="3"/>
+                                        </p:tgtEl>
+                                        <p:attrNameLst>
+                                          <p:attrName>style.visibility</p:attrName>
+                                        </p:attrNameLst>
+                                      </p:cBhvr>
+                                      <p:to>
+                                        <p:strVal val="visible"/>
+                                      </p:to>
+                                    </p:set>
+                                    <p:animEffect transition="in" filter="circle(in)">
+                                      <p:cBhvr>
+                                        <p:cTn id="11" dur="2000"/>
+                                        <p:tgtEl>
+                                          <p:spTgt spid="3"/>
+                                        </p:tgtEl>
+                                      </p:cBhvr>
+                                    </p:animEffect>
+                                  </p:childTnLst>
+                                </p:cTn>
+                              </p:par>
+                            </p:childTnLst>
+                          </p:cTn>
+                        </p:par>
+                      </p:childTnLst>
+                    </p:cTn>
+                  </p:par>
+                </p:childTnLst>
+              </p:cTn>
+              <p:prevCondLst>
+                <p:cond evt="onPrev" delay="0">
+                  <p:tgtEl>
+                    <p:sldTgt/>
+                  </p:tgtEl>
+                </p:cond>
+              </p:prevCondLst>
+              <p:nextCondLst>
+                <p:cond evt="onNext" delay="0">
+                  <p:tgtEl>
+                    <p:sldTgt/>
+                  </p:tgtEl>
+                </p:cond>
+              </p:nextCondLst>
+            </p:seq>
+          </p:childTnLst>
+        </p:cTn>
       </p:par>
     </p:tnLst>
+    <p:bldLst>
+      <p:bldP spid="3" grpId="0"/>
+    </p:bldLst>
   </p:timing>
 </p:sld>
 </file>
@@ -7574,7 +9180,19 @@
           <a:lstStyle/>
           <a:p>
             <a:pPr algn="ctr"/>
-            <a:endParaRPr lang="en-US"/>
+            <a:r>
+              <a:rPr lang="en-US" sz="4000" dirty="0"/>
+              <a:t>Previously on </a:t>
+            </a:r>
+            <a:r>
+              <a:rPr lang="en-US" sz="4000" dirty="0" err="1"/>
+              <a:t>myPQue</a:t>
+            </a:r>
+            <a:r>
+              <a:rPr lang="is-IS" sz="4000" dirty="0"/>
+              <a:t>…</a:t>
+            </a:r>
+            <a:endParaRPr lang="en-US" sz="4000" dirty="0"/>
           </a:p>
         </p:txBody>
       </p:sp>
@@ -7739,38 +9357,7 @@
         </p:nvSpPr>
         <p:spPr>
           <a:xfrm>
-            <a:off x="134394" y="3469483"/>
-            <a:ext cx="2242158" cy="369332"/>
-          </a:xfrm>
-          <a:prstGeom prst="rect">
-            <a:avLst/>
-          </a:prstGeom>
-          <a:noFill/>
-        </p:spPr>
-        <p:txBody>
-          <a:bodyPr wrap="square" rtlCol="0">
-            <a:spAutoFit/>
-          </a:bodyPr>
-          <a:lstStyle/>
-          <a:p>
-            <a:pPr algn="ctr"/>
-            <a:r>
-              <a:rPr lang="en-US" dirty="0" smtClean="0"/>
-              <a:t>Sprint 2</a:t>
-            </a:r>
-            <a:endParaRPr lang="en-US" dirty="0"/>
-          </a:p>
-        </p:txBody>
-      </p:sp>
-      <p:sp>
-        <p:nvSpPr>
-          <p:cNvPr id="14" name="TextBox 13"/>
-          <p:cNvSpPr txBox="1"/>
-          <p:nvPr/>
-        </p:nvSpPr>
-        <p:spPr>
-          <a:xfrm>
-            <a:off x="0" y="3906858"/>
+            <a:off x="1" y="3469483"/>
             <a:ext cx="2510946" cy="369332"/>
           </a:xfrm>
           <a:prstGeom prst="rect">
@@ -7789,16 +9376,179 @@
             <a:pPr algn="ctr"/>
             <a:r>
               <a:rPr lang="en-US" dirty="0" smtClean="0"/>
+              <a:t>Sprint 2</a:t>
+            </a:r>
+            <a:endParaRPr lang="en-US" dirty="0"/>
+          </a:p>
+        </p:txBody>
+      </p:sp>
+      <p:sp>
+        <p:nvSpPr>
+          <p:cNvPr id="14" name="TextBox 13"/>
+          <p:cNvSpPr txBox="1"/>
+          <p:nvPr/>
+        </p:nvSpPr>
+        <p:spPr>
+          <a:xfrm>
+            <a:off x="134394" y="3906858"/>
+            <a:ext cx="2242158" cy="369332"/>
+          </a:xfrm>
+          <a:prstGeom prst="rect">
+            <a:avLst/>
+          </a:prstGeom>
+          <a:noFill/>
+        </p:spPr>
+        <p:txBody>
+          <a:bodyPr wrap="square" rtlCol="0">
+            <a:spAutoFit/>
+          </a:bodyPr>
+          <a:lstStyle/>
+          <a:p>
+            <a:pPr algn="ctr"/>
+            <a:r>
+              <a:rPr lang="en-US" dirty="0" smtClean="0"/>
               <a:t>Sprint 3</a:t>
             </a:r>
             <a:endParaRPr lang="en-US" dirty="0"/>
+          </a:p>
+        </p:txBody>
+      </p:sp>
+      <p:sp>
+        <p:nvSpPr>
+          <p:cNvPr id="15" name="TextBox 14"/>
+          <p:cNvSpPr txBox="1"/>
+          <p:nvPr/>
+        </p:nvSpPr>
+        <p:spPr>
+          <a:xfrm>
+            <a:off x="3261521" y="1958480"/>
+            <a:ext cx="8364422" cy="4185761"/>
+          </a:xfrm>
+          <a:prstGeom prst="rect">
+            <a:avLst/>
+          </a:prstGeom>
+          <a:noFill/>
+        </p:spPr>
+        <p:txBody>
+          <a:bodyPr wrap="square" rtlCol="0">
+            <a:spAutoFit/>
+          </a:bodyPr>
+          <a:lstStyle/>
+          <a:p>
+            <a:pPr algn="ctr"/>
+            <a:r>
+              <a:rPr lang="en-IN" sz="2800" u="sng" dirty="0">
+                <a:latin typeface="+mj-lt"/>
+              </a:rPr>
+              <a:t>Sprint </a:t>
+            </a:r>
+            <a:r>
+              <a:rPr lang="en-IN" sz="2800" u="sng" dirty="0" smtClean="0">
+                <a:latin typeface="+mj-lt"/>
+              </a:rPr>
+              <a:t>2 </a:t>
+            </a:r>
+            <a:r>
+              <a:rPr lang="en-IN" sz="2800" u="sng" dirty="0">
+                <a:latin typeface="+mj-lt"/>
+              </a:rPr>
+              <a:t>- Recap</a:t>
+            </a:r>
+          </a:p>
+          <a:p>
+            <a:endParaRPr lang="en-IN" dirty="0"/>
+          </a:p>
+          <a:p>
+            <a:r>
+              <a:rPr lang="en-IN" sz="2000" dirty="0" smtClean="0">
+                <a:latin typeface="Bookman Old Style" panose="02050604050505020204" pitchFamily="18" charset="0"/>
+              </a:rPr>
+              <a:t>Time was spent on learning technologies as new functionalities had to be implemented.</a:t>
+            </a:r>
+            <a:endParaRPr lang="en-IN" sz="2000" dirty="0">
+              <a:latin typeface="Bookman Old Style" panose="02050604050505020204" pitchFamily="18" charset="0"/>
+            </a:endParaRPr>
+          </a:p>
+          <a:p>
+            <a:r>
+              <a:rPr lang="en-IN" sz="2000" dirty="0">
+                <a:latin typeface="Bookman Old Style" panose="02050604050505020204" pitchFamily="18" charset="0"/>
+              </a:rPr>
+              <a:t> </a:t>
+            </a:r>
+          </a:p>
+          <a:p>
+            <a:r>
+              <a:rPr lang="en-IN" sz="2000" dirty="0" smtClean="0">
+                <a:latin typeface="Bookman Old Style" panose="02050604050505020204" pitchFamily="18" charset="0"/>
+              </a:rPr>
+              <a:t>Front–end </a:t>
+            </a:r>
+            <a:r>
+              <a:rPr lang="en-IN" sz="2000" dirty="0">
+                <a:latin typeface="Bookman Old Style" panose="02050604050505020204" pitchFamily="18" charset="0"/>
+                <a:sym typeface="Wingdings" panose="05000000000000000000" pitchFamily="2" charset="2"/>
+              </a:rPr>
+              <a:t> </a:t>
+            </a:r>
+            <a:r>
+              <a:rPr lang="en-IN" sz="2000" dirty="0" smtClean="0">
+                <a:latin typeface="Bookman Old Style" panose="02050604050505020204" pitchFamily="18" charset="0"/>
+                <a:sym typeface="Wingdings" panose="05000000000000000000" pitchFamily="2" charset="2"/>
+              </a:rPr>
+              <a:t>Creating the filtering functionality with multiple filters.</a:t>
+            </a:r>
+            <a:endParaRPr lang="en-IN" sz="2000" dirty="0">
+              <a:latin typeface="Bookman Old Style" panose="02050604050505020204" pitchFamily="18" charset="0"/>
+              <a:sym typeface="Wingdings" panose="05000000000000000000" pitchFamily="2" charset="2"/>
+            </a:endParaRPr>
+          </a:p>
+          <a:p>
+            <a:endParaRPr lang="en-IN" sz="2000" dirty="0">
+              <a:latin typeface="Bookman Old Style" panose="02050604050505020204" pitchFamily="18" charset="0"/>
+              <a:sym typeface="Wingdings" panose="05000000000000000000" pitchFamily="2" charset="2"/>
+            </a:endParaRPr>
+          </a:p>
+          <a:p>
+            <a:r>
+              <a:rPr lang="en-IN" sz="2000" dirty="0">
+                <a:latin typeface="Bookman Old Style" panose="02050604050505020204" pitchFamily="18" charset="0"/>
+                <a:sym typeface="Wingdings" panose="05000000000000000000" pitchFamily="2" charset="2"/>
+              </a:rPr>
+              <a:t>Back – End </a:t>
+            </a:r>
+            <a:r>
+              <a:rPr lang="en-IN" sz="2000" dirty="0" smtClean="0">
+                <a:latin typeface="Bookman Old Style" panose="02050604050505020204" pitchFamily="18" charset="0"/>
+                <a:sym typeface="Wingdings" panose="05000000000000000000" pitchFamily="2" charset="2"/>
+              </a:rPr>
+              <a:t> The two apps were linked together making sure all the routes work and interaction with database works.</a:t>
+            </a:r>
+          </a:p>
+          <a:p>
+            <a:endParaRPr lang="en-IN" sz="2000" dirty="0">
+              <a:latin typeface="Bookman Old Style" panose="02050604050505020204" pitchFamily="18" charset="0"/>
+              <a:sym typeface="Wingdings" panose="05000000000000000000" pitchFamily="2" charset="2"/>
+            </a:endParaRPr>
+          </a:p>
+          <a:p>
+            <a:r>
+              <a:rPr lang="en-IN" sz="2000" dirty="0" smtClean="0">
+                <a:latin typeface="Bookman Old Style" panose="02050604050505020204" pitchFamily="18" charset="0"/>
+                <a:sym typeface="Wingdings" panose="05000000000000000000" pitchFamily="2" charset="2"/>
+              </a:rPr>
+              <a:t>Algorithm  The algorithm was natively developed, tested and optimized.</a:t>
+            </a:r>
+            <a:endParaRPr lang="en-IN" sz="2000" dirty="0">
+              <a:latin typeface="Bookman Old Style" panose="02050604050505020204" pitchFamily="18" charset="0"/>
+            </a:endParaRPr>
           </a:p>
         </p:txBody>
       </p:sp>
     </p:spTree>
     <p:extLst>
       <p:ext uri="{BB962C8B-B14F-4D97-AF65-F5344CB8AC3E}">
-        <p14:creationId xmlns:p14="http://schemas.microsoft.com/office/powerpoint/2010/main" val="801023436"/>
+        <p14:creationId xmlns:p14="http://schemas.microsoft.com/office/powerpoint/2010/main" val="195024663"/>
       </p:ext>
     </p:extLst>
   </p:cSld>
@@ -7808,9 +9558,88 @@
   <p:timing>
     <p:tnLst>
       <p:par>
-        <p:cTn id="1" dur="indefinite" restart="never" nodeType="tmRoot"/>
+        <p:cTn id="1" dur="indefinite" restart="never" nodeType="tmRoot">
+          <p:childTnLst>
+            <p:seq concurrent="1" nextAc="seek">
+              <p:cTn id="2" dur="indefinite" nodeType="mainSeq">
+                <p:childTnLst>
+                  <p:par>
+                    <p:cTn id="3" fill="hold">
+                      <p:stCondLst>
+                        <p:cond delay="indefinite"/>
+                      </p:stCondLst>
+                      <p:childTnLst>
+                        <p:par>
+                          <p:cTn id="4" fill="hold">
+                            <p:stCondLst>
+                              <p:cond delay="0"/>
+                            </p:stCondLst>
+                            <p:childTnLst>
+                              <p:par>
+                                <p:cTn id="5" presetID="6" presetClass="entr" presetSubtype="16" fill="hold" grpId="0" nodeType="clickEffect">
+                                  <p:stCondLst>
+                                    <p:cond delay="0"/>
+                                  </p:stCondLst>
+                                  <p:childTnLst>
+                                    <p:set>
+                                      <p:cBhvr>
+                                        <p:cTn id="6" dur="1" fill="hold">
+                                          <p:stCondLst>
+                                            <p:cond delay="0"/>
+                                          </p:stCondLst>
+                                        </p:cTn>
+                                        <p:tgtEl>
+                                          <p:spTgt spid="15"/>
+                                        </p:tgtEl>
+                                        <p:attrNameLst>
+                                          <p:attrName>style.visibility</p:attrName>
+                                        </p:attrNameLst>
+                                      </p:cBhvr>
+                                      <p:to>
+                                        <p:strVal val="visible"/>
+                                      </p:to>
+                                    </p:set>
+                                    <p:animEffect transition="in" filter="circle(in)">
+                                      <p:cBhvr>
+                                        <p:cTn id="7" dur="2000"/>
+                                        <p:tgtEl>
+                                          <p:spTgt spid="15"/>
+                                        </p:tgtEl>
+                                      </p:cBhvr>
+                                    </p:animEffect>
+                                  </p:childTnLst>
+                                </p:cTn>
+                              </p:par>
+                            </p:childTnLst>
+                          </p:cTn>
+                        </p:par>
+                      </p:childTnLst>
+                    </p:cTn>
+                  </p:par>
+                </p:childTnLst>
+              </p:cTn>
+              <p:prevCondLst>
+                <p:cond evt="onPrev" delay="0">
+                  <p:tgtEl>
+                    <p:sldTgt/>
+                  </p:tgtEl>
+                </p:cond>
+              </p:prevCondLst>
+              <p:nextCondLst>
+                <p:cond evt="onNext" delay="0">
+                  <p:tgtEl>
+                    <p:sldTgt/>
+                  </p:tgtEl>
+                </p:cond>
+              </p:nextCondLst>
+            </p:seq>
+          </p:childTnLst>
+        </p:cTn>
       </p:par>
     </p:tnLst>
+    <p:bldLst>
+      <p:bldP spid="15" grpId="0"/>
+    </p:bldLst>
   </p:timing>
 </p:sld>
 </file>

--- a/Documents/Team 7 - Sprint 3 Presentation.pptx
+++ b/Documents/Team 7 - Sprint 3 Presentation.pptx
@@ -10,7 +10,7 @@
   <p:sldIdLst>
     <p:sldId id="256" r:id="rId2"/>
     <p:sldId id="258" r:id="rId3"/>
-    <p:sldId id="267" r:id="rId4"/>
+    <p:sldId id="277" r:id="rId4"/>
     <p:sldId id="259" r:id="rId5"/>
     <p:sldId id="260" r:id="rId6"/>
     <p:sldId id="262" r:id="rId7"/>
@@ -692,7 +692,7 @@
     </p:spTree>
     <p:extLst>
       <p:ext uri="{BB962C8B-B14F-4D97-AF65-F5344CB8AC3E}">
-        <p14:creationId xmlns:p14="http://schemas.microsoft.com/office/powerpoint/2010/main" val="63775082"/>
+        <p14:creationId xmlns:p14="http://schemas.microsoft.com/office/powerpoint/2010/main" val="983133332"/>
       </p:ext>
     </p:extLst>
   </p:cSld>
@@ -4177,15 +4177,7 @@
                 <a:ea typeface="Avenir Next" charset="0"/>
                 <a:cs typeface="Avenir Next" charset="0"/>
               </a:rPr>
-              <a:t> </a:t>
-            </a:r>
-            <a:r>
-              <a:rPr lang="en-US" sz="2000" dirty="0" smtClean="0">
-                <a:latin typeface="Avenir Next" charset="0"/>
-                <a:ea typeface="Avenir Next" charset="0"/>
-                <a:cs typeface="Avenir Next" charset="0"/>
-              </a:rPr>
-              <a:t>Kulkarni, </a:t>
+              <a:t> Kulkarni, </a:t>
             </a:r>
             <a:r>
               <a:rPr lang="en-US" sz="2000" dirty="0" err="1" smtClean="0">
@@ -4800,15 +4792,7 @@
                 <a:ea typeface="Avenir Next" charset="0"/>
                 <a:cs typeface="Avenir Next" charset="0"/>
               </a:rPr>
-              <a:t>Sprint </a:t>
-            </a:r>
-            <a:r>
-              <a:rPr lang="en-IN" sz="2800" u="sng" dirty="0">
-                <a:latin typeface="Avenir Next" charset="0"/>
-                <a:ea typeface="Avenir Next" charset="0"/>
-                <a:cs typeface="Avenir Next" charset="0"/>
-              </a:rPr>
-              <a:t>3</a:t>
+              <a:t>Sprint 3</a:t>
             </a:r>
             <a:r>
               <a:rPr lang="en-IN" sz="2800" u="sng" dirty="0" smtClean="0">
@@ -4832,15 +4816,7 @@
                 <a:ea typeface="Avenir Next" charset="0"/>
                 <a:cs typeface="Avenir Next" charset="0"/>
               </a:rPr>
-              <a:t> </a:t>
-            </a:r>
-            <a:r>
-              <a:rPr lang="en-IN" sz="2800" u="sng" dirty="0" smtClean="0">
-                <a:latin typeface="Avenir Next" charset="0"/>
-                <a:ea typeface="Avenir Next" charset="0"/>
-                <a:cs typeface="Avenir Next" charset="0"/>
-              </a:rPr>
-              <a:t>User Stories</a:t>
+              <a:t> User Stories</a:t>
             </a:r>
             <a:endParaRPr lang="en-IN" sz="2800" u="sng" dirty="0">
               <a:latin typeface="Avenir Next" charset="0"/>
@@ -4893,15 +4869,7 @@
                 <a:ea typeface="Avenir Next" charset="0"/>
                 <a:cs typeface="Avenir Next" charset="0"/>
               </a:rPr>
-              <a:t>As a student, I would like to login using </a:t>
-            </a:r>
-            <a:r>
-              <a:rPr lang="en-US" sz="2800" dirty="0">
-                <a:latin typeface="Avenir Next" charset="0"/>
-                <a:ea typeface="Avenir Next" charset="0"/>
-                <a:cs typeface="Avenir Next" charset="0"/>
-              </a:rPr>
-              <a:t>P</a:t>
+              <a:t>As a student, I would like to login using P</a:t>
             </a:r>
             <a:r>
               <a:rPr lang="en-US" sz="2800" dirty="0" smtClean="0">
@@ -5607,15 +5575,7 @@
                 <a:ea typeface="Avenir Next" charset="0"/>
                 <a:cs typeface="Avenir Next" charset="0"/>
               </a:rPr>
-              <a:t>Sprint </a:t>
-            </a:r>
-            <a:r>
-              <a:rPr lang="en-IN" sz="2800" u="sng" dirty="0">
-                <a:latin typeface="Avenir Next" charset="0"/>
-                <a:ea typeface="Avenir Next" charset="0"/>
-                <a:cs typeface="Avenir Next" charset="0"/>
-              </a:rPr>
-              <a:t>3</a:t>
+              <a:t>Sprint 3</a:t>
             </a:r>
             <a:r>
               <a:rPr lang="en-IN" sz="2800" u="sng" dirty="0" smtClean="0">
@@ -5639,15 +5599,7 @@
                 <a:ea typeface="Avenir Next" charset="0"/>
                 <a:cs typeface="Avenir Next" charset="0"/>
               </a:rPr>
-              <a:t> </a:t>
-            </a:r>
-            <a:r>
-              <a:rPr lang="en-IN" sz="2800" u="sng" dirty="0" smtClean="0">
-                <a:latin typeface="Avenir Next" charset="0"/>
-                <a:ea typeface="Avenir Next" charset="0"/>
-                <a:cs typeface="Avenir Next" charset="0"/>
-              </a:rPr>
-              <a:t>User Stories</a:t>
+              <a:t> User Stories</a:t>
             </a:r>
             <a:endParaRPr lang="en-IN" sz="2800" u="sng" dirty="0">
               <a:latin typeface="Avenir Next" charset="0"/>
@@ -6390,15 +6342,7 @@
                 <a:ea typeface="Avenir Next" charset="0"/>
                 <a:cs typeface="Avenir Next" charset="0"/>
               </a:rPr>
-              <a:t>Sprint </a:t>
-            </a:r>
-            <a:r>
-              <a:rPr lang="en-IN" sz="2800" u="sng" dirty="0">
-                <a:latin typeface="Avenir Next" charset="0"/>
-                <a:ea typeface="Avenir Next" charset="0"/>
-                <a:cs typeface="Avenir Next" charset="0"/>
-              </a:rPr>
-              <a:t>3</a:t>
+              <a:t>Sprint 3</a:t>
             </a:r>
             <a:r>
               <a:rPr lang="en-IN" sz="2800" u="sng" dirty="0" smtClean="0">
@@ -6422,15 +6366,7 @@
                 <a:ea typeface="Avenir Next" charset="0"/>
                 <a:cs typeface="Avenir Next" charset="0"/>
               </a:rPr>
-              <a:t> </a:t>
-            </a:r>
-            <a:r>
-              <a:rPr lang="en-IN" sz="2800" u="sng" dirty="0" smtClean="0">
-                <a:latin typeface="Avenir Next" charset="0"/>
-                <a:ea typeface="Avenir Next" charset="0"/>
-                <a:cs typeface="Avenir Next" charset="0"/>
-              </a:rPr>
-              <a:t>User Stories</a:t>
+              <a:t> User Stories</a:t>
             </a:r>
             <a:endParaRPr lang="en-IN" sz="2800" u="sng" dirty="0">
               <a:latin typeface="Avenir Next" charset="0"/>
@@ -7172,15 +7108,7 @@
                 <a:ea typeface="Avenir Next" charset="0"/>
                 <a:cs typeface="Avenir Next" charset="0"/>
               </a:rPr>
-              <a:t>Sprint </a:t>
-            </a:r>
-            <a:r>
-              <a:rPr lang="en-IN" sz="2800" u="sng" dirty="0">
-                <a:latin typeface="Avenir Next" charset="0"/>
-                <a:ea typeface="Avenir Next" charset="0"/>
-                <a:cs typeface="Avenir Next" charset="0"/>
-              </a:rPr>
-              <a:t>3</a:t>
+              <a:t>Sprint 3</a:t>
             </a:r>
             <a:r>
               <a:rPr lang="en-IN" sz="2800" u="sng" dirty="0" smtClean="0">
@@ -7204,15 +7132,7 @@
                 <a:ea typeface="Avenir Next" charset="0"/>
                 <a:cs typeface="Avenir Next" charset="0"/>
               </a:rPr>
-              <a:t> </a:t>
-            </a:r>
-            <a:r>
-              <a:rPr lang="en-IN" sz="2800" u="sng" dirty="0" smtClean="0">
-                <a:latin typeface="Avenir Next" charset="0"/>
-                <a:ea typeface="Avenir Next" charset="0"/>
-                <a:cs typeface="Avenir Next" charset="0"/>
-              </a:rPr>
-              <a:t>User Stories</a:t>
+              <a:t> User Stories</a:t>
             </a:r>
             <a:endParaRPr lang="en-IN" sz="2800" u="sng" dirty="0">
               <a:latin typeface="Avenir Next" charset="0"/>
@@ -7955,15 +7875,7 @@
                 <a:ea typeface="Avenir Next" charset="0"/>
                 <a:cs typeface="Avenir Next" charset="0"/>
               </a:rPr>
-              <a:t>Sprint </a:t>
-            </a:r>
-            <a:r>
-              <a:rPr lang="en-IN" sz="2800" u="sng" dirty="0">
-                <a:latin typeface="Avenir Next" charset="0"/>
-                <a:ea typeface="Avenir Next" charset="0"/>
-                <a:cs typeface="Avenir Next" charset="0"/>
-              </a:rPr>
-              <a:t>3</a:t>
+              <a:t>Sprint 3</a:t>
             </a:r>
             <a:r>
               <a:rPr lang="en-IN" sz="2800" u="sng" dirty="0" smtClean="0">
@@ -7987,15 +7899,7 @@
                 <a:ea typeface="Avenir Next" charset="0"/>
                 <a:cs typeface="Avenir Next" charset="0"/>
               </a:rPr>
-              <a:t> </a:t>
-            </a:r>
-            <a:r>
-              <a:rPr lang="en-IN" sz="2800" u="sng" dirty="0" smtClean="0">
-                <a:latin typeface="Avenir Next" charset="0"/>
-                <a:ea typeface="Avenir Next" charset="0"/>
-                <a:cs typeface="Avenir Next" charset="0"/>
-              </a:rPr>
-              <a:t>User Stories</a:t>
+              <a:t> User Stories</a:t>
             </a:r>
             <a:endParaRPr lang="en-IN" sz="2800" u="sng" dirty="0">
               <a:latin typeface="Avenir Next" charset="0"/>
@@ -8754,15 +8658,7 @@
                 <a:ea typeface="Avenir Next" charset="0"/>
                 <a:cs typeface="Avenir Next" charset="0"/>
               </a:rPr>
-              <a:t>Sprint </a:t>
-            </a:r>
-            <a:r>
-              <a:rPr lang="en-IN" sz="2800" u="sng" dirty="0">
-                <a:latin typeface="Avenir Next" charset="0"/>
-                <a:ea typeface="Avenir Next" charset="0"/>
-                <a:cs typeface="Avenir Next" charset="0"/>
-              </a:rPr>
-              <a:t>3</a:t>
+              <a:t>Sprint 3</a:t>
             </a:r>
             <a:r>
               <a:rPr lang="en-IN" sz="2800" u="sng" dirty="0" smtClean="0">
@@ -8786,15 +8682,7 @@
                 <a:ea typeface="Avenir Next" charset="0"/>
                 <a:cs typeface="Avenir Next" charset="0"/>
               </a:rPr>
-              <a:t> </a:t>
-            </a:r>
-            <a:r>
-              <a:rPr lang="en-IN" sz="2800" u="sng" dirty="0" smtClean="0">
-                <a:latin typeface="Avenir Next" charset="0"/>
-                <a:ea typeface="Avenir Next" charset="0"/>
-                <a:cs typeface="Avenir Next" charset="0"/>
-              </a:rPr>
-              <a:t>User Stories</a:t>
+              <a:t> User Stories</a:t>
             </a:r>
             <a:endParaRPr lang="en-IN" sz="2800" u="sng" dirty="0">
               <a:latin typeface="Avenir Next" charset="0"/>
@@ -8847,15 +8735,7 @@
                 <a:ea typeface="Avenir Next" charset="0"/>
                 <a:cs typeface="Avenir Next" charset="0"/>
               </a:rPr>
-              <a:t>As a recruiter, I would like to be able to mark certain students.</a:t>
-            </a:r>
-            <a:r>
-              <a:rPr lang="en-US" sz="2800" dirty="0">
-                <a:latin typeface="Avenir Next" charset="0"/>
-                <a:ea typeface="Avenir Next" charset="0"/>
-                <a:cs typeface="Avenir Next" charset="0"/>
-              </a:rPr>
-              <a:t> </a:t>
+              <a:t>As a recruiter, I would like to be able to mark certain students. </a:t>
             </a:r>
             <a:endParaRPr lang="en-IN" sz="2000" dirty="0" smtClean="0">
               <a:latin typeface="Avenir Next" charset="0"/>
@@ -9549,15 +9429,7 @@
                 <a:ea typeface="Avenir Next" charset="0"/>
                 <a:cs typeface="Avenir Next" charset="0"/>
               </a:rPr>
-              <a:t>Sprint </a:t>
-            </a:r>
-            <a:r>
-              <a:rPr lang="en-IN" sz="2800" u="sng" dirty="0">
-                <a:latin typeface="Avenir Next" charset="0"/>
-                <a:ea typeface="Avenir Next" charset="0"/>
-                <a:cs typeface="Avenir Next" charset="0"/>
-              </a:rPr>
-              <a:t>3</a:t>
+              <a:t>Sprint 3</a:t>
             </a:r>
             <a:r>
               <a:rPr lang="en-IN" sz="2800" u="sng" dirty="0" smtClean="0">
@@ -9581,15 +9453,7 @@
                 <a:ea typeface="Avenir Next" charset="0"/>
                 <a:cs typeface="Avenir Next" charset="0"/>
               </a:rPr>
-              <a:t> </a:t>
-            </a:r>
-            <a:r>
-              <a:rPr lang="en-IN" sz="2800" u="sng" dirty="0" smtClean="0">
-                <a:latin typeface="Avenir Next" charset="0"/>
-                <a:ea typeface="Avenir Next" charset="0"/>
-                <a:cs typeface="Avenir Next" charset="0"/>
-              </a:rPr>
-              <a:t>User Stories</a:t>
+              <a:t> User Stories</a:t>
             </a:r>
             <a:endParaRPr lang="en-IN" sz="2800" u="sng" dirty="0">
               <a:latin typeface="Avenir Next" charset="0"/>
@@ -10412,11 +10276,6 @@
               </a:rPr>
               <a:t>QUESTIONS?</a:t>
             </a:r>
-            <a:endParaRPr lang="en-IN" sz="4000" dirty="0" smtClean="0">
-              <a:latin typeface="Avenir Next" charset="0"/>
-              <a:ea typeface="Avenir Next" charset="0"/>
-              <a:cs typeface="Avenir Next" charset="0"/>
-            </a:endParaRPr>
           </a:p>
           <a:p>
             <a:pPr algn="ctr"/>
@@ -12752,7 +12611,7 @@
         <p:spPr>
           <a:xfrm>
             <a:off x="3492356" y="3469483"/>
-            <a:ext cx="7861444" cy="954107"/>
+            <a:ext cx="7861444" cy="3108543"/>
           </a:xfrm>
           <a:prstGeom prst="rect">
             <a:avLst/>
@@ -12785,117 +12644,78 @@
               </a:rPr>
               <a:t>preferences</a:t>
             </a:r>
-            <a:endParaRPr lang="en-IN" sz="2800" dirty="0">
-              <a:latin typeface="Avenir Next" charset="0"/>
-              <a:ea typeface="Avenir Next" charset="0"/>
-              <a:cs typeface="Avenir Next" charset="0"/>
-            </a:endParaRPr>
-          </a:p>
-        </p:txBody>
-      </p:sp>
-      <p:sp>
-        <p:nvSpPr>
-          <p:cNvPr id="15" name="TextBox 14"/>
-          <p:cNvSpPr txBox="1"/>
-          <p:nvPr/>
-        </p:nvSpPr>
-        <p:spPr>
-          <a:xfrm>
-            <a:off x="3492356" y="4423590"/>
-            <a:ext cx="7141777" cy="523220"/>
-          </a:xfrm>
-          <a:prstGeom prst="rect">
-            <a:avLst/>
-          </a:prstGeom>
-          <a:noFill/>
-        </p:spPr>
-        <p:txBody>
-          <a:bodyPr wrap="square" rtlCol="0">
-            <a:spAutoFit/>
-          </a:bodyPr>
-          <a:lstStyle/>
+          </a:p>
           <a:p>
             <a:pPr marL="571500" indent="-571500">
               <a:buFont typeface="Arial" charset="0"/>
               <a:buChar char="•"/>
             </a:pPr>
-            <a:r>
-              <a:rPr lang="en-IN" sz="2800" dirty="0" smtClean="0">
-                <a:latin typeface="Avenir Next" charset="0"/>
-                <a:ea typeface="Avenir Next" charset="0"/>
-                <a:cs typeface="Avenir Next" charset="0"/>
-              </a:rPr>
-              <a:t>Optimize </a:t>
-            </a:r>
-            <a:r>
-              <a:rPr lang="en-IN" sz="2800" dirty="0">
-                <a:latin typeface="Avenir Next" charset="0"/>
-                <a:ea typeface="Avenir Next" charset="0"/>
-                <a:cs typeface="Avenir Next" charset="0"/>
-              </a:rPr>
-              <a:t>Optimize Optimize</a:t>
-            </a:r>
-            <a:r>
-              <a:rPr lang="en-IN" sz="2800" smtClean="0">
-                <a:latin typeface="Avenir Next" charset="0"/>
-                <a:ea typeface="Avenir Next" charset="0"/>
-                <a:cs typeface="Avenir Next" charset="0"/>
-              </a:rPr>
-              <a:t>!  </a:t>
-            </a:r>
-            <a:endParaRPr lang="en-IN" sz="2800" strike="sngStrike" dirty="0" smtClean="0">
-              <a:latin typeface="Avenir Next" charset="0"/>
-              <a:ea typeface="Avenir Next" charset="0"/>
-              <a:cs typeface="Avenir Next" charset="0"/>
-            </a:endParaRPr>
-          </a:p>
-        </p:txBody>
-      </p:sp>
-      <p:sp>
-        <p:nvSpPr>
-          <p:cNvPr id="17" name="TextBox 16"/>
-          <p:cNvSpPr txBox="1"/>
-          <p:nvPr/>
-        </p:nvSpPr>
-        <p:spPr>
-          <a:xfrm>
-            <a:off x="3492356" y="5104064"/>
-            <a:ext cx="7277244" cy="1231106"/>
-          </a:xfrm>
-          <a:prstGeom prst="rect">
-            <a:avLst/>
-          </a:prstGeom>
-          <a:noFill/>
-        </p:spPr>
-        <p:txBody>
-          <a:bodyPr wrap="square" rtlCol="0">
-            <a:spAutoFit/>
-          </a:bodyPr>
-          <a:lstStyle/>
+            <a:endParaRPr lang="en-IN" sz="2800" dirty="0" smtClean="0">
+              <a:latin typeface="Avenir Next" charset="0"/>
+              <a:ea typeface="Avenir Next" charset="0"/>
+              <a:cs typeface="Avenir Next" charset="0"/>
+            </a:endParaRPr>
+          </a:p>
           <a:p>
             <a:pPr marL="571500" indent="-571500">
               <a:buFont typeface="Arial" charset="0"/>
               <a:buChar char="•"/>
             </a:pPr>
             <a:r>
+              <a:rPr lang="en-IN" sz="2800" dirty="0">
+                <a:latin typeface="Avenir Next" charset="0"/>
+                <a:ea typeface="Avenir Next" charset="0"/>
+                <a:cs typeface="Avenir Next" charset="0"/>
+              </a:rPr>
+              <a:t>Optimize Optimize Optimize</a:t>
+            </a:r>
+            <a:r>
               <a:rPr lang="en-IN" sz="2800" dirty="0" smtClean="0">
                 <a:latin typeface="Avenir Next" charset="0"/>
                 <a:ea typeface="Avenir Next" charset="0"/>
                 <a:cs typeface="Avenir Next" charset="0"/>
               </a:rPr>
-              <a:t>Helps </a:t>
-            </a:r>
+              <a:t>!</a:t>
+            </a:r>
+            <a:endParaRPr lang="en-IN" sz="2800" dirty="0" smtClean="0">
+              <a:latin typeface="Avenir Next" charset="0"/>
+              <a:ea typeface="Avenir Next" charset="0"/>
+              <a:cs typeface="Avenir Next" charset="0"/>
+            </a:endParaRPr>
+          </a:p>
+          <a:p>
+            <a:pPr marL="571500" indent="-571500">
+              <a:buFont typeface="Arial" charset="0"/>
+              <a:buChar char="•"/>
+            </a:pPr>
+            <a:endParaRPr lang="en-IN" sz="2800" dirty="0" smtClean="0">
+              <a:latin typeface="Avenir Next" charset="0"/>
+              <a:ea typeface="Avenir Next" charset="0"/>
+              <a:cs typeface="Avenir Next" charset="0"/>
+            </a:endParaRPr>
+          </a:p>
+          <a:p>
+            <a:pPr marL="571500" indent="-571500">
+              <a:buFont typeface="Arial" charset="0"/>
+              <a:buChar char="•"/>
+            </a:pPr>
             <a:r>
               <a:rPr lang="en-IN" sz="2800" dirty="0">
                 <a:latin typeface="Avenir Next" charset="0"/>
                 <a:ea typeface="Avenir Next" charset="0"/>
                 <a:cs typeface="Avenir Next" charset="0"/>
               </a:rPr>
-              <a:t>recruiters remain organized by maintaining queues of students virtually</a:t>
-            </a:r>
-          </a:p>
-          <a:p>
-            <a:endParaRPr lang="en-US" dirty="0">
+              <a:t>Helps recruiters remain organized by maintaining queues of students </a:t>
+            </a:r>
+            <a:r>
+              <a:rPr lang="en-IN" sz="2800" dirty="0" smtClean="0">
+                <a:latin typeface="Avenir Next" charset="0"/>
+                <a:ea typeface="Avenir Next" charset="0"/>
+                <a:cs typeface="Avenir Next" charset="0"/>
+              </a:rPr>
+              <a:t>virtually</a:t>
+            </a:r>
+            <a:endParaRPr lang="en-IN" sz="2800" dirty="0">
               <a:latin typeface="Avenir Next" charset="0"/>
               <a:ea typeface="Avenir Next" charset="0"/>
               <a:cs typeface="Avenir Next" charset="0"/>
@@ -12905,14 +12725,14 @@
       </p:sp>
       <p:cxnSp>
         <p:nvCxnSpPr>
-          <p:cNvPr id="19" name="Straight Connector 18"/>
+          <p:cNvPr id="15" name="Straight Connector 14"/>
           <p:cNvCxnSpPr/>
           <p:nvPr/>
         </p:nvCxnSpPr>
         <p:spPr>
-          <a:xfrm flipV="1">
-            <a:off x="3979333" y="4685200"/>
-            <a:ext cx="4402667" cy="39200"/>
+          <a:xfrm>
+            <a:off x="4122295" y="4976734"/>
+            <a:ext cx="4826833" cy="0"/>
           </a:xfrm>
           <a:prstGeom prst="line">
             <a:avLst/>
@@ -12940,14 +12760,14 @@
       </p:cxnSp>
       <p:sp>
         <p:nvSpPr>
-          <p:cNvPr id="22" name="TextBox 21"/>
+          <p:cNvPr id="16" name="TextBox 15"/>
           <p:cNvSpPr txBox="1"/>
           <p:nvPr/>
         </p:nvSpPr>
         <p:spPr>
           <a:xfrm>
-            <a:off x="8623299" y="4410647"/>
-            <a:ext cx="2370667" cy="954107"/>
+            <a:off x="8949128" y="4715124"/>
+            <a:ext cx="2548328" cy="523220"/>
           </a:xfrm>
           <a:prstGeom prst="rect">
             <a:avLst/>
@@ -12961,25 +12781,21 @@
           <a:lstStyle/>
           <a:p>
             <a:r>
-              <a:rPr lang="en-US" sz="2800" dirty="0" smtClean="0">
-                <a:latin typeface="Avenir Next" charset="0"/>
-                <a:ea typeface="Avenir Next" charset="0"/>
-                <a:cs typeface="Avenir Next" charset="0"/>
-              </a:rPr>
-              <a:t>Optimize x3 :)</a:t>
-            </a:r>
-            <a:endParaRPr lang="en-US" sz="2800" dirty="0">
-              <a:latin typeface="Avenir Next" charset="0"/>
-              <a:ea typeface="Avenir Next" charset="0"/>
-              <a:cs typeface="Avenir Next" charset="0"/>
-            </a:endParaRPr>
+              <a:rPr lang="en-IN" sz="2800" dirty="0" smtClean="0">
+                <a:latin typeface="Avenir Next" charset="0"/>
+                <a:ea typeface="Avenir Next" charset="0"/>
+                <a:cs typeface="Avenir Next" charset="0"/>
+              </a:rPr>
+              <a:t>Optimize x3 :) </a:t>
+            </a:r>
+            <a:endParaRPr lang="en-US" sz="2800" dirty="0"/>
           </a:p>
         </p:txBody>
       </p:sp>
     </p:spTree>
     <p:extLst>
       <p:ext uri="{BB962C8B-B14F-4D97-AF65-F5344CB8AC3E}">
-        <p14:creationId xmlns:p14="http://schemas.microsoft.com/office/powerpoint/2010/main" val="1907784977"/>
+        <p14:creationId xmlns:p14="http://schemas.microsoft.com/office/powerpoint/2010/main" val="1769333563"/>
       </p:ext>
     </p:extLst>
   </p:cSld>
@@ -13007,7 +12823,7 @@
                             </p:stCondLst>
                             <p:childTnLst>
                               <p:par>
-                                <p:cTn id="5" presetID="53" presetClass="entr" presetSubtype="16" fill="hold" nodeType="clickEffect">
+                                <p:cTn id="5" presetID="6" presetClass="entr" presetSubtype="16" fill="hold" nodeType="clickEffect">
                                   <p:stCondLst>
                                     <p:cond delay="0"/>
                                   </p:stCondLst>
@@ -13020,7 +12836,7 @@
                                           </p:stCondLst>
                                         </p:cTn>
                                         <p:tgtEl>
-                                          <p:spTgt spid="19"/>
+                                          <p:spTgt spid="15"/>
                                         </p:tgtEl>
                                         <p:attrNameLst>
                                           <p:attrName>style.visibility</p:attrName>
@@ -13030,57 +12846,11 @@
                                         <p:strVal val="visible"/>
                                       </p:to>
                                     </p:set>
-                                    <p:anim calcmode="lin" valueType="num">
+                                    <p:animEffect transition="in" filter="circle(in)">
                                       <p:cBhvr>
-                                        <p:cTn id="7" dur="500" fill="hold"/>
+                                        <p:cTn id="7" dur="500"/>
                                         <p:tgtEl>
-                                          <p:spTgt spid="19"/>
-                                        </p:tgtEl>
-                                        <p:attrNameLst>
-                                          <p:attrName>ppt_w</p:attrName>
-                                        </p:attrNameLst>
-                                      </p:cBhvr>
-                                      <p:tavLst>
-                                        <p:tav tm="0">
-                                          <p:val>
-                                            <p:fltVal val="0"/>
-                                          </p:val>
-                                        </p:tav>
-                                        <p:tav tm="100000">
-                                          <p:val>
-                                            <p:strVal val="#ppt_w"/>
-                                          </p:val>
-                                        </p:tav>
-                                      </p:tavLst>
-                                    </p:anim>
-                                    <p:anim calcmode="lin" valueType="num">
-                                      <p:cBhvr>
-                                        <p:cTn id="8" dur="500" fill="hold"/>
-                                        <p:tgtEl>
-                                          <p:spTgt spid="19"/>
-                                        </p:tgtEl>
-                                        <p:attrNameLst>
-                                          <p:attrName>ppt_h</p:attrName>
-                                        </p:attrNameLst>
-                                      </p:cBhvr>
-                                      <p:tavLst>
-                                        <p:tav tm="0">
-                                          <p:val>
-                                            <p:fltVal val="0"/>
-                                          </p:val>
-                                        </p:tav>
-                                        <p:tav tm="100000">
-                                          <p:val>
-                                            <p:strVal val="#ppt_h"/>
-                                          </p:val>
-                                        </p:tav>
-                                      </p:tavLst>
-                                    </p:anim>
-                                    <p:animEffect transition="in" filter="fade">
-                                      <p:cBhvr>
-                                        <p:cTn id="9" dur="500"/>
-                                        <p:tgtEl>
-                                          <p:spTgt spid="19"/>
+                                          <p:spTgt spid="15"/>
                                         </p:tgtEl>
                                       </p:cBhvr>
                                     </p:animEffect>
@@ -13094,32 +12864,32 @@
                     </p:cTn>
                   </p:par>
                   <p:par>
-                    <p:cTn id="10" fill="hold">
+                    <p:cTn id="8" fill="hold">
                       <p:stCondLst>
                         <p:cond delay="indefinite"/>
                       </p:stCondLst>
                       <p:childTnLst>
                         <p:par>
-                          <p:cTn id="11" fill="hold">
+                          <p:cTn id="9" fill="hold">
                             <p:stCondLst>
                               <p:cond delay="0"/>
                             </p:stCondLst>
                             <p:childTnLst>
                               <p:par>
-                                <p:cTn id="12" presetID="9" presetClass="entr" presetSubtype="0" fill="hold" grpId="0" nodeType="clickEffect">
+                                <p:cTn id="10" presetID="10" presetClass="entr" presetSubtype="0" fill="hold" grpId="0" nodeType="clickEffect">
                                   <p:stCondLst>
                                     <p:cond delay="0"/>
                                   </p:stCondLst>
                                   <p:childTnLst>
                                     <p:set>
                                       <p:cBhvr>
-                                        <p:cTn id="13" dur="1" fill="hold">
+                                        <p:cTn id="11" dur="1" fill="hold">
                                           <p:stCondLst>
                                             <p:cond delay="0"/>
                                           </p:stCondLst>
                                         </p:cTn>
                                         <p:tgtEl>
-                                          <p:spTgt spid="22"/>
+                                          <p:spTgt spid="16"/>
                                         </p:tgtEl>
                                         <p:attrNameLst>
                                           <p:attrName>style.visibility</p:attrName>
@@ -13129,11 +12899,11 @@
                                         <p:strVal val="visible"/>
                                       </p:to>
                                     </p:set>
-                                    <p:animEffect transition="in" filter="dissolve">
+                                    <p:animEffect transition="in" filter="fade">
                                       <p:cBhvr>
-                                        <p:cTn id="14" dur="500"/>
+                                        <p:cTn id="12" dur="500"/>
                                         <p:tgtEl>
-                                          <p:spTgt spid="22"/>
+                                          <p:spTgt spid="16"/>
                                         </p:tgtEl>
                                       </p:cBhvr>
                                     </p:animEffect>
@@ -13168,7 +12938,7 @@
       </p:par>
     </p:tnLst>
     <p:bldLst>
-      <p:bldP spid="22" grpId="0"/>
+      <p:bldP spid="16" grpId="0"/>
     </p:bldLst>
   </p:timing>
 </p:sld>
@@ -13762,23 +13532,7 @@
                 <a:ea typeface="Avenir Next" charset="0"/>
                 <a:cs typeface="Avenir Next" charset="0"/>
               </a:rPr>
-              <a:t>Many times the </a:t>
-            </a:r>
-            <a:r>
-              <a:rPr lang="en-IN" sz="2400" dirty="0" smtClean="0">
-                <a:latin typeface="Avenir Next" charset="0"/>
-                <a:ea typeface="Avenir Next" charset="0"/>
-                <a:cs typeface="Avenir Next" charset="0"/>
-              </a:rPr>
-              <a:t>students are </a:t>
-            </a:r>
-            <a:r>
-              <a:rPr lang="en-IN" sz="2400" dirty="0" smtClean="0">
-                <a:latin typeface="Avenir Next" charset="0"/>
-                <a:ea typeface="Avenir Next" charset="0"/>
-                <a:cs typeface="Avenir Next" charset="0"/>
-              </a:rPr>
-              <a:t>not able to talk to companies in order of their preference. </a:t>
+              <a:t>Many times the students are not able to talk to companies in order of their preference. </a:t>
             </a:r>
           </a:p>
           <a:p>
@@ -15408,15 +15162,7 @@
                 <a:ea typeface="Avenir Next" charset="0"/>
                 <a:cs typeface="Avenir Next" charset="0"/>
               </a:rPr>
-              <a:t> - L</a:t>
-            </a:r>
-            <a:r>
-              <a:rPr lang="en-IN" dirty="0" smtClean="0">
-                <a:latin typeface="Avenir Next" charset="0"/>
-                <a:ea typeface="Avenir Next" charset="0"/>
-                <a:cs typeface="Avenir Next" charset="0"/>
-              </a:rPr>
-              <a:t>ibrary </a:t>
+              <a:t> - Library </a:t>
             </a:r>
             <a:r>
               <a:rPr lang="en-IN" dirty="0">
@@ -15481,37 +15227,8 @@
                 <a:ea typeface="Avenir Next" charset="0"/>
                 <a:cs typeface="Avenir Next" charset="0"/>
               </a:rPr>
-              <a:t>– Handles all the communication between the algorithm and the </a:t>
-            </a:r>
-            <a:r>
-              <a:rPr lang="en-IN" dirty="0" smtClean="0">
-                <a:latin typeface="Avenir Next" charset="0"/>
-                <a:ea typeface="Avenir Next" charset="0"/>
-                <a:cs typeface="Avenir Next" charset="0"/>
-              </a:rPr>
-              <a:t>web-client. Also </a:t>
-            </a:r>
-            <a:r>
-              <a:rPr lang="en-IN" dirty="0" smtClean="0">
-                <a:latin typeface="Avenir Next" charset="0"/>
-                <a:ea typeface="Avenir Next" charset="0"/>
-                <a:cs typeface="Avenir Next" charset="0"/>
-              </a:rPr>
-              <a:t>handles the interaction with the database</a:t>
-            </a:r>
-            <a:r>
-              <a:rPr lang="en-IN" dirty="0" smtClean="0">
-                <a:latin typeface="Avenir Next" charset="0"/>
-                <a:ea typeface="Avenir Next" charset="0"/>
-                <a:cs typeface="Avenir Next" charset="0"/>
-              </a:rPr>
-              <a:t>.</a:t>
-            </a:r>
-            <a:endParaRPr lang="en-IN" dirty="0" smtClean="0">
-              <a:latin typeface="Avenir Next" charset="0"/>
-              <a:ea typeface="Avenir Next" charset="0"/>
-              <a:cs typeface="Avenir Next" charset="0"/>
-            </a:endParaRPr>
+              <a:t>– Handles all the communication between the algorithm and the web-client. Also handles the interaction with the database.</a:t>
+            </a:r>
           </a:p>
           <a:p>
             <a:pPr marL="742950" lvl="1" indent="-285750">
@@ -15595,15 +15312,7 @@
                 <a:ea typeface="Avenir Next" charset="0"/>
                 <a:cs typeface="Avenir Next" charset="0"/>
               </a:rPr>
-              <a:t> </a:t>
-            </a:r>
-            <a:r>
-              <a:rPr lang="en-IN" u="sng" dirty="0" smtClean="0">
-                <a:latin typeface="Avenir Next" charset="0"/>
-                <a:ea typeface="Avenir Next" charset="0"/>
-                <a:cs typeface="Avenir Next" charset="0"/>
-              </a:rPr>
-              <a:t>database </a:t>
+              <a:t> database </a:t>
             </a:r>
             <a:r>
               <a:rPr lang="en-IN" dirty="0" smtClean="0">
@@ -15611,15 +15320,7 @@
                 <a:ea typeface="Avenir Next" charset="0"/>
                 <a:cs typeface="Avenir Next" charset="0"/>
               </a:rPr>
-              <a:t>- {insert </a:t>
-            </a:r>
-            <a:r>
-              <a:rPr lang="en-IN" dirty="0" smtClean="0">
-                <a:latin typeface="Avenir Next" charset="0"/>
-                <a:ea typeface="Avenir Next" charset="0"/>
-                <a:cs typeface="Avenir Next" charset="0"/>
-              </a:rPr>
-              <a:t>advantage}</a:t>
+              <a:t>- {insert advantage}</a:t>
             </a:r>
           </a:p>
           <a:p>
@@ -17600,16 +17301,7 @@
                 <a:cs typeface="Avenir Next" charset="0"/>
                 <a:sym typeface="Wingdings" panose="05000000000000000000" pitchFamily="2" charset="2"/>
               </a:rPr>
-              <a:t>Algorithm  The algorithm was natively developed, tested and optimized</a:t>
-            </a:r>
-            <a:r>
-              <a:rPr lang="en-IN" sz="2000" dirty="0" smtClean="0">
-                <a:latin typeface="Avenir Next" charset="0"/>
-                <a:ea typeface="Avenir Next" charset="0"/>
-                <a:cs typeface="Avenir Next" charset="0"/>
-                <a:sym typeface="Wingdings" panose="05000000000000000000" pitchFamily="2" charset="2"/>
-              </a:rPr>
-              <a:t>.</a:t>
+              <a:t>Algorithm  The algorithm was natively developed, tested and optimized.</a:t>
             </a:r>
           </a:p>
           <a:p>
@@ -18415,7 +18107,15 @@
                 <a:ea typeface="Avenir Next" charset="0"/>
                 <a:cs typeface="Avenir Next" charset="0"/>
               </a:rPr>
-              <a:t>Sprint </a:t>
+              <a:t>Sprint 3</a:t>
+            </a:r>
+            <a:r>
+              <a:rPr lang="en-IN" sz="2800" u="sng" dirty="0" smtClean="0">
+                <a:latin typeface="Avenir Next" charset="0"/>
+                <a:ea typeface="Avenir Next" charset="0"/>
+                <a:cs typeface="Avenir Next" charset="0"/>
+              </a:rPr>
+              <a:t> </a:t>
             </a:r>
             <a:r>
               <a:rPr lang="en-IN" sz="2800" u="sng" dirty="0">
@@ -18423,7 +18123,7 @@
                 <a:ea typeface="Avenir Next" charset="0"/>
                 <a:cs typeface="Avenir Next" charset="0"/>
               </a:rPr>
-              <a:t>3</a:t>
+              <a:t>- </a:t>
             </a:r>
             <a:r>
               <a:rPr lang="en-IN" sz="2800" u="sng" dirty="0" smtClean="0">
@@ -18431,36 +18131,45 @@
                 <a:ea typeface="Avenir Next" charset="0"/>
                 <a:cs typeface="Avenir Next" charset="0"/>
               </a:rPr>
+              <a:t>Overview</a:t>
+            </a:r>
+            <a:endParaRPr lang="en-IN" sz="2800" u="sng" dirty="0">
+              <a:latin typeface="Avenir Next" charset="0"/>
+              <a:ea typeface="Avenir Next" charset="0"/>
+              <a:cs typeface="Avenir Next" charset="0"/>
+            </a:endParaRPr>
+          </a:p>
+          <a:p>
+            <a:endParaRPr lang="en-IN" dirty="0">
+              <a:latin typeface="Avenir Next" charset="0"/>
+              <a:ea typeface="Avenir Next" charset="0"/>
+              <a:cs typeface="Avenir Next" charset="0"/>
+            </a:endParaRPr>
+          </a:p>
+          <a:p>
+            <a:r>
+              <a:rPr lang="en-IN" sz="2000" dirty="0" smtClean="0">
+                <a:latin typeface="Avenir Next" charset="0"/>
+                <a:ea typeface="Avenir Next" charset="0"/>
+                <a:cs typeface="Avenir Next" charset="0"/>
+              </a:rPr>
+              <a:t>A lot of time was spent on developing the remaining front-end and integrating the algorithm with the back-end.</a:t>
+            </a:r>
+            <a:endParaRPr lang="en-IN" sz="2000" dirty="0">
+              <a:latin typeface="Avenir Next" charset="0"/>
+              <a:ea typeface="Avenir Next" charset="0"/>
+              <a:cs typeface="Avenir Next" charset="0"/>
+            </a:endParaRPr>
+          </a:p>
+          <a:p>
+            <a:r>
+              <a:rPr lang="en-IN" sz="2000" dirty="0">
+                <a:latin typeface="Avenir Next" charset="0"/>
+                <a:ea typeface="Avenir Next" charset="0"/>
+                <a:cs typeface="Avenir Next" charset="0"/>
+              </a:rPr>
               <a:t> </a:t>
             </a:r>
-            <a:r>
-              <a:rPr lang="en-IN" sz="2800" u="sng" dirty="0">
-                <a:latin typeface="Avenir Next" charset="0"/>
-                <a:ea typeface="Avenir Next" charset="0"/>
-                <a:cs typeface="Avenir Next" charset="0"/>
-              </a:rPr>
-              <a:t>- </a:t>
-            </a:r>
-            <a:r>
-              <a:rPr lang="en-IN" sz="2800" u="sng" dirty="0" smtClean="0">
-                <a:latin typeface="Avenir Next" charset="0"/>
-                <a:ea typeface="Avenir Next" charset="0"/>
-                <a:cs typeface="Avenir Next" charset="0"/>
-              </a:rPr>
-              <a:t>Overview</a:t>
-            </a:r>
-            <a:endParaRPr lang="en-IN" sz="2800" u="sng" dirty="0">
-              <a:latin typeface="Avenir Next" charset="0"/>
-              <a:ea typeface="Avenir Next" charset="0"/>
-              <a:cs typeface="Avenir Next" charset="0"/>
-            </a:endParaRPr>
-          </a:p>
-          <a:p>
-            <a:endParaRPr lang="en-IN" dirty="0">
-              <a:latin typeface="Avenir Next" charset="0"/>
-              <a:ea typeface="Avenir Next" charset="0"/>
-              <a:cs typeface="Avenir Next" charset="0"/>
-            </a:endParaRPr>
           </a:p>
           <a:p>
             <a:r>
@@ -18469,23 +18178,31 @@
                 <a:ea typeface="Avenir Next" charset="0"/>
                 <a:cs typeface="Avenir Next" charset="0"/>
               </a:rPr>
-              <a:t>A lot of time was spent on developing the remaining front-end and integrating the algorithm with the back-end.</a:t>
+              <a:t>Front End </a:t>
+            </a:r>
+            <a:r>
+              <a:rPr lang="en-IN" sz="2000" dirty="0" smtClean="0">
+                <a:latin typeface="Avenir Next" charset="0"/>
+                <a:ea typeface="Avenir Next" charset="0"/>
+                <a:cs typeface="Avenir Next" charset="0"/>
+                <a:sym typeface="Wingdings" panose="05000000000000000000" pitchFamily="2" charset="2"/>
+              </a:rPr>
+              <a:t> Created the student schedule and company queue display pages.</a:t>
             </a:r>
             <a:endParaRPr lang="en-IN" sz="2000" dirty="0">
               <a:latin typeface="Avenir Next" charset="0"/>
               <a:ea typeface="Avenir Next" charset="0"/>
               <a:cs typeface="Avenir Next" charset="0"/>
-            </a:endParaRPr>
-          </a:p>
-          <a:p>
-            <a:r>
-              <a:rPr lang="en-IN" sz="2000" dirty="0">
-                <a:latin typeface="Avenir Next" charset="0"/>
-                <a:ea typeface="Avenir Next" charset="0"/>
-                <a:cs typeface="Avenir Next" charset="0"/>
-              </a:rPr>
-              <a:t> </a:t>
-            </a:r>
+              <a:sym typeface="Wingdings" panose="05000000000000000000" pitchFamily="2" charset="2"/>
+            </a:endParaRPr>
+          </a:p>
+          <a:p>
+            <a:endParaRPr lang="en-IN" sz="2000" dirty="0">
+              <a:latin typeface="Avenir Next" charset="0"/>
+              <a:ea typeface="Avenir Next" charset="0"/>
+              <a:cs typeface="Avenir Next" charset="0"/>
+              <a:sym typeface="Wingdings" panose="05000000000000000000" pitchFamily="2" charset="2"/>
+            </a:endParaRPr>
           </a:p>
           <a:p>
             <a:r>
@@ -18493,8 +18210,18 @@
                 <a:latin typeface="Avenir Next" charset="0"/>
                 <a:ea typeface="Avenir Next" charset="0"/>
                 <a:cs typeface="Avenir Next" charset="0"/>
-              </a:rPr>
-              <a:t>Front End </a:t>
+                <a:sym typeface="Wingdings" panose="05000000000000000000" pitchFamily="2" charset="2"/>
+              </a:rPr>
+              <a:t>Back End  The </a:t>
+            </a:r>
+            <a:r>
+              <a:rPr lang="en-IN" sz="2000" dirty="0" err="1" smtClean="0">
+                <a:latin typeface="Avenir Next" charset="0"/>
+                <a:ea typeface="Avenir Next" charset="0"/>
+                <a:cs typeface="Avenir Next" charset="0"/>
+                <a:sym typeface="Wingdings" panose="05000000000000000000" pitchFamily="2" charset="2"/>
+              </a:rPr>
+              <a:t>node.js</a:t>
             </a:r>
             <a:r>
               <a:rPr lang="en-IN" sz="2000" dirty="0" smtClean="0">
@@ -18503,8 +18230,10 @@
                 <a:cs typeface="Avenir Next" charset="0"/>
                 <a:sym typeface="Wingdings" panose="05000000000000000000" pitchFamily="2" charset="2"/>
               </a:rPr>
-              <a:t> Created the student schedule and company queue display pages.</a:t>
-            </a:r>
+              <a:t> backend was integrated with the Java server. Also handle the backend for the newly created pages.</a:t>
+            </a:r>
+          </a:p>
+          <a:p>
             <a:endParaRPr lang="en-IN" sz="2000" dirty="0">
               <a:latin typeface="Avenir Next" charset="0"/>
               <a:ea typeface="Avenir Next" charset="0"/>
@@ -18513,14 +18242,6 @@
             </a:endParaRPr>
           </a:p>
           <a:p>
-            <a:endParaRPr lang="en-IN" sz="2000" dirty="0">
-              <a:latin typeface="Avenir Next" charset="0"/>
-              <a:ea typeface="Avenir Next" charset="0"/>
-              <a:cs typeface="Avenir Next" charset="0"/>
-              <a:sym typeface="Wingdings" panose="05000000000000000000" pitchFamily="2" charset="2"/>
-            </a:endParaRPr>
-          </a:p>
-          <a:p>
             <a:r>
               <a:rPr lang="en-IN" sz="2000" dirty="0" smtClean="0">
                 <a:latin typeface="Avenir Next" charset="0"/>
@@ -18528,53 +18249,7 @@
                 <a:cs typeface="Avenir Next" charset="0"/>
                 <a:sym typeface="Wingdings" panose="05000000000000000000" pitchFamily="2" charset="2"/>
               </a:rPr>
-              <a:t>Back End  The </a:t>
-            </a:r>
-            <a:r>
-              <a:rPr lang="en-IN" sz="2000" dirty="0" err="1" smtClean="0">
-                <a:latin typeface="Avenir Next" charset="0"/>
-                <a:ea typeface="Avenir Next" charset="0"/>
-                <a:cs typeface="Avenir Next" charset="0"/>
-                <a:sym typeface="Wingdings" panose="05000000000000000000" pitchFamily="2" charset="2"/>
-              </a:rPr>
-              <a:t>node.js</a:t>
-            </a:r>
-            <a:r>
-              <a:rPr lang="en-IN" sz="2000" dirty="0" smtClean="0">
-                <a:latin typeface="Avenir Next" charset="0"/>
-                <a:ea typeface="Avenir Next" charset="0"/>
-                <a:cs typeface="Avenir Next" charset="0"/>
-                <a:sym typeface="Wingdings" panose="05000000000000000000" pitchFamily="2" charset="2"/>
-              </a:rPr>
-              <a:t> backend was integrated with the Java server. Also handle the backend for the newly created pages.</a:t>
-            </a:r>
-          </a:p>
-          <a:p>
-            <a:endParaRPr lang="en-IN" sz="2000" dirty="0">
-              <a:latin typeface="Avenir Next" charset="0"/>
-              <a:ea typeface="Avenir Next" charset="0"/>
-              <a:cs typeface="Avenir Next" charset="0"/>
-              <a:sym typeface="Wingdings" panose="05000000000000000000" pitchFamily="2" charset="2"/>
-            </a:endParaRPr>
-          </a:p>
-          <a:p>
-            <a:r>
-              <a:rPr lang="en-IN" sz="2000" dirty="0" smtClean="0">
-                <a:latin typeface="Avenir Next" charset="0"/>
-                <a:ea typeface="Avenir Next" charset="0"/>
-                <a:cs typeface="Avenir Next" charset="0"/>
-                <a:sym typeface="Wingdings" panose="05000000000000000000" pitchFamily="2" charset="2"/>
-              </a:rPr>
-              <a:t>Algorithm  </a:t>
-            </a:r>
-            <a:r>
-              <a:rPr lang="en-IN" sz="2000" dirty="0" smtClean="0">
-                <a:latin typeface="Avenir Next" charset="0"/>
-                <a:ea typeface="Avenir Next" charset="0"/>
-                <a:cs typeface="Avenir Next" charset="0"/>
-                <a:sym typeface="Wingdings" panose="05000000000000000000" pitchFamily="2" charset="2"/>
-              </a:rPr>
-              <a:t>A Java server using jersey was created to communicate between the algorithm and the back-end.</a:t>
+              <a:t>Algorithm  A Java server using jersey was created to communicate between the algorithm and the back-end.</a:t>
             </a:r>
           </a:p>
         </p:txBody>
